--- a/MicroDB_Presentation.pptx
+++ b/MicroDB_Presentation.pptx
@@ -34,30 +34,32 @@
     <p:sldId id="279" r:id="rId30"/>
     <p:sldId id="280" r:id="rId31"/>
     <p:sldId id="281" r:id="rId32"/>
+    <p:sldId id="282" r:id="rId33"/>
+    <p:sldId id="283" r:id="rId34"/>
   </p:sldIdLst>
   <p:sldSz cy="5143500" cx="9144000"/>
   <p:notesSz cx="6858000" cy="9144000"/>
   <p:embeddedFontLst>
     <p:embeddedFont>
       <p:font typeface="Raleway"/>
-      <p:regular r:id="rId33"/>
-      <p:bold r:id="rId34"/>
-      <p:italic r:id="rId35"/>
-      <p:boldItalic r:id="rId36"/>
+      <p:regular r:id="rId35"/>
+      <p:bold r:id="rId36"/>
+      <p:italic r:id="rId37"/>
+      <p:boldItalic r:id="rId38"/>
     </p:embeddedFont>
     <p:embeddedFont>
       <p:font typeface="Roboto"/>
-      <p:regular r:id="rId37"/>
-      <p:bold r:id="rId38"/>
-      <p:italic r:id="rId39"/>
-      <p:boldItalic r:id="rId40"/>
+      <p:regular r:id="rId39"/>
+      <p:bold r:id="rId40"/>
+      <p:italic r:id="rId41"/>
+      <p:boldItalic r:id="rId42"/>
     </p:embeddedFont>
     <p:embeddedFont>
       <p:font typeface="Lato"/>
-      <p:regular r:id="rId41"/>
-      <p:bold r:id="rId42"/>
-      <p:italic r:id="rId43"/>
-      <p:boldItalic r:id="rId44"/>
+      <p:regular r:id="rId43"/>
+      <p:bold r:id="rId44"/>
+      <p:italic r:id="rId45"/>
+      <p:boldItalic r:id="rId46"/>
     </p:embeddedFont>
   </p:embeddedFontLst>
   <p:defaultTextStyle>
@@ -838,7 +840,7 @@
   <p:cSld>
     <p:spTree>
       <p:nvGrpSpPr>
-        <p:cNvPr id="143" name="Shape 143"/>
+        <p:cNvPr id="142" name="Shape 142"/>
         <p:cNvGrpSpPr/>
         <p:nvPr/>
       </p:nvGrpSpPr>
@@ -852,7 +854,7 @@
       </p:grpSpPr>
       <p:sp>
         <p:nvSpPr>
-          <p:cNvPr id="144" name="Google Shape;144;g12659a61f69_0_12:notes"/>
+          <p:cNvPr id="143" name="Google Shape;143;g12659a61f69_0_2:notes"/>
           <p:cNvSpPr/>
           <p:nvPr>
             <p:ph idx="2" type="sldImg"/>
@@ -887,7 +889,7 @@
       </p:sp>
       <p:sp>
         <p:nvSpPr>
-          <p:cNvPr id="145" name="Google Shape;145;g12659a61f69_0_12:notes"/>
+          <p:cNvPr id="144" name="Google Shape;144;g12659a61f69_0_2:notes"/>
           <p:cNvSpPr txBox="1"/>
           <p:nvPr>
             <p:ph idx="1" type="body"/>
@@ -937,7 +939,7 @@
   <p:cSld>
     <p:spTree>
       <p:nvGrpSpPr>
-        <p:cNvPr id="150" name="Shape 150"/>
+        <p:cNvPr id="149" name="Shape 149"/>
         <p:cNvGrpSpPr/>
         <p:nvPr/>
       </p:nvGrpSpPr>
@@ -951,7 +953,7 @@
       </p:grpSpPr>
       <p:sp>
         <p:nvSpPr>
-          <p:cNvPr id="151" name="Google Shape;151;g12659a61f69_0_17:notes"/>
+          <p:cNvPr id="150" name="Google Shape;150;g12659a61f69_0_12:notes"/>
           <p:cNvSpPr/>
           <p:nvPr>
             <p:ph idx="2" type="sldImg"/>
@@ -986,7 +988,7 @@
       </p:sp>
       <p:sp>
         <p:nvSpPr>
-          <p:cNvPr id="152" name="Google Shape;152;g12659a61f69_0_17:notes"/>
+          <p:cNvPr id="151" name="Google Shape;151;g12659a61f69_0_12:notes"/>
           <p:cNvSpPr txBox="1"/>
           <p:nvPr>
             <p:ph idx="1" type="body"/>
@@ -1036,7 +1038,7 @@
   <p:cSld>
     <p:spTree>
       <p:nvGrpSpPr>
-        <p:cNvPr id="157" name="Shape 157"/>
+        <p:cNvPr id="156" name="Shape 156"/>
         <p:cNvGrpSpPr/>
         <p:nvPr/>
       </p:nvGrpSpPr>
@@ -1050,7 +1052,7 @@
       </p:grpSpPr>
       <p:sp>
         <p:nvSpPr>
-          <p:cNvPr id="158" name="Google Shape;158;g12659a61f69_0_60:notes"/>
+          <p:cNvPr id="157" name="Google Shape;157;g12659a61f69_0_17:notes"/>
           <p:cNvSpPr/>
           <p:nvPr>
             <p:ph idx="2" type="sldImg"/>
@@ -1085,7 +1087,7 @@
       </p:sp>
       <p:sp>
         <p:nvSpPr>
-          <p:cNvPr id="159" name="Google Shape;159;g12659a61f69_0_60:notes"/>
+          <p:cNvPr id="158" name="Google Shape;158;g12659a61f69_0_17:notes"/>
           <p:cNvSpPr txBox="1"/>
           <p:nvPr>
             <p:ph idx="1" type="body"/>
@@ -1135,7 +1137,7 @@
   <p:cSld>
     <p:spTree>
       <p:nvGrpSpPr>
-        <p:cNvPr id="164" name="Shape 164"/>
+        <p:cNvPr id="163" name="Shape 163"/>
         <p:cNvGrpSpPr/>
         <p:nvPr/>
       </p:nvGrpSpPr>
@@ -1149,7 +1151,7 @@
       </p:grpSpPr>
       <p:sp>
         <p:nvSpPr>
-          <p:cNvPr id="165" name="Google Shape;165;g12659a61f69_3_1:notes"/>
+          <p:cNvPr id="164" name="Google Shape;164;g12659a61f69_0_60:notes"/>
           <p:cNvSpPr/>
           <p:nvPr>
             <p:ph idx="2" type="sldImg"/>
@@ -1184,7 +1186,7 @@
       </p:sp>
       <p:sp>
         <p:nvSpPr>
-          <p:cNvPr id="166" name="Google Shape;166;g12659a61f69_3_1:notes"/>
+          <p:cNvPr id="165" name="Google Shape;165;g12659a61f69_0_60:notes"/>
           <p:cNvSpPr txBox="1"/>
           <p:nvPr>
             <p:ph idx="1" type="body"/>
@@ -1234,7 +1236,7 @@
   <p:cSld>
     <p:spTree>
       <p:nvGrpSpPr>
-        <p:cNvPr id="179" name="Shape 179"/>
+        <p:cNvPr id="170" name="Shape 170"/>
         <p:cNvGrpSpPr/>
         <p:nvPr/>
       </p:nvGrpSpPr>
@@ -1248,7 +1250,7 @@
       </p:grpSpPr>
       <p:sp>
         <p:nvSpPr>
-          <p:cNvPr id="180" name="Google Shape;180;g12659a61f69_0_24:notes"/>
+          <p:cNvPr id="171" name="Google Shape;171;g12659a61f69_3_1:notes"/>
           <p:cNvSpPr/>
           <p:nvPr>
             <p:ph idx="2" type="sldImg"/>
@@ -1283,7 +1285,7 @@
       </p:sp>
       <p:sp>
         <p:nvSpPr>
-          <p:cNvPr id="181" name="Google Shape;181;g12659a61f69_0_24:notes"/>
+          <p:cNvPr id="172" name="Google Shape;172;g12659a61f69_3_1:notes"/>
           <p:cNvSpPr txBox="1"/>
           <p:nvPr>
             <p:ph idx="1" type="body"/>
@@ -1333,7 +1335,7 @@
   <p:cSld>
     <p:spTree>
       <p:nvGrpSpPr>
-        <p:cNvPr id="186" name="Shape 186"/>
+        <p:cNvPr id="185" name="Shape 185"/>
         <p:cNvGrpSpPr/>
         <p:nvPr/>
       </p:nvGrpSpPr>
@@ -1347,7 +1349,7 @@
       </p:grpSpPr>
       <p:sp>
         <p:nvSpPr>
-          <p:cNvPr id="187" name="Google Shape;187;g12659a61f69_0_38:notes"/>
+          <p:cNvPr id="186" name="Google Shape;186;g12659a61f69_0_24:notes"/>
           <p:cNvSpPr/>
           <p:nvPr>
             <p:ph idx="2" type="sldImg"/>
@@ -1382,7 +1384,7 @@
       </p:sp>
       <p:sp>
         <p:nvSpPr>
-          <p:cNvPr id="188" name="Google Shape;188;g12659a61f69_0_38:notes"/>
+          <p:cNvPr id="187" name="Google Shape;187;g12659a61f69_0_24:notes"/>
           <p:cNvSpPr txBox="1"/>
           <p:nvPr>
             <p:ph idx="1" type="body"/>
@@ -1432,7 +1434,7 @@
   <p:cSld>
     <p:spTree>
       <p:nvGrpSpPr>
-        <p:cNvPr id="193" name="Shape 193"/>
+        <p:cNvPr id="192" name="Shape 192"/>
         <p:cNvGrpSpPr/>
         <p:nvPr/>
       </p:nvGrpSpPr>
@@ -1446,7 +1448,7 @@
       </p:grpSpPr>
       <p:sp>
         <p:nvSpPr>
-          <p:cNvPr id="194" name="Google Shape;194;g12659a61f69_0_29:notes"/>
+          <p:cNvPr id="193" name="Google Shape;193;g12659a61f69_0_38:notes"/>
           <p:cNvSpPr/>
           <p:nvPr>
             <p:ph idx="2" type="sldImg"/>
@@ -1481,7 +1483,7 @@
       </p:sp>
       <p:sp>
         <p:nvSpPr>
-          <p:cNvPr id="195" name="Google Shape;195;g12659a61f69_0_29:notes"/>
+          <p:cNvPr id="194" name="Google Shape;194;g12659a61f69_0_38:notes"/>
           <p:cNvSpPr txBox="1"/>
           <p:nvPr>
             <p:ph idx="1" type="body"/>
@@ -1531,7 +1533,7 @@
   <p:cSld>
     <p:spTree>
       <p:nvGrpSpPr>
-        <p:cNvPr id="200" name="Shape 200"/>
+        <p:cNvPr id="199" name="Shape 199"/>
         <p:cNvGrpSpPr/>
         <p:nvPr/>
       </p:nvGrpSpPr>
@@ -1545,7 +1547,7 @@
       </p:grpSpPr>
       <p:sp>
         <p:nvSpPr>
-          <p:cNvPr id="201" name="Google Shape;201;g1267a3d2423_0_107:notes"/>
+          <p:cNvPr id="200" name="Google Shape;200;g12659a61f69_0_29:notes"/>
           <p:cNvSpPr/>
           <p:nvPr>
             <p:ph idx="2" type="sldImg"/>
@@ -1580,7 +1582,7 @@
       </p:sp>
       <p:sp>
         <p:nvSpPr>
-          <p:cNvPr id="202" name="Google Shape;202;g1267a3d2423_0_107:notes"/>
+          <p:cNvPr id="201" name="Google Shape;201;g12659a61f69_0_29:notes"/>
           <p:cNvSpPr txBox="1"/>
           <p:nvPr>
             <p:ph idx="1" type="body"/>
@@ -1630,7 +1632,7 @@
   <p:cSld>
     <p:spTree>
       <p:nvGrpSpPr>
-        <p:cNvPr id="207" name="Shape 207"/>
+        <p:cNvPr id="206" name="Shape 206"/>
         <p:cNvGrpSpPr/>
         <p:nvPr/>
       </p:nvGrpSpPr>
@@ -1644,7 +1646,7 @@
       </p:grpSpPr>
       <p:sp>
         <p:nvSpPr>
-          <p:cNvPr id="208" name="Google Shape;208;g12659a61f69_0_43:notes"/>
+          <p:cNvPr id="207" name="Google Shape;207;g1267a3d2423_0_107:notes"/>
           <p:cNvSpPr/>
           <p:nvPr>
             <p:ph idx="2" type="sldImg"/>
@@ -1679,7 +1681,7 @@
       </p:sp>
       <p:sp>
         <p:nvSpPr>
-          <p:cNvPr id="209" name="Google Shape;209;g12659a61f69_0_43:notes"/>
+          <p:cNvPr id="208" name="Google Shape;208;g1267a3d2423_0_107:notes"/>
           <p:cNvSpPr txBox="1"/>
           <p:nvPr>
             <p:ph idx="1" type="body"/>
@@ -1729,7 +1731,7 @@
   <p:cSld>
     <p:spTree>
       <p:nvGrpSpPr>
-        <p:cNvPr id="214" name="Shape 214"/>
+        <p:cNvPr id="213" name="Shape 213"/>
         <p:cNvGrpSpPr/>
         <p:nvPr/>
       </p:nvGrpSpPr>
@@ -1743,7 +1745,7 @@
       </p:grpSpPr>
       <p:sp>
         <p:nvSpPr>
-          <p:cNvPr id="215" name="Google Shape;215;g12659a61f69_0_48:notes"/>
+          <p:cNvPr id="214" name="Google Shape;214;g12659a61f69_0_43:notes"/>
           <p:cNvSpPr/>
           <p:nvPr>
             <p:ph idx="2" type="sldImg"/>
@@ -1778,7 +1780,7 @@
       </p:sp>
       <p:sp>
         <p:nvSpPr>
-          <p:cNvPr id="216" name="Google Shape;216;g12659a61f69_0_48:notes"/>
+          <p:cNvPr id="215" name="Google Shape;215;g12659a61f69_0_43:notes"/>
           <p:cNvSpPr txBox="1"/>
           <p:nvPr>
             <p:ph idx="1" type="body"/>
@@ -1842,7 +1844,7 @@
       </p:grpSpPr>
       <p:sp>
         <p:nvSpPr>
-          <p:cNvPr id="93" name="Google Shape;93;g1267a3d2423_0_81:notes"/>
+          <p:cNvPr id="93" name="Google Shape;93;g1267a3d2423_0_172:notes"/>
           <p:cNvSpPr/>
           <p:nvPr>
             <p:ph idx="2" type="sldImg"/>
@@ -1877,7 +1879,7 @@
       </p:sp>
       <p:sp>
         <p:nvSpPr>
-          <p:cNvPr id="94" name="Google Shape;94;g1267a3d2423_0_81:notes"/>
+          <p:cNvPr id="94" name="Google Shape;94;g1267a3d2423_0_172:notes"/>
           <p:cNvSpPr txBox="1"/>
           <p:nvPr>
             <p:ph idx="1" type="body"/>
@@ -1927,7 +1929,7 @@
   <p:cSld>
     <p:spTree>
       <p:nvGrpSpPr>
-        <p:cNvPr id="221" name="Shape 221"/>
+        <p:cNvPr id="220" name="Shape 220"/>
         <p:cNvGrpSpPr/>
         <p:nvPr/>
       </p:nvGrpSpPr>
@@ -1941,7 +1943,7 @@
       </p:grpSpPr>
       <p:sp>
         <p:nvSpPr>
-          <p:cNvPr id="222" name="Google Shape;222;g1267a3d2423_0_113:notes"/>
+          <p:cNvPr id="221" name="Google Shape;221;g12659a61f69_0_48:notes"/>
           <p:cNvSpPr/>
           <p:nvPr>
             <p:ph idx="2" type="sldImg"/>
@@ -1976,7 +1978,7 @@
       </p:sp>
       <p:sp>
         <p:nvSpPr>
-          <p:cNvPr id="223" name="Google Shape;223;g1267a3d2423_0_113:notes"/>
+          <p:cNvPr id="222" name="Google Shape;222;g12659a61f69_0_48:notes"/>
           <p:cNvSpPr txBox="1"/>
           <p:nvPr>
             <p:ph idx="1" type="body"/>
@@ -2040,7 +2042,7 @@
       </p:grpSpPr>
       <p:sp>
         <p:nvSpPr>
-          <p:cNvPr id="228" name="Google Shape;228;g1267a3d2423_0_126:notes"/>
+          <p:cNvPr id="228" name="Google Shape;228;g1267a3d2423_0_113:notes"/>
           <p:cNvSpPr/>
           <p:nvPr>
             <p:ph idx="2" type="sldImg"/>
@@ -2075,7 +2077,7 @@
       </p:sp>
       <p:sp>
         <p:nvSpPr>
-          <p:cNvPr id="229" name="Google Shape;229;g1267a3d2423_0_126:notes"/>
+          <p:cNvPr id="229" name="Google Shape;229;g1267a3d2423_0_113:notes"/>
           <p:cNvSpPr txBox="1"/>
           <p:nvPr>
             <p:ph idx="1" type="body"/>
@@ -2139,7 +2141,7 @@
       </p:grpSpPr>
       <p:sp>
         <p:nvSpPr>
-          <p:cNvPr id="234" name="Google Shape;234;g1267a3d2423_0_139:notes"/>
+          <p:cNvPr id="234" name="Google Shape;234;g1267a3d2423_0_126:notes"/>
           <p:cNvSpPr/>
           <p:nvPr>
             <p:ph idx="2" type="sldImg"/>
@@ -2174,7 +2176,7 @@
       </p:sp>
       <p:sp>
         <p:nvSpPr>
-          <p:cNvPr id="235" name="Google Shape;235;g1267a3d2423_0_139:notes"/>
+          <p:cNvPr id="235" name="Google Shape;235;g1267a3d2423_0_126:notes"/>
           <p:cNvSpPr txBox="1"/>
           <p:nvPr>
             <p:ph idx="1" type="body"/>
@@ -2238,7 +2240,7 @@
       </p:grpSpPr>
       <p:sp>
         <p:nvSpPr>
-          <p:cNvPr id="240" name="Google Shape;240;g12659a61f69_0_76:notes"/>
+          <p:cNvPr id="240" name="Google Shape;240;g1267a3d2423_0_139:notes"/>
           <p:cNvSpPr/>
           <p:nvPr>
             <p:ph idx="2" type="sldImg"/>
@@ -2273,7 +2275,7 @@
       </p:sp>
       <p:sp>
         <p:nvSpPr>
-          <p:cNvPr id="241" name="Google Shape;241;g12659a61f69_0_76:notes"/>
+          <p:cNvPr id="241" name="Google Shape;241;g1267a3d2423_0_139:notes"/>
           <p:cNvSpPr txBox="1"/>
           <p:nvPr>
             <p:ph idx="1" type="body"/>
@@ -2337,7 +2339,7 @@
       </p:grpSpPr>
       <p:sp>
         <p:nvSpPr>
-          <p:cNvPr id="246" name="Google Shape;246;g12659a61f69_3_25:notes"/>
+          <p:cNvPr id="246" name="Google Shape;246;g12659a61f69_0_76:notes"/>
           <p:cNvSpPr/>
           <p:nvPr>
             <p:ph idx="2" type="sldImg"/>
@@ -2372,7 +2374,7 @@
       </p:sp>
       <p:sp>
         <p:nvSpPr>
-          <p:cNvPr id="247" name="Google Shape;247;g12659a61f69_3_25:notes"/>
+          <p:cNvPr id="247" name="Google Shape;247;g12659a61f69_0_76:notes"/>
           <p:cNvSpPr txBox="1"/>
           <p:nvPr>
             <p:ph idx="1" type="body"/>
@@ -2422,7 +2424,7 @@
   <p:cSld>
     <p:spTree>
       <p:nvGrpSpPr>
-        <p:cNvPr id="256" name="Shape 256"/>
+        <p:cNvPr id="251" name="Shape 251"/>
         <p:cNvGrpSpPr/>
         <p:nvPr/>
       </p:nvGrpSpPr>
@@ -2436,7 +2438,7 @@
       </p:grpSpPr>
       <p:sp>
         <p:nvSpPr>
-          <p:cNvPr id="257" name="Google Shape;257;g12659a61f69_0_71:notes"/>
+          <p:cNvPr id="252" name="Google Shape;252;g12659a61f69_3_25:notes"/>
           <p:cNvSpPr/>
           <p:nvPr>
             <p:ph idx="2" type="sldImg"/>
@@ -2471,7 +2473,7 @@
       </p:sp>
       <p:sp>
         <p:nvSpPr>
-          <p:cNvPr id="258" name="Google Shape;258;g12659a61f69_0_71:notes"/>
+          <p:cNvPr id="253" name="Google Shape;253;g12659a61f69_3_25:notes"/>
           <p:cNvSpPr txBox="1"/>
           <p:nvPr>
             <p:ph idx="1" type="body"/>
@@ -2535,7 +2537,7 @@
       </p:grpSpPr>
       <p:sp>
         <p:nvSpPr>
-          <p:cNvPr id="263" name="Google Shape;263;g12659a61f69_0_66:notes"/>
+          <p:cNvPr id="263" name="Google Shape;263;g12659a61f69_0_71:notes"/>
           <p:cNvSpPr/>
           <p:nvPr>
             <p:ph idx="2" type="sldImg"/>
@@ -2570,7 +2572,205 @@
       </p:sp>
       <p:sp>
         <p:nvSpPr>
-          <p:cNvPr id="264" name="Google Shape;264;g12659a61f69_0_66:notes"/>
+          <p:cNvPr id="264" name="Google Shape;264;g12659a61f69_0_71:notes"/>
+          <p:cNvSpPr txBox="1"/>
+          <p:nvPr>
+            <p:ph idx="1" type="body"/>
+          </p:nvPr>
+        </p:nvSpPr>
+        <p:spPr>
+          <a:xfrm>
+            <a:off x="685800" y="4343400"/>
+            <a:ext cx="5486400" cy="4114800"/>
+          </a:xfrm>
+          <a:prstGeom prst="rect">
+            <a:avLst/>
+          </a:prstGeom>
+        </p:spPr>
+        <p:txBody>
+          <a:bodyPr anchorCtr="0" anchor="t" bIns="91425" lIns="91425" spcFirstLastPara="1" rIns="91425" wrap="square" tIns="91425">
+            <a:noAutofit/>
+          </a:bodyPr>
+          <a:lstStyle/>
+          <a:p>
+            <a:pPr indent="0" lvl="0" marL="0" rtl="0" algn="l">
+              <a:spcBef>
+                <a:spcPts val="0"/>
+              </a:spcBef>
+              <a:spcAft>
+                <a:spcPts val="0"/>
+              </a:spcAft>
+              <a:buNone/>
+            </a:pPr>
+            <a:r>
+              <a:t/>
+            </a:r>
+            <a:endParaRPr/>
+          </a:p>
+        </p:txBody>
+      </p:sp>
+    </p:spTree>
+  </p:cSld>
+  <p:clrMapOvr>
+    <a:masterClrMapping/>
+  </p:clrMapOvr>
+</p:notes>
+</file>
+
+<file path=ppt/notesSlides/notesSlide27.xml><?xml version="1.0" encoding="utf-8"?>
+<p:notes xmlns:a="http://schemas.openxmlformats.org/drawingml/2006/main" xmlns:r="http://schemas.openxmlformats.org/officeDocument/2006/relationships" xmlns:mc="http://schemas.openxmlformats.org/markup-compatibility/2006" xmlns:mv="urn:schemas-microsoft-com:mac:vml" xmlns:p="http://schemas.openxmlformats.org/presentationml/2006/main" xmlns:c="http://schemas.openxmlformats.org/drawingml/2006/chart" xmlns:dgm="http://schemas.openxmlformats.org/drawingml/2006/diagram" xmlns:o="urn:schemas-microsoft-com:office:office" xmlns:v="urn:schemas-microsoft-com:vml" xmlns:pvml="urn:schemas-microsoft-com:office:powerpoint" xmlns:com="http://schemas.openxmlformats.org/drawingml/2006/compatibility" xmlns:p14="http://schemas.microsoft.com/office/powerpoint/2010/main" xmlns:p15="http://schemas.microsoft.com/office/powerpoint/2012/main" xmlns:ahyp="http://schemas.microsoft.com/office/drawing/2018/hyperlinkcolor" showMasterPhAnim="0" showMasterSp="0">
+  <p:cSld>
+    <p:spTree>
+      <p:nvGrpSpPr>
+        <p:cNvPr id="268" name="Shape 268"/>
+        <p:cNvGrpSpPr/>
+        <p:nvPr/>
+      </p:nvGrpSpPr>
+      <p:grpSpPr>
+        <a:xfrm>
+          <a:off x="0" y="0"/>
+          <a:ext cx="0" cy="0"/>
+          <a:chOff x="0" y="0"/>
+          <a:chExt cx="0" cy="0"/>
+        </a:xfrm>
+      </p:grpSpPr>
+      <p:sp>
+        <p:nvSpPr>
+          <p:cNvPr id="269" name="Google Shape;269;g12659a61f69_0_66:notes"/>
+          <p:cNvSpPr/>
+          <p:nvPr>
+            <p:ph idx="2" type="sldImg"/>
+          </p:nvPr>
+        </p:nvSpPr>
+        <p:spPr>
+          <a:xfrm>
+            <a:off x="381300" y="685800"/>
+            <a:ext cx="6096000" cy="3429000"/>
+          </a:xfrm>
+          <a:custGeom>
+            <a:rect b="b" l="l" r="r" t="t"/>
+            <a:pathLst>
+              <a:path extrusionOk="0" h="120000" w="120000">
+                <a:moveTo>
+                  <a:pt x="0" y="0"/>
+                </a:moveTo>
+                <a:lnTo>
+                  <a:pt x="120000" y="0"/>
+                </a:lnTo>
+                <a:lnTo>
+                  <a:pt x="120000" y="120000"/>
+                </a:lnTo>
+                <a:lnTo>
+                  <a:pt x="0" y="120000"/>
+                </a:lnTo>
+                <a:close/>
+              </a:path>
+            </a:pathLst>
+          </a:custGeom>
+        </p:spPr>
+      </p:sp>
+      <p:sp>
+        <p:nvSpPr>
+          <p:cNvPr id="270" name="Google Shape;270;g12659a61f69_0_66:notes"/>
+          <p:cNvSpPr txBox="1"/>
+          <p:nvPr>
+            <p:ph idx="1" type="body"/>
+          </p:nvPr>
+        </p:nvSpPr>
+        <p:spPr>
+          <a:xfrm>
+            <a:off x="685800" y="4343400"/>
+            <a:ext cx="5486400" cy="4114800"/>
+          </a:xfrm>
+          <a:prstGeom prst="rect">
+            <a:avLst/>
+          </a:prstGeom>
+        </p:spPr>
+        <p:txBody>
+          <a:bodyPr anchorCtr="0" anchor="t" bIns="91425" lIns="91425" spcFirstLastPara="1" rIns="91425" wrap="square" tIns="91425">
+            <a:noAutofit/>
+          </a:bodyPr>
+          <a:lstStyle/>
+          <a:p>
+            <a:pPr indent="0" lvl="0" marL="0" rtl="0" algn="l">
+              <a:spcBef>
+                <a:spcPts val="0"/>
+              </a:spcBef>
+              <a:spcAft>
+                <a:spcPts val="0"/>
+              </a:spcAft>
+              <a:buNone/>
+            </a:pPr>
+            <a:r>
+              <a:t/>
+            </a:r>
+            <a:endParaRPr/>
+          </a:p>
+        </p:txBody>
+      </p:sp>
+    </p:spTree>
+  </p:cSld>
+  <p:clrMapOvr>
+    <a:masterClrMapping/>
+  </p:clrMapOvr>
+</p:notes>
+</file>
+
+<file path=ppt/notesSlides/notesSlide28.xml><?xml version="1.0" encoding="utf-8"?>
+<p:notes xmlns:a="http://schemas.openxmlformats.org/drawingml/2006/main" xmlns:r="http://schemas.openxmlformats.org/officeDocument/2006/relationships" xmlns:mc="http://schemas.openxmlformats.org/markup-compatibility/2006" xmlns:mv="urn:schemas-microsoft-com:mac:vml" xmlns:p="http://schemas.openxmlformats.org/presentationml/2006/main" xmlns:c="http://schemas.openxmlformats.org/drawingml/2006/chart" xmlns:dgm="http://schemas.openxmlformats.org/drawingml/2006/diagram" xmlns:o="urn:schemas-microsoft-com:office:office" xmlns:v="urn:schemas-microsoft-com:vml" xmlns:pvml="urn:schemas-microsoft-com:office:powerpoint" xmlns:com="http://schemas.openxmlformats.org/drawingml/2006/compatibility" xmlns:p14="http://schemas.microsoft.com/office/powerpoint/2010/main" xmlns:p15="http://schemas.microsoft.com/office/powerpoint/2012/main" xmlns:ahyp="http://schemas.microsoft.com/office/drawing/2018/hyperlinkcolor" showMasterPhAnim="0" showMasterSp="0">
+  <p:cSld>
+    <p:spTree>
+      <p:nvGrpSpPr>
+        <p:cNvPr id="280" name="Shape 280"/>
+        <p:cNvGrpSpPr/>
+        <p:nvPr/>
+      </p:nvGrpSpPr>
+      <p:grpSpPr>
+        <a:xfrm>
+          <a:off x="0" y="0"/>
+          <a:ext cx="0" cy="0"/>
+          <a:chOff x="0" y="0"/>
+          <a:chExt cx="0" cy="0"/>
+        </a:xfrm>
+      </p:grpSpPr>
+      <p:sp>
+        <p:nvSpPr>
+          <p:cNvPr id="281" name="Google Shape;281;g1267a3d2423_0_182:notes"/>
+          <p:cNvSpPr/>
+          <p:nvPr>
+            <p:ph idx="2" type="sldImg"/>
+          </p:nvPr>
+        </p:nvSpPr>
+        <p:spPr>
+          <a:xfrm>
+            <a:off x="381300" y="685800"/>
+            <a:ext cx="6096000" cy="3429000"/>
+          </a:xfrm>
+          <a:custGeom>
+            <a:rect b="b" l="l" r="r" t="t"/>
+            <a:pathLst>
+              <a:path extrusionOk="0" h="120000" w="120000">
+                <a:moveTo>
+                  <a:pt x="0" y="0"/>
+                </a:moveTo>
+                <a:lnTo>
+                  <a:pt x="120000" y="0"/>
+                </a:lnTo>
+                <a:lnTo>
+                  <a:pt x="120000" y="120000"/>
+                </a:lnTo>
+                <a:lnTo>
+                  <a:pt x="0" y="120000"/>
+                </a:lnTo>
+                <a:close/>
+              </a:path>
+            </a:pathLst>
+          </a:custGeom>
+        </p:spPr>
+      </p:sp>
+      <p:sp>
+        <p:nvSpPr>
+          <p:cNvPr id="282" name="Google Shape;282;g1267a3d2423_0_182:notes"/>
           <p:cNvSpPr txBox="1"/>
           <p:nvPr>
             <p:ph idx="1" type="body"/>
@@ -2634,7 +2834,7 @@
       </p:grpSpPr>
       <p:sp>
         <p:nvSpPr>
-          <p:cNvPr id="99" name="Google Shape;99;g1267a3d2423_0_150:notes"/>
+          <p:cNvPr id="99" name="Google Shape;99;g1267a3d2423_0_81:notes"/>
           <p:cNvSpPr/>
           <p:nvPr>
             <p:ph idx="2" type="sldImg"/>
@@ -2669,7 +2869,7 @@
       </p:sp>
       <p:sp>
         <p:nvSpPr>
-          <p:cNvPr id="100" name="Google Shape;100;g1267a3d2423_0_150:notes"/>
+          <p:cNvPr id="100" name="Google Shape;100;g1267a3d2423_0_81:notes"/>
           <p:cNvSpPr txBox="1"/>
           <p:nvPr>
             <p:ph idx="1" type="body"/>
@@ -2733,7 +2933,7 @@
       </p:grpSpPr>
       <p:sp>
         <p:nvSpPr>
-          <p:cNvPr id="105" name="Google Shape;105;g1267a3d2423_0_155:notes"/>
+          <p:cNvPr id="105" name="Google Shape;105;g1267a3d2423_0_150:notes"/>
           <p:cNvSpPr/>
           <p:nvPr>
             <p:ph idx="2" type="sldImg"/>
@@ -2768,7 +2968,7 @@
       </p:sp>
       <p:sp>
         <p:nvSpPr>
-          <p:cNvPr id="106" name="Google Shape;106;g1267a3d2423_0_155:notes"/>
+          <p:cNvPr id="106" name="Google Shape;106;g1267a3d2423_0_150:notes"/>
           <p:cNvSpPr txBox="1"/>
           <p:nvPr>
             <p:ph idx="1" type="body"/>
@@ -2818,7 +3018,7 @@
   <p:cSld>
     <p:spTree>
       <p:nvGrpSpPr>
-        <p:cNvPr id="109" name="Shape 109"/>
+        <p:cNvPr id="110" name="Shape 110"/>
         <p:cNvGrpSpPr/>
         <p:nvPr/>
       </p:nvGrpSpPr>
@@ -2832,7 +3032,7 @@
       </p:grpSpPr>
       <p:sp>
         <p:nvSpPr>
-          <p:cNvPr id="110" name="Google Shape;110;g1267a3d2423_0_95:notes"/>
+          <p:cNvPr id="111" name="Google Shape;111;g1267a3d2423_0_155:notes"/>
           <p:cNvSpPr/>
           <p:nvPr>
             <p:ph idx="2" type="sldImg"/>
@@ -2867,7 +3067,7 @@
       </p:sp>
       <p:sp>
         <p:nvSpPr>
-          <p:cNvPr id="111" name="Google Shape;111;g1267a3d2423_0_95:notes"/>
+          <p:cNvPr id="112" name="Google Shape;112;g1267a3d2423_0_155:notes"/>
           <p:cNvSpPr txBox="1"/>
           <p:nvPr>
             <p:ph idx="1" type="body"/>
@@ -2931,7 +3131,7 @@
       </p:grpSpPr>
       <p:sp>
         <p:nvSpPr>
-          <p:cNvPr id="116" name="Google Shape;116;g1267a3d2423_0_159:notes"/>
+          <p:cNvPr id="116" name="Google Shape;116;g1267a3d2423_0_95:notes"/>
           <p:cNvSpPr/>
           <p:nvPr>
             <p:ph idx="2" type="sldImg"/>
@@ -2966,7 +3166,7 @@
       </p:sp>
       <p:sp>
         <p:nvSpPr>
-          <p:cNvPr id="117" name="Google Shape;117;g1267a3d2423_0_159:notes"/>
+          <p:cNvPr id="117" name="Google Shape;117;g1267a3d2423_0_95:notes"/>
           <p:cNvSpPr txBox="1"/>
           <p:nvPr>
             <p:ph idx="1" type="body"/>
@@ -3030,7 +3230,7 @@
       </p:grpSpPr>
       <p:sp>
         <p:nvSpPr>
-          <p:cNvPr id="122" name="Google Shape;122;g1267a3d2423_0_100:notes"/>
+          <p:cNvPr id="122" name="Google Shape;122;g1267a3d2423_0_159:notes"/>
           <p:cNvSpPr/>
           <p:nvPr>
             <p:ph idx="2" type="sldImg"/>
@@ -3065,7 +3265,7 @@
       </p:sp>
       <p:sp>
         <p:nvSpPr>
-          <p:cNvPr id="123" name="Google Shape;123;g1267a3d2423_0_100:notes"/>
+          <p:cNvPr id="123" name="Google Shape;123;g1267a3d2423_0_159:notes"/>
           <p:cNvSpPr txBox="1"/>
           <p:nvPr>
             <p:ph idx="1" type="body"/>
@@ -3115,7 +3315,7 @@
   <p:cSld>
     <p:spTree>
       <p:nvGrpSpPr>
-        <p:cNvPr id="128" name="Shape 128"/>
+        <p:cNvPr id="127" name="Shape 127"/>
         <p:cNvGrpSpPr/>
         <p:nvPr/>
       </p:nvGrpSpPr>
@@ -3129,7 +3329,7 @@
       </p:grpSpPr>
       <p:sp>
         <p:nvSpPr>
-          <p:cNvPr id="129" name="Google Shape;129;g12659a61f69_0_2:notes"/>
+          <p:cNvPr id="128" name="Google Shape;128;g12659a61f69_0_7:notes"/>
           <p:cNvSpPr/>
           <p:nvPr>
             <p:ph idx="2" type="sldImg"/>
@@ -3164,7 +3364,7 @@
       </p:sp>
       <p:sp>
         <p:nvSpPr>
-          <p:cNvPr id="130" name="Google Shape;130;g12659a61f69_0_2:notes"/>
+          <p:cNvPr id="129" name="Google Shape;129;g12659a61f69_0_7:notes"/>
           <p:cNvSpPr txBox="1"/>
           <p:nvPr>
             <p:ph idx="1" type="body"/>
@@ -3228,7 +3428,7 @@
       </p:grpSpPr>
       <p:sp>
         <p:nvSpPr>
-          <p:cNvPr id="136" name="Google Shape;136;g12659a61f69_0_7:notes"/>
+          <p:cNvPr id="136" name="Google Shape;136;g1267a3d2423_0_100:notes"/>
           <p:cNvSpPr/>
           <p:nvPr>
             <p:ph idx="2" type="sldImg"/>
@@ -3263,7 +3463,7 @@
       </p:sp>
       <p:sp>
         <p:nvSpPr>
-          <p:cNvPr id="137" name="Google Shape;137;g12659a61f69_0_7:notes"/>
+          <p:cNvPr id="137" name="Google Shape;137;g1267a3d2423_0_100:notes"/>
           <p:cNvSpPr txBox="1"/>
           <p:nvPr>
             <p:ph idx="1" type="body"/>
@@ -9914,7 +10114,7 @@
   <p:cSld>
     <p:spTree>
       <p:nvGrpSpPr>
-        <p:cNvPr id="146" name="Shape 146"/>
+        <p:cNvPr id="145" name="Shape 145"/>
         <p:cNvGrpSpPr/>
         <p:nvPr/>
       </p:nvGrpSpPr>
@@ -9928,7 +10128,7 @@
       </p:grpSpPr>
       <p:sp>
         <p:nvSpPr>
-          <p:cNvPr id="147" name="Google Shape;147;p22"/>
+          <p:cNvPr id="146" name="Google Shape;146;p22"/>
           <p:cNvSpPr txBox="1"/>
           <p:nvPr>
             <p:ph type="title"/>
@@ -9960,7 +10160,7 @@
             </a:pPr>
             <a:r>
               <a:rPr lang="en"/>
-              <a:t>How we organize the index file</a:t>
+              <a:t>Design Approach</a:t>
             </a:r>
             <a:endParaRPr/>
           </a:p>
@@ -9968,7 +10168,7 @@
       </p:sp>
       <p:sp>
         <p:nvSpPr>
-          <p:cNvPr id="148" name="Google Shape;148;p22"/>
+          <p:cNvPr id="147" name="Google Shape;147;p22"/>
           <p:cNvSpPr txBox="1"/>
           <p:nvPr>
             <p:ph idx="1" type="body"/>
@@ -9976,8 +10176,8 @@
         </p:nvSpPr>
         <p:spPr>
           <a:xfrm>
-            <a:off x="6128825" y="1318650"/>
-            <a:ext cx="2827500" cy="3697800"/>
+            <a:off x="729450" y="2078875"/>
+            <a:ext cx="7688700" cy="2261100"/>
           </a:xfrm>
           <a:prstGeom prst="rect">
             <a:avLst/>
@@ -9985,109 +10185,30 @@
         </p:spPr>
         <p:txBody>
           <a:bodyPr anchorCtr="0" anchor="t" bIns="91425" lIns="91425" spcFirstLastPara="1" rIns="91425" wrap="square" tIns="91425">
-            <a:noAutofit/>
+            <a:normAutofit/>
           </a:bodyPr>
           <a:lstStyle/>
           <a:p>
             <a:pPr indent="0" lvl="0" marL="0" rtl="0" algn="l">
-              <a:lnSpc>
-                <a:spcPct val="95000"/>
-              </a:lnSpc>
-              <a:spcBef>
-                <a:spcPts val="0"/>
-              </a:spcBef>
-              <a:spcAft>
-                <a:spcPts val="0"/>
-              </a:spcAft>
-              <a:buSzPts val="770"/>
+              <a:spcBef>
+                <a:spcPts val="0"/>
+              </a:spcBef>
+              <a:spcAft>
+                <a:spcPts val="1200"/>
+              </a:spcAft>
               <a:buNone/>
             </a:pPr>
             <a:r>
-              <a:rPr lang="en" sz="1522"/>
-              <a:t>When key value </a:t>
-            </a:r>
-            <a:r>
-              <a:rPr lang="en" sz="1522"/>
-              <a:t>conflicts</a:t>
-            </a:r>
-            <a:r>
-              <a:rPr lang="en" sz="1522"/>
-              <a:t> happens, append the new idx struct to the end of the file. </a:t>
-            </a:r>
-            <a:endParaRPr sz="1522"/>
-          </a:p>
-          <a:p>
-            <a:pPr indent="0" lvl="0" marL="0" rtl="0" algn="l">
-              <a:lnSpc>
-                <a:spcPct val="95000"/>
-              </a:lnSpc>
-              <a:spcBef>
-                <a:spcPts val="1200"/>
-              </a:spcBef>
-              <a:spcAft>
-                <a:spcPts val="0"/>
-              </a:spcAft>
-              <a:buSzPts val="770"/>
-              <a:buNone/>
-            </a:pPr>
-            <a:r>
-              <a:rPr lang="en" sz="1522"/>
-              <a:t>Set the next_idx_off of the last conflict key’s idx struct as the offset of the new idx struct. Thus, the hash table is organised as a Linked list.</a:t>
-            </a:r>
-            <a:endParaRPr sz="1522"/>
-          </a:p>
-          <a:p>
-            <a:pPr indent="0" lvl="0" marL="0" rtl="0" algn="l">
-              <a:lnSpc>
-                <a:spcPct val="95000"/>
-              </a:lnSpc>
-              <a:spcBef>
-                <a:spcPts val="1200"/>
-              </a:spcBef>
-              <a:spcAft>
-                <a:spcPts val="0"/>
-              </a:spcAft>
-              <a:buSzPts val="770"/>
-              <a:buNone/>
-            </a:pPr>
-            <a:r>
-              <a:rPr lang="en" sz="1522"/>
-              <a:t>When  a key’s idx struct is deleted, we do not truly delete it. Only set “isDelete” to be true. We can directly insert a new idx struct to the </a:t>
-            </a:r>
-            <a:r>
-              <a:rPr lang="en" sz="1522"/>
-              <a:t>position</a:t>
-            </a:r>
-            <a:r>
-              <a:rPr lang="en" sz="1522"/>
-              <a:t> where “isDelete” == true.</a:t>
-            </a:r>
-            <a:endParaRPr sz="1522"/>
-          </a:p>
-          <a:p>
-            <a:pPr indent="0" lvl="0" marL="0" rtl="0" algn="l">
-              <a:lnSpc>
-                <a:spcPct val="95000"/>
-              </a:lnSpc>
-              <a:spcBef>
-                <a:spcPts val="1200"/>
-              </a:spcBef>
-              <a:spcAft>
-                <a:spcPts val="1200"/>
-              </a:spcAft>
-              <a:buSzPts val="770"/>
-              <a:buNone/>
-            </a:pPr>
-            <a:r>
-              <a:t/>
-            </a:r>
-            <a:endParaRPr sz="1010"/>
+              <a:rPr lang="en" sz="2300"/>
+              <a:t>Index struct</a:t>
+            </a:r>
+            <a:endParaRPr sz="2300"/>
           </a:p>
         </p:txBody>
       </p:sp>
       <p:pic>
         <p:nvPicPr>
-          <p:cNvPr id="149" name="Google Shape;149;p22"/>
+          <p:cNvPr id="148" name="Google Shape;148;p22"/>
           <p:cNvPicPr preferRelativeResize="0"/>
           <p:nvPr/>
         </p:nvPicPr>
@@ -10101,8 +10222,8 @@
         </p:blipFill>
         <p:spPr>
           <a:xfrm>
-            <a:off x="511800" y="2008825"/>
-            <a:ext cx="5400700" cy="2960024"/>
+            <a:off x="3792225" y="2078875"/>
+            <a:ext cx="3905250" cy="2762250"/>
           </a:xfrm>
           <a:prstGeom prst="rect">
             <a:avLst/>
@@ -10126,7 +10247,7 @@
   <p:cSld>
     <p:spTree>
       <p:nvGrpSpPr>
-        <p:cNvPr id="153" name="Shape 153"/>
+        <p:cNvPr id="152" name="Shape 152"/>
         <p:cNvGrpSpPr/>
         <p:nvPr/>
       </p:nvGrpSpPr>
@@ -10140,7 +10261,7 @@
       </p:grpSpPr>
       <p:sp>
         <p:nvSpPr>
-          <p:cNvPr id="154" name="Google Shape;154;p23"/>
+          <p:cNvPr id="153" name="Google Shape;153;p23"/>
           <p:cNvSpPr txBox="1"/>
           <p:nvPr>
             <p:ph type="title"/>
@@ -10172,7 +10293,7 @@
             </a:pPr>
             <a:r>
               <a:rPr lang="en"/>
-              <a:t>How we organize the data file </a:t>
+              <a:t>How we organize the index file</a:t>
             </a:r>
             <a:endParaRPr/>
           </a:p>
@@ -10180,7 +10301,7 @@
       </p:sp>
       <p:sp>
         <p:nvSpPr>
-          <p:cNvPr id="155" name="Google Shape;155;p23"/>
+          <p:cNvPr id="154" name="Google Shape;154;p23"/>
           <p:cNvSpPr txBox="1"/>
           <p:nvPr>
             <p:ph idx="1" type="body"/>
@@ -10188,8 +10309,8 @@
         </p:nvSpPr>
         <p:spPr>
           <a:xfrm>
-            <a:off x="867125" y="1925350"/>
-            <a:ext cx="6666000" cy="535200"/>
+            <a:off x="6128825" y="1318650"/>
+            <a:ext cx="2827500" cy="3697800"/>
           </a:xfrm>
           <a:prstGeom prst="rect">
             <a:avLst/>
@@ -10197,30 +10318,109 @@
         </p:spPr>
         <p:txBody>
           <a:bodyPr anchorCtr="0" anchor="t" bIns="91425" lIns="91425" spcFirstLastPara="1" rIns="91425" wrap="square" tIns="91425">
-            <a:normAutofit/>
+            <a:noAutofit/>
           </a:bodyPr>
           <a:lstStyle/>
           <a:p>
             <a:pPr indent="0" lvl="0" marL="0" rtl="0" algn="l">
-              <a:spcBef>
-                <a:spcPts val="0"/>
-              </a:spcBef>
-              <a:spcAft>
+              <a:lnSpc>
+                <a:spcPct val="95000"/>
+              </a:lnSpc>
+              <a:spcBef>
+                <a:spcPts val="0"/>
+              </a:spcBef>
+              <a:spcAft>
+                <a:spcPts val="0"/>
+              </a:spcAft>
+              <a:buSzPts val="770"/>
+              <a:buNone/>
+            </a:pPr>
+            <a:r>
+              <a:rPr lang="en" sz="1522"/>
+              <a:t>When key value </a:t>
+            </a:r>
+            <a:r>
+              <a:rPr lang="en" sz="1522"/>
+              <a:t>conflicts</a:t>
+            </a:r>
+            <a:r>
+              <a:rPr lang="en" sz="1522"/>
+              <a:t> happens, append the new idx struct to the end of the file. </a:t>
+            </a:r>
+            <a:endParaRPr sz="1522"/>
+          </a:p>
+          <a:p>
+            <a:pPr indent="0" lvl="0" marL="0" rtl="0" algn="l">
+              <a:lnSpc>
+                <a:spcPct val="95000"/>
+              </a:lnSpc>
+              <a:spcBef>
                 <a:spcPts val="1200"/>
-              </a:spcAft>
+              </a:spcBef>
+              <a:spcAft>
+                <a:spcPts val="0"/>
+              </a:spcAft>
+              <a:buSzPts val="770"/>
               <a:buNone/>
             </a:pPr>
             <a:r>
-              <a:rPr lang="en" sz="1600"/>
-              <a:t>The value data of each key is stored sequentially in the dat file.</a:t>
-            </a:r>
-            <a:endParaRPr sz="1600"/>
+              <a:rPr lang="en" sz="1522"/>
+              <a:t>Set the next_idx_off of the last conflict key’s idx struct as the offset of the new idx struct. Thus, the hash table is organised as a Linked list.</a:t>
+            </a:r>
+            <a:endParaRPr sz="1522"/>
+          </a:p>
+          <a:p>
+            <a:pPr indent="0" lvl="0" marL="0" rtl="0" algn="l">
+              <a:lnSpc>
+                <a:spcPct val="95000"/>
+              </a:lnSpc>
+              <a:spcBef>
+                <a:spcPts val="1200"/>
+              </a:spcBef>
+              <a:spcAft>
+                <a:spcPts val="0"/>
+              </a:spcAft>
+              <a:buSzPts val="770"/>
+              <a:buNone/>
+            </a:pPr>
+            <a:r>
+              <a:rPr lang="en" sz="1522"/>
+              <a:t>When  a key’s idx struct is deleted, we do not truly delete it. Only set “isDelete” to be true. We can directly insert a new idx struct to the </a:t>
+            </a:r>
+            <a:r>
+              <a:rPr lang="en" sz="1522"/>
+              <a:t>position</a:t>
+            </a:r>
+            <a:r>
+              <a:rPr lang="en" sz="1522"/>
+              <a:t> where “isDelete” == true.</a:t>
+            </a:r>
+            <a:endParaRPr sz="1522"/>
+          </a:p>
+          <a:p>
+            <a:pPr indent="0" lvl="0" marL="0" rtl="0" algn="l">
+              <a:lnSpc>
+                <a:spcPct val="95000"/>
+              </a:lnSpc>
+              <a:spcBef>
+                <a:spcPts val="1200"/>
+              </a:spcBef>
+              <a:spcAft>
+                <a:spcPts val="1200"/>
+              </a:spcAft>
+              <a:buSzPts val="770"/>
+              <a:buNone/>
+            </a:pPr>
+            <a:r>
+              <a:t/>
+            </a:r>
+            <a:endParaRPr sz="1010"/>
           </a:p>
         </p:txBody>
       </p:sp>
       <p:pic>
         <p:nvPicPr>
-          <p:cNvPr id="156" name="Google Shape;156;p23"/>
+          <p:cNvPr id="155" name="Google Shape;155;p23"/>
           <p:cNvPicPr preferRelativeResize="0"/>
           <p:nvPr/>
         </p:nvPicPr>
@@ -10234,8 +10434,8 @@
         </p:blipFill>
         <p:spPr>
           <a:xfrm>
-            <a:off x="1607050" y="2460554"/>
-            <a:ext cx="5186151" cy="2510874"/>
+            <a:off x="511800" y="2008825"/>
+            <a:ext cx="5400700" cy="2960024"/>
           </a:xfrm>
           <a:prstGeom prst="rect">
             <a:avLst/>
@@ -10259,7 +10459,7 @@
   <p:cSld>
     <p:spTree>
       <p:nvGrpSpPr>
-        <p:cNvPr id="160" name="Shape 160"/>
+        <p:cNvPr id="159" name="Shape 159"/>
         <p:cNvGrpSpPr/>
         <p:nvPr/>
       </p:nvGrpSpPr>
@@ -10273,7 +10473,7 @@
       </p:grpSpPr>
       <p:sp>
         <p:nvSpPr>
-          <p:cNvPr id="161" name="Google Shape;161;p24"/>
+          <p:cNvPr id="160" name="Google Shape;160;p24"/>
           <p:cNvSpPr txBox="1"/>
           <p:nvPr>
             <p:ph type="title"/>
@@ -10305,7 +10505,7 @@
             </a:pPr>
             <a:r>
               <a:rPr lang="en"/>
-              <a:t>Exception Handling</a:t>
+              <a:t>How we organize the data file </a:t>
             </a:r>
             <a:endParaRPr/>
           </a:p>
@@ -10313,7 +10513,7 @@
       </p:sp>
       <p:sp>
         <p:nvSpPr>
-          <p:cNvPr id="162" name="Google Shape;162;p24"/>
+          <p:cNvPr id="161" name="Google Shape;161;p24"/>
           <p:cNvSpPr txBox="1"/>
           <p:nvPr>
             <p:ph idx="1" type="body"/>
@@ -10321,8 +10521,8 @@
         </p:nvSpPr>
         <p:spPr>
           <a:xfrm>
-            <a:off x="729450" y="2078875"/>
-            <a:ext cx="7688700" cy="2261100"/>
+            <a:off x="867125" y="1925350"/>
+            <a:ext cx="6666000" cy="535200"/>
           </a:xfrm>
           <a:prstGeom prst="rect">
             <a:avLst/>
@@ -10339,65 +10539,21 @@
                 <a:spcPts val="0"/>
               </a:spcBef>
               <a:spcAft>
-                <a:spcPts val="0"/>
+                <a:spcPts val="1200"/>
               </a:spcAft>
               <a:buNone/>
             </a:pPr>
             <a:r>
-              <a:rPr lang="en"/>
-              <a:t>We wrote a exception class to handle some potential problems. We take some cases in consideration that </a:t>
-            </a:r>
-            <a:endParaRPr/>
-          </a:p>
-          <a:p>
-            <a:pPr indent="0" lvl="0" marL="0" rtl="0" algn="l">
-              <a:spcBef>
-                <a:spcPts val="1200"/>
-              </a:spcBef>
-              <a:spcAft>
-                <a:spcPts val="0"/>
-              </a:spcAft>
-              <a:buNone/>
-            </a:pPr>
-            <a:r>
-              <a:rPr lang="en"/>
-              <a:t>there may be some incorrect input like strings or characters when the system </a:t>
-            </a:r>
-            <a:r>
-              <a:rPr lang="en"/>
-              <a:t>wants</a:t>
-            </a:r>
-            <a:r>
-              <a:rPr lang="en"/>
-              <a:t> us to input a number. </a:t>
-            </a:r>
-            <a:endParaRPr/>
-          </a:p>
-          <a:p>
-            <a:pPr indent="0" lvl="0" marL="0" rtl="0" algn="l">
-              <a:spcBef>
-                <a:spcPts val="1200"/>
-              </a:spcBef>
-              <a:spcAft>
-                <a:spcPts val="1200"/>
-              </a:spcAft>
-              <a:buNone/>
-            </a:pPr>
-            <a:r>
-              <a:rPr lang="en"/>
-              <a:t>Or we input the wrong number which is not valid for it to work. Like it requires us to input numbers between 1 ~ 4, but we </a:t>
-            </a:r>
-            <a:r>
-              <a:rPr lang="en"/>
-              <a:t>input 8.</a:t>
-            </a:r>
-            <a:endParaRPr/>
+              <a:rPr lang="en" sz="1600"/>
+              <a:t>The value data of each key is stored sequentially in the dat file.</a:t>
+            </a:r>
+            <a:endParaRPr sz="1600"/>
           </a:p>
         </p:txBody>
       </p:sp>
       <p:pic>
         <p:nvPicPr>
-          <p:cNvPr id="163" name="Google Shape;163;p24"/>
+          <p:cNvPr id="162" name="Google Shape;162;p24"/>
           <p:cNvPicPr preferRelativeResize="0"/>
           <p:nvPr/>
         </p:nvPicPr>
@@ -10411,8 +10567,8 @@
         </p:blipFill>
         <p:spPr>
           <a:xfrm>
-            <a:off x="729450" y="3564025"/>
-            <a:ext cx="8071807" cy="1013850"/>
+            <a:off x="1607050" y="2460554"/>
+            <a:ext cx="5186151" cy="2510874"/>
           </a:xfrm>
           <a:prstGeom prst="rect">
             <a:avLst/>
@@ -10436,7 +10592,7 @@
   <p:cSld>
     <p:spTree>
       <p:nvGrpSpPr>
-        <p:cNvPr id="167" name="Shape 167"/>
+        <p:cNvPr id="166" name="Shape 166"/>
         <p:cNvGrpSpPr/>
         <p:nvPr/>
       </p:nvGrpSpPr>
@@ -10450,7 +10606,7 @@
       </p:grpSpPr>
       <p:sp>
         <p:nvSpPr>
-          <p:cNvPr id="168" name="Google Shape;168;p25"/>
+          <p:cNvPr id="167" name="Google Shape;167;p25"/>
           <p:cNvSpPr txBox="1"/>
           <p:nvPr>
             <p:ph type="title"/>
@@ -10490,7 +10646,7 @@
       </p:sp>
       <p:sp>
         <p:nvSpPr>
-          <p:cNvPr id="169" name="Google Shape;169;p25"/>
+          <p:cNvPr id="168" name="Google Shape;168;p25"/>
           <p:cNvSpPr txBox="1"/>
           <p:nvPr>
             <p:ph idx="1" type="body"/>
@@ -10522,9 +10678,9 @@
             </a:pPr>
             <a:r>
               <a:rPr lang="en"/>
-              <a:t>This is the exception class we defined.</a:t>
-            </a:r>
-            <a:endParaRPr sz="100"/>
+              <a:t>We wrote a exception class to handle some potential problems. We take some cases in consideration that </a:t>
+            </a:r>
+            <a:endParaRPr/>
           </a:p>
           <a:p>
             <a:pPr indent="0" lvl="0" marL="0" rtl="0" algn="l">
@@ -10532,12 +10688,41 @@
                 <a:spcPts val="1200"/>
               </a:spcBef>
               <a:spcAft>
+                <a:spcPts val="0"/>
+              </a:spcAft>
+              <a:buNone/>
+            </a:pPr>
+            <a:r>
+              <a:rPr lang="en"/>
+              <a:t>there may be some incorrect input like strings or characters when the system </a:t>
+            </a:r>
+            <a:r>
+              <a:rPr lang="en"/>
+              <a:t>wants</a:t>
+            </a:r>
+            <a:r>
+              <a:rPr lang="en"/>
+              <a:t> us to input a number. </a:t>
+            </a:r>
+            <a:endParaRPr/>
+          </a:p>
+          <a:p>
+            <a:pPr indent="0" lvl="0" marL="0" rtl="0" algn="l">
+              <a:spcBef>
                 <a:spcPts val="1200"/>
+              </a:spcBef>
+              <a:spcAft>
+                <a:spcPts val="1200"/>
               </a:spcAft>
               <a:buNone/>
             </a:pPr>
             <a:r>
-              <a:t/>
+              <a:rPr lang="en"/>
+              <a:t>Or we input the wrong number which is not valid for it to work. Like it requires us to input numbers between 1 ~ 4, but we </a:t>
+            </a:r>
+            <a:r>
+              <a:rPr lang="en"/>
+              <a:t>input 8.</a:t>
             </a:r>
             <a:endParaRPr/>
           </a:p>
@@ -10545,7 +10730,155 @@
       </p:sp>
       <p:pic>
         <p:nvPicPr>
-          <p:cNvPr id="170" name="Google Shape;170;p25"/>
+          <p:cNvPr id="169" name="Google Shape;169;p25"/>
+          <p:cNvPicPr preferRelativeResize="0"/>
+          <p:nvPr/>
+        </p:nvPicPr>
+        <p:blipFill>
+          <a:blip r:embed="rId3">
+            <a:alphaModFix/>
+          </a:blip>
+          <a:stretch>
+            <a:fillRect/>
+          </a:stretch>
+        </p:blipFill>
+        <p:spPr>
+          <a:xfrm>
+            <a:off x="729450" y="3564025"/>
+            <a:ext cx="8071807" cy="1013850"/>
+          </a:xfrm>
+          <a:prstGeom prst="rect">
+            <a:avLst/>
+          </a:prstGeom>
+          <a:noFill/>
+          <a:ln>
+            <a:noFill/>
+          </a:ln>
+        </p:spPr>
+      </p:pic>
+    </p:spTree>
+  </p:cSld>
+  <p:clrMapOvr>
+    <a:masterClrMapping/>
+  </p:clrMapOvr>
+</p:sld>
+</file>
+
+<file path=ppt/slides/slide14.xml><?xml version="1.0" encoding="utf-8"?>
+<p:sld xmlns:a="http://schemas.openxmlformats.org/drawingml/2006/main" xmlns:r="http://schemas.openxmlformats.org/officeDocument/2006/relationships" xmlns:mc="http://schemas.openxmlformats.org/markup-compatibility/2006" xmlns:mv="urn:schemas-microsoft-com:mac:vml" xmlns:p="http://schemas.openxmlformats.org/presentationml/2006/main" xmlns:c="http://schemas.openxmlformats.org/drawingml/2006/chart" xmlns:dgm="http://schemas.openxmlformats.org/drawingml/2006/diagram" xmlns:o="urn:schemas-microsoft-com:office:office" xmlns:v="urn:schemas-microsoft-com:vml" xmlns:pvml="urn:schemas-microsoft-com:office:powerpoint" xmlns:com="http://schemas.openxmlformats.org/drawingml/2006/compatibility" xmlns:p14="http://schemas.microsoft.com/office/powerpoint/2010/main" xmlns:p15="http://schemas.microsoft.com/office/powerpoint/2012/main" xmlns:ahyp="http://schemas.microsoft.com/office/drawing/2018/hyperlinkcolor">
+  <p:cSld>
+    <p:spTree>
+      <p:nvGrpSpPr>
+        <p:cNvPr id="173" name="Shape 173"/>
+        <p:cNvGrpSpPr/>
+        <p:nvPr/>
+      </p:nvGrpSpPr>
+      <p:grpSpPr>
+        <a:xfrm>
+          <a:off x="0" y="0"/>
+          <a:ext cx="0" cy="0"/>
+          <a:chOff x="0" y="0"/>
+          <a:chExt cx="0" cy="0"/>
+        </a:xfrm>
+      </p:grpSpPr>
+      <p:sp>
+        <p:nvSpPr>
+          <p:cNvPr id="174" name="Google Shape;174;p26"/>
+          <p:cNvSpPr txBox="1"/>
+          <p:nvPr>
+            <p:ph type="title"/>
+          </p:nvPr>
+        </p:nvSpPr>
+        <p:spPr>
+          <a:xfrm>
+            <a:off x="729450" y="1318650"/>
+            <a:ext cx="7688700" cy="535200"/>
+          </a:xfrm>
+          <a:prstGeom prst="rect">
+            <a:avLst/>
+          </a:prstGeom>
+        </p:spPr>
+        <p:txBody>
+          <a:bodyPr anchorCtr="0" anchor="t" bIns="91425" lIns="91425" spcFirstLastPara="1" rIns="91425" wrap="square" tIns="91425">
+            <a:normAutofit fontScale="90000"/>
+          </a:bodyPr>
+          <a:lstStyle/>
+          <a:p>
+            <a:pPr indent="0" lvl="0" marL="0" rtl="0" algn="l">
+              <a:spcBef>
+                <a:spcPts val="0"/>
+              </a:spcBef>
+              <a:spcAft>
+                <a:spcPts val="0"/>
+              </a:spcAft>
+              <a:buNone/>
+            </a:pPr>
+            <a:r>
+              <a:rPr lang="en"/>
+              <a:t>Exception Handling</a:t>
+            </a:r>
+            <a:endParaRPr/>
+          </a:p>
+        </p:txBody>
+      </p:sp>
+      <p:sp>
+        <p:nvSpPr>
+          <p:cNvPr id="175" name="Google Shape;175;p26"/>
+          <p:cNvSpPr txBox="1"/>
+          <p:nvPr>
+            <p:ph idx="1" type="body"/>
+          </p:nvPr>
+        </p:nvSpPr>
+        <p:spPr>
+          <a:xfrm>
+            <a:off x="729450" y="2078875"/>
+            <a:ext cx="7688700" cy="2261100"/>
+          </a:xfrm>
+          <a:prstGeom prst="rect">
+            <a:avLst/>
+          </a:prstGeom>
+        </p:spPr>
+        <p:txBody>
+          <a:bodyPr anchorCtr="0" anchor="t" bIns="91425" lIns="91425" spcFirstLastPara="1" rIns="91425" wrap="square" tIns="91425">
+            <a:normAutofit/>
+          </a:bodyPr>
+          <a:lstStyle/>
+          <a:p>
+            <a:pPr indent="0" lvl="0" marL="0" rtl="0" algn="l">
+              <a:spcBef>
+                <a:spcPts val="0"/>
+              </a:spcBef>
+              <a:spcAft>
+                <a:spcPts val="0"/>
+              </a:spcAft>
+              <a:buNone/>
+            </a:pPr>
+            <a:r>
+              <a:rPr lang="en"/>
+              <a:t>This is the exception class we defined.</a:t>
+            </a:r>
+            <a:endParaRPr sz="100"/>
+          </a:p>
+          <a:p>
+            <a:pPr indent="0" lvl="0" marL="0" rtl="0" algn="l">
+              <a:spcBef>
+                <a:spcPts val="1200"/>
+              </a:spcBef>
+              <a:spcAft>
+                <a:spcPts val="1200"/>
+              </a:spcAft>
+              <a:buNone/>
+            </a:pPr>
+            <a:r>
+              <a:t/>
+            </a:r>
+            <a:endParaRPr/>
+          </a:p>
+        </p:txBody>
+      </p:sp>
+      <p:pic>
+        <p:nvPicPr>
+          <p:cNvPr id="176" name="Google Shape;176;p26"/>
           <p:cNvPicPr preferRelativeResize="0"/>
           <p:nvPr/>
         </p:nvPicPr>
@@ -10572,9 +10905,9 @@
       </p:pic>
       <p:cxnSp>
         <p:nvCxnSpPr>
-          <p:cNvPr id="171" name="Google Shape;171;p25"/>
+          <p:cNvPr id="177" name="Google Shape;177;p26"/>
           <p:cNvCxnSpPr>
-            <a:endCxn id="170" idx="1"/>
+            <a:endCxn id="176" idx="1"/>
           </p:cNvCxnSpPr>
           <p:nvPr/>
         </p:nvCxnSpPr>
@@ -10600,7 +10933,7 @@
       </p:cxnSp>
       <p:pic>
         <p:nvPicPr>
-          <p:cNvPr id="172" name="Google Shape;172;p25"/>
+          <p:cNvPr id="178" name="Google Shape;178;p26"/>
           <p:cNvPicPr preferRelativeResize="0"/>
           <p:nvPr/>
         </p:nvPicPr>
@@ -10627,7 +10960,7 @@
       </p:pic>
       <p:pic>
         <p:nvPicPr>
-          <p:cNvPr id="173" name="Google Shape;173;p25"/>
+          <p:cNvPr id="179" name="Google Shape;179;p26"/>
           <p:cNvPicPr preferRelativeResize="0"/>
           <p:nvPr/>
         </p:nvPicPr>
@@ -10654,7 +10987,7 @@
       </p:pic>
       <p:sp>
         <p:nvSpPr>
-          <p:cNvPr id="174" name="Google Shape;174;p25"/>
+          <p:cNvPr id="180" name="Google Shape;180;p26"/>
           <p:cNvSpPr txBox="1"/>
           <p:nvPr/>
         </p:nvSpPr>
@@ -10715,10 +11048,10 @@
       </p:sp>
       <p:cxnSp>
         <p:nvCxnSpPr>
-          <p:cNvPr id="175" name="Google Shape;175;p25"/>
+          <p:cNvPr id="181" name="Google Shape;181;p26"/>
           <p:cNvCxnSpPr>
-            <a:stCxn id="174" idx="0"/>
-            <a:endCxn id="172" idx="2"/>
+            <a:stCxn id="180" idx="0"/>
+            <a:endCxn id="178" idx="2"/>
           </p:cNvCxnSpPr>
           <p:nvPr/>
         </p:nvCxnSpPr>
@@ -10744,10 +11077,10 @@
       </p:cxnSp>
       <p:cxnSp>
         <p:nvCxnSpPr>
-          <p:cNvPr id="176" name="Google Shape;176;p25"/>
+          <p:cNvPr id="182" name="Google Shape;182;p26"/>
           <p:cNvCxnSpPr>
-            <a:stCxn id="174" idx="0"/>
-            <a:endCxn id="173" idx="1"/>
+            <a:stCxn id="180" idx="0"/>
+            <a:endCxn id="179" idx="1"/>
           </p:cNvCxnSpPr>
           <p:nvPr/>
         </p:nvCxnSpPr>
@@ -10773,10 +11106,10 @@
       </p:cxnSp>
       <p:cxnSp>
         <p:nvCxnSpPr>
-          <p:cNvPr id="177" name="Google Shape;177;p25"/>
+          <p:cNvPr id="183" name="Google Shape;183;p26"/>
           <p:cNvCxnSpPr>
-            <a:stCxn id="170" idx="2"/>
-            <a:endCxn id="172" idx="0"/>
+            <a:stCxn id="176" idx="2"/>
+            <a:endCxn id="178" idx="0"/>
           </p:cNvCxnSpPr>
           <p:nvPr/>
         </p:nvCxnSpPr>
@@ -10802,10 +11135,10 @@
       </p:cxnSp>
       <p:cxnSp>
         <p:nvCxnSpPr>
-          <p:cNvPr id="178" name="Google Shape;178;p25"/>
+          <p:cNvPr id="184" name="Google Shape;184;p26"/>
           <p:cNvCxnSpPr>
-            <a:stCxn id="170" idx="2"/>
-            <a:endCxn id="173" idx="0"/>
+            <a:stCxn id="176" idx="2"/>
+            <a:endCxn id="179" idx="0"/>
           </p:cNvCxnSpPr>
           <p:nvPr/>
         </p:nvCxnSpPr>
@@ -10837,12 +11170,12 @@
 </p:sld>
 </file>
 
-<file path=ppt/slides/slide14.xml><?xml version="1.0" encoding="utf-8"?>
+<file path=ppt/slides/slide15.xml><?xml version="1.0" encoding="utf-8"?>
 <p:sld xmlns:a="http://schemas.openxmlformats.org/drawingml/2006/main" xmlns:r="http://schemas.openxmlformats.org/officeDocument/2006/relationships" xmlns:mc="http://schemas.openxmlformats.org/markup-compatibility/2006" xmlns:mv="urn:schemas-microsoft-com:mac:vml" xmlns:p="http://schemas.openxmlformats.org/presentationml/2006/main" xmlns:c="http://schemas.openxmlformats.org/drawingml/2006/chart" xmlns:dgm="http://schemas.openxmlformats.org/drawingml/2006/diagram" xmlns:o="urn:schemas-microsoft-com:office:office" xmlns:v="urn:schemas-microsoft-com:vml" xmlns:pvml="urn:schemas-microsoft-com:office:powerpoint" xmlns:com="http://schemas.openxmlformats.org/drawingml/2006/compatibility" xmlns:p14="http://schemas.microsoft.com/office/powerpoint/2010/main" xmlns:p15="http://schemas.microsoft.com/office/powerpoint/2012/main" xmlns:ahyp="http://schemas.microsoft.com/office/drawing/2018/hyperlinkcolor">
   <p:cSld>
     <p:spTree>
       <p:nvGrpSpPr>
-        <p:cNvPr id="182" name="Shape 182"/>
+        <p:cNvPr id="188" name="Shape 188"/>
         <p:cNvGrpSpPr/>
         <p:nvPr/>
       </p:nvGrpSpPr>
@@ -10856,7 +11189,7 @@
       </p:grpSpPr>
       <p:sp>
         <p:nvSpPr>
-          <p:cNvPr id="183" name="Google Shape;183;p26"/>
+          <p:cNvPr id="189" name="Google Shape;189;p27"/>
           <p:cNvSpPr txBox="1"/>
           <p:nvPr>
             <p:ph type="title"/>
@@ -10896,7 +11229,7 @@
       </p:sp>
       <p:sp>
         <p:nvSpPr>
-          <p:cNvPr id="184" name="Google Shape;184;p26"/>
+          <p:cNvPr id="190" name="Google Shape;190;p27"/>
           <p:cNvSpPr txBox="1"/>
           <p:nvPr>
             <p:ph idx="1" type="body"/>
@@ -10951,7 +11284,7 @@
       </p:sp>
       <p:pic>
         <p:nvPicPr>
-          <p:cNvPr id="185" name="Google Shape;185;p26"/>
+          <p:cNvPr id="191" name="Google Shape;191;p27"/>
           <p:cNvPicPr preferRelativeResize="0"/>
           <p:nvPr/>
         </p:nvPicPr>
@@ -10967,154 +11300,6 @@
           <a:xfrm>
             <a:off x="834300" y="3040148"/>
             <a:ext cx="6977400" cy="1299825"/>
-          </a:xfrm>
-          <a:prstGeom prst="rect">
-            <a:avLst/>
-          </a:prstGeom>
-          <a:noFill/>
-          <a:ln>
-            <a:noFill/>
-          </a:ln>
-        </p:spPr>
-      </p:pic>
-    </p:spTree>
-  </p:cSld>
-  <p:clrMapOvr>
-    <a:masterClrMapping/>
-  </p:clrMapOvr>
-</p:sld>
-</file>
-
-<file path=ppt/slides/slide15.xml><?xml version="1.0" encoding="utf-8"?>
-<p:sld xmlns:a="http://schemas.openxmlformats.org/drawingml/2006/main" xmlns:r="http://schemas.openxmlformats.org/officeDocument/2006/relationships" xmlns:mc="http://schemas.openxmlformats.org/markup-compatibility/2006" xmlns:mv="urn:schemas-microsoft-com:mac:vml" xmlns:p="http://schemas.openxmlformats.org/presentationml/2006/main" xmlns:c="http://schemas.openxmlformats.org/drawingml/2006/chart" xmlns:dgm="http://schemas.openxmlformats.org/drawingml/2006/diagram" xmlns:o="urn:schemas-microsoft-com:office:office" xmlns:v="urn:schemas-microsoft-com:vml" xmlns:pvml="urn:schemas-microsoft-com:office:powerpoint" xmlns:com="http://schemas.openxmlformats.org/drawingml/2006/compatibility" xmlns:p14="http://schemas.microsoft.com/office/powerpoint/2010/main" xmlns:p15="http://schemas.microsoft.com/office/powerpoint/2012/main" xmlns:ahyp="http://schemas.microsoft.com/office/drawing/2018/hyperlinkcolor">
-  <p:cSld>
-    <p:spTree>
-      <p:nvGrpSpPr>
-        <p:cNvPr id="189" name="Shape 189"/>
-        <p:cNvGrpSpPr/>
-        <p:nvPr/>
-      </p:nvGrpSpPr>
-      <p:grpSpPr>
-        <a:xfrm>
-          <a:off x="0" y="0"/>
-          <a:ext cx="0" cy="0"/>
-          <a:chOff x="0" y="0"/>
-          <a:chExt cx="0" cy="0"/>
-        </a:xfrm>
-      </p:grpSpPr>
-      <p:sp>
-        <p:nvSpPr>
-          <p:cNvPr id="190" name="Google Shape;190;p27"/>
-          <p:cNvSpPr txBox="1"/>
-          <p:nvPr>
-            <p:ph type="title"/>
-          </p:nvPr>
-        </p:nvSpPr>
-        <p:spPr>
-          <a:xfrm>
-            <a:off x="729450" y="1318650"/>
-            <a:ext cx="7688700" cy="535200"/>
-          </a:xfrm>
-          <a:prstGeom prst="rect">
-            <a:avLst/>
-          </a:prstGeom>
-        </p:spPr>
-        <p:txBody>
-          <a:bodyPr anchorCtr="0" anchor="t" bIns="91425" lIns="91425" spcFirstLastPara="1" rIns="91425" wrap="square" tIns="91425">
-            <a:normAutofit fontScale="90000"/>
-          </a:bodyPr>
-          <a:lstStyle/>
-          <a:p>
-            <a:pPr indent="0" lvl="0" marL="0" rtl="0" algn="l">
-              <a:spcBef>
-                <a:spcPts val="0"/>
-              </a:spcBef>
-              <a:spcAft>
-                <a:spcPts val="0"/>
-              </a:spcAft>
-              <a:buNone/>
-            </a:pPr>
-            <a:r>
-              <a:rPr lang="en"/>
-              <a:t>Sample</a:t>
-            </a:r>
-            <a:endParaRPr/>
-          </a:p>
-          <a:p>
-            <a:pPr indent="0" lvl="0" marL="0" rtl="0" algn="l">
-              <a:spcBef>
-                <a:spcPts val="0"/>
-              </a:spcBef>
-              <a:spcAft>
-                <a:spcPts val="0"/>
-              </a:spcAft>
-              <a:buNone/>
-            </a:pPr>
-            <a:r>
-              <a:t/>
-            </a:r>
-            <a:endParaRPr/>
-          </a:p>
-        </p:txBody>
-      </p:sp>
-      <p:sp>
-        <p:nvSpPr>
-          <p:cNvPr id="191" name="Google Shape;191;p27"/>
-          <p:cNvSpPr txBox="1"/>
-          <p:nvPr>
-            <p:ph idx="1" type="body"/>
-          </p:nvPr>
-        </p:nvSpPr>
-        <p:spPr>
-          <a:xfrm>
-            <a:off x="727650" y="1950925"/>
-            <a:ext cx="7688700" cy="889500"/>
-          </a:xfrm>
-          <a:prstGeom prst="rect">
-            <a:avLst/>
-          </a:prstGeom>
-        </p:spPr>
-        <p:txBody>
-          <a:bodyPr anchorCtr="0" anchor="t" bIns="91425" lIns="91425" spcFirstLastPara="1" rIns="91425" wrap="square" tIns="91425">
-            <a:normAutofit/>
-          </a:bodyPr>
-          <a:lstStyle/>
-          <a:p>
-            <a:pPr indent="0" lvl="0" marL="0" rtl="0" algn="l">
-              <a:spcBef>
-                <a:spcPts val="0"/>
-              </a:spcBef>
-              <a:spcAft>
-                <a:spcPts val="1200"/>
-              </a:spcAft>
-              <a:buNone/>
-            </a:pPr>
-            <a:r>
-              <a:rPr lang="en"/>
-              <a:t>Delete database: User would enter the name of the database to be deleted. if the database is found, then the idx file and dat file of this database would be deleted. Otherwise, the program would warn that the database is not found and return to the menu.</a:t>
-            </a:r>
-            <a:endParaRPr/>
-          </a:p>
-        </p:txBody>
-      </p:sp>
-      <p:pic>
-        <p:nvPicPr>
-          <p:cNvPr id="192" name="Google Shape;192;p27"/>
-          <p:cNvPicPr preferRelativeResize="0"/>
-          <p:nvPr/>
-        </p:nvPicPr>
-        <p:blipFill>
-          <a:blip r:embed="rId3">
-            <a:alphaModFix/>
-          </a:blip>
-          <a:stretch>
-            <a:fillRect/>
-          </a:stretch>
-        </p:blipFill>
-        <p:spPr>
-          <a:xfrm>
-            <a:off x="1048050" y="3210325"/>
-            <a:ext cx="6562725" cy="1085850"/>
           </a:xfrm>
           <a:prstGeom prst="rect">
             <a:avLst/>
@@ -11138,7 +11323,7 @@
   <p:cSld>
     <p:spTree>
       <p:nvGrpSpPr>
-        <p:cNvPr id="196" name="Shape 196"/>
+        <p:cNvPr id="195" name="Shape 195"/>
         <p:cNvGrpSpPr/>
         <p:nvPr/>
       </p:nvGrpSpPr>
@@ -11152,7 +11337,7 @@
       </p:grpSpPr>
       <p:sp>
         <p:nvSpPr>
-          <p:cNvPr id="197" name="Google Shape;197;p28"/>
+          <p:cNvPr id="196" name="Google Shape;196;p28"/>
           <p:cNvSpPr txBox="1"/>
           <p:nvPr>
             <p:ph type="title"/>
@@ -11184,7 +11369,22 @@
             </a:pPr>
             <a:r>
               <a:rPr lang="en"/>
-              <a:t>Sample </a:t>
+              <a:t>Sample</a:t>
+            </a:r>
+            <a:endParaRPr/>
+          </a:p>
+          <a:p>
+            <a:pPr indent="0" lvl="0" marL="0" rtl="0" algn="l">
+              <a:spcBef>
+                <a:spcPts val="0"/>
+              </a:spcBef>
+              <a:spcAft>
+                <a:spcPts val="0"/>
+              </a:spcAft>
+              <a:buNone/>
+            </a:pPr>
+            <a:r>
+              <a:t/>
             </a:r>
             <a:endParaRPr/>
           </a:p>
@@ -11192,7 +11392,7 @@
       </p:sp>
       <p:sp>
         <p:nvSpPr>
-          <p:cNvPr id="198" name="Google Shape;198;p28"/>
+          <p:cNvPr id="197" name="Google Shape;197;p28"/>
           <p:cNvSpPr txBox="1"/>
           <p:nvPr>
             <p:ph idx="1" type="body"/>
@@ -11200,8 +11400,8 @@
         </p:nvSpPr>
         <p:spPr>
           <a:xfrm>
-            <a:off x="729450" y="2078875"/>
-            <a:ext cx="7688700" cy="2261100"/>
+            <a:off x="727650" y="1950925"/>
+            <a:ext cx="7688700" cy="889500"/>
           </a:xfrm>
           <a:prstGeom prst="rect">
             <a:avLst/>
@@ -11218,28 +11418,13 @@
                 <a:spcPts val="0"/>
               </a:spcBef>
               <a:spcAft>
-                <a:spcPts val="0"/>
+                <a:spcPts val="1200"/>
               </a:spcAft>
               <a:buNone/>
             </a:pPr>
             <a:r>
               <a:rPr lang="en"/>
-              <a:t>Insert: This command adds a key-value pair to the database file</a:t>
-            </a:r>
-            <a:endParaRPr/>
-          </a:p>
-          <a:p>
-            <a:pPr indent="0" lvl="0" marL="0" rtl="0" algn="l">
-              <a:spcBef>
-                <a:spcPts val="1200"/>
-              </a:spcBef>
-              <a:spcAft>
-                <a:spcPts val="1200"/>
-              </a:spcAft>
-              <a:buNone/>
-            </a:pPr>
-            <a:r>
-              <a:t/>
+              <a:t>Delete database: User would enter the name of the database to be deleted. if the database is found, then the idx file and dat file of this database would be deleted. Otherwise, the program would warn that the database is not found and return to the menu.</a:t>
             </a:r>
             <a:endParaRPr/>
           </a:p>
@@ -11247,7 +11432,7 @@
       </p:sp>
       <p:pic>
         <p:nvPicPr>
-          <p:cNvPr id="199" name="Google Shape;199;p28"/>
+          <p:cNvPr id="198" name="Google Shape;198;p28"/>
           <p:cNvPicPr preferRelativeResize="0"/>
           <p:nvPr/>
         </p:nvPicPr>
@@ -11261,8 +11446,8 @@
         </p:blipFill>
         <p:spPr>
           <a:xfrm>
-            <a:off x="297075" y="2882638"/>
-            <a:ext cx="8553450" cy="1457325"/>
+            <a:off x="1048050" y="3210325"/>
+            <a:ext cx="6562725" cy="1085850"/>
           </a:xfrm>
           <a:prstGeom prst="rect">
             <a:avLst/>
@@ -11286,7 +11471,7 @@
   <p:cSld>
     <p:spTree>
       <p:nvGrpSpPr>
-        <p:cNvPr id="203" name="Shape 203"/>
+        <p:cNvPr id="202" name="Shape 202"/>
         <p:cNvGrpSpPr/>
         <p:nvPr/>
       </p:nvGrpSpPr>
@@ -11300,7 +11485,7 @@
       </p:grpSpPr>
       <p:sp>
         <p:nvSpPr>
-          <p:cNvPr id="204" name="Google Shape;204;p29"/>
+          <p:cNvPr id="203" name="Google Shape;203;p29"/>
           <p:cNvSpPr txBox="1"/>
           <p:nvPr>
             <p:ph type="title"/>
@@ -11332,7 +11517,7 @@
             </a:pPr>
             <a:r>
               <a:rPr lang="en"/>
-              <a:t>Sample</a:t>
+              <a:t>Sample </a:t>
             </a:r>
             <a:endParaRPr/>
           </a:p>
@@ -11340,7 +11525,7 @@
       </p:sp>
       <p:sp>
         <p:nvSpPr>
-          <p:cNvPr id="205" name="Google Shape;205;p29"/>
+          <p:cNvPr id="204" name="Google Shape;204;p29"/>
           <p:cNvSpPr txBox="1"/>
           <p:nvPr>
             <p:ph idx="1" type="body"/>
@@ -11348,7 +11533,7 @@
         </p:nvSpPr>
         <p:spPr>
           <a:xfrm>
-            <a:off x="676450" y="1853850"/>
+            <a:off x="729450" y="2078875"/>
             <a:ext cx="7688700" cy="2261100"/>
           </a:xfrm>
           <a:prstGeom prst="rect">
@@ -11366,13 +11551,28 @@
                 <a:spcPts val="0"/>
               </a:spcBef>
               <a:spcAft>
+                <a:spcPts val="0"/>
+              </a:spcAft>
+              <a:buNone/>
+            </a:pPr>
+            <a:r>
+              <a:rPr lang="en"/>
+              <a:t>Insert: This command adds a key-value pair to the database file</a:t>
+            </a:r>
+            <a:endParaRPr/>
+          </a:p>
+          <a:p>
+            <a:pPr indent="0" lvl="0" marL="0" rtl="0" algn="l">
+              <a:spcBef>
                 <a:spcPts val="1200"/>
+              </a:spcBef>
+              <a:spcAft>
+                <a:spcPts val="1200"/>
               </a:spcAft>
               <a:buNone/>
             </a:pPr>
             <a:r>
-              <a:rPr lang="en"/>
-              <a:t>Find: This function searches through the database for the specific key value and returns the  value vector </a:t>
+              <a:t/>
             </a:r>
             <a:endParaRPr/>
           </a:p>
@@ -11380,7 +11580,7 @@
       </p:sp>
       <p:pic>
         <p:nvPicPr>
-          <p:cNvPr id="206" name="Google Shape;206;p29"/>
+          <p:cNvPr id="205" name="Google Shape;205;p29"/>
           <p:cNvPicPr preferRelativeResize="0"/>
           <p:nvPr/>
         </p:nvPicPr>
@@ -11394,8 +11594,8 @@
         </p:blipFill>
         <p:spPr>
           <a:xfrm>
-            <a:off x="384825" y="2265375"/>
-            <a:ext cx="8553450" cy="2762250"/>
+            <a:off x="297075" y="2882638"/>
+            <a:ext cx="8553450" cy="1457325"/>
           </a:xfrm>
           <a:prstGeom prst="rect">
             <a:avLst/>
@@ -11419,7 +11619,7 @@
   <p:cSld>
     <p:spTree>
       <p:nvGrpSpPr>
-        <p:cNvPr id="210" name="Shape 210"/>
+        <p:cNvPr id="209" name="Shape 209"/>
         <p:cNvGrpSpPr/>
         <p:nvPr/>
       </p:nvGrpSpPr>
@@ -11433,7 +11633,7 @@
       </p:grpSpPr>
       <p:sp>
         <p:nvSpPr>
-          <p:cNvPr id="211" name="Google Shape;211;p30"/>
+          <p:cNvPr id="210" name="Google Shape;210;p30"/>
           <p:cNvSpPr txBox="1"/>
           <p:nvPr>
             <p:ph type="title"/>
@@ -11469,26 +11669,11 @@
             </a:r>
             <a:endParaRPr/>
           </a:p>
-          <a:p>
-            <a:pPr indent="0" lvl="0" marL="0" rtl="0" algn="l">
-              <a:spcBef>
-                <a:spcPts val="0"/>
-              </a:spcBef>
-              <a:spcAft>
-                <a:spcPts val="0"/>
-              </a:spcAft>
-              <a:buNone/>
-            </a:pPr>
-            <a:r>
-              <a:t/>
-            </a:r>
-            <a:endParaRPr/>
-          </a:p>
         </p:txBody>
       </p:sp>
       <p:sp>
         <p:nvSpPr>
-          <p:cNvPr id="212" name="Google Shape;212;p30"/>
+          <p:cNvPr id="211" name="Google Shape;211;p30"/>
           <p:cNvSpPr txBox="1"/>
           <p:nvPr>
             <p:ph idx="1" type="body"/>
@@ -11496,7 +11681,7 @@
         </p:nvSpPr>
         <p:spPr>
           <a:xfrm>
-            <a:off x="729450" y="2078875"/>
+            <a:off x="676450" y="1853850"/>
             <a:ext cx="7688700" cy="2261100"/>
           </a:xfrm>
           <a:prstGeom prst="rect">
@@ -11520,27 +11705,7 @@
             </a:pPr>
             <a:r>
               <a:rPr lang="en"/>
-              <a:t>Query: This function  </a:t>
-            </a:r>
-            <a:r>
-              <a:rPr lang="en"/>
-              <a:t>returns all keys that fulfill the query requirement. Specifically, it iterators </a:t>
-            </a:r>
-            <a:r>
-              <a:rPr lang="en"/>
-              <a:t>through</a:t>
-            </a:r>
-            <a:r>
-              <a:rPr lang="en"/>
-              <a:t> all keys in the database and check if the kth value of each  key equals to what the user </a:t>
-            </a:r>
-            <a:r>
-              <a:rPr lang="en"/>
-              <a:t>query</a:t>
-            </a:r>
-            <a:r>
-              <a:rPr lang="en"/>
-              <a:t>. </a:t>
+              <a:t>Find: This function searches through the database for the specific key value and returns the  value vector </a:t>
             </a:r>
             <a:endParaRPr/>
           </a:p>
@@ -11548,7 +11713,7 @@
       </p:sp>
       <p:pic>
         <p:nvPicPr>
-          <p:cNvPr id="213" name="Google Shape;213;p30"/>
+          <p:cNvPr id="212" name="Google Shape;212;p30"/>
           <p:cNvPicPr preferRelativeResize="0"/>
           <p:nvPr/>
         </p:nvPicPr>
@@ -11562,8 +11727,8 @@
         </p:blipFill>
         <p:spPr>
           <a:xfrm>
-            <a:off x="214050" y="2910013"/>
-            <a:ext cx="8591550" cy="1933575"/>
+            <a:off x="384825" y="2265375"/>
+            <a:ext cx="8553450" cy="2762250"/>
           </a:xfrm>
           <a:prstGeom prst="rect">
             <a:avLst/>
@@ -11587,7 +11752,7 @@
   <p:cSld>
     <p:spTree>
       <p:nvGrpSpPr>
-        <p:cNvPr id="217" name="Shape 217"/>
+        <p:cNvPr id="216" name="Shape 216"/>
         <p:cNvGrpSpPr/>
         <p:nvPr/>
       </p:nvGrpSpPr>
@@ -11601,7 +11766,7 @@
       </p:grpSpPr>
       <p:sp>
         <p:nvSpPr>
-          <p:cNvPr id="218" name="Google Shape;218;p31"/>
+          <p:cNvPr id="217" name="Google Shape;217;p31"/>
           <p:cNvSpPr txBox="1"/>
           <p:nvPr>
             <p:ph type="title"/>
@@ -11656,7 +11821,7 @@
       </p:sp>
       <p:sp>
         <p:nvSpPr>
-          <p:cNvPr id="219" name="Google Shape;219;p31"/>
+          <p:cNvPr id="218" name="Google Shape;218;p31"/>
           <p:cNvSpPr txBox="1"/>
           <p:nvPr>
             <p:ph idx="1" type="body"/>
@@ -11688,7 +11853,27 @@
             </a:pPr>
             <a:r>
               <a:rPr lang="en"/>
-              <a:t>Delete: This function deletes a key-value data.. The program would first check if the key-value pair exists. If exists, it would delete it. Otherwise, it would warn the user that the key is not found.</a:t>
+              <a:t>Query: This function  </a:t>
+            </a:r>
+            <a:r>
+              <a:rPr lang="en"/>
+              <a:t>returns all keys that fulfill the query requirement. Specifically, it iterators </a:t>
+            </a:r>
+            <a:r>
+              <a:rPr lang="en"/>
+              <a:t>through</a:t>
+            </a:r>
+            <a:r>
+              <a:rPr lang="en"/>
+              <a:t> all keys in the database and check if the kth value of each  key equals to what the user </a:t>
+            </a:r>
+            <a:r>
+              <a:rPr lang="en"/>
+              <a:t>query</a:t>
+            </a:r>
+            <a:r>
+              <a:rPr lang="en"/>
+              <a:t>. </a:t>
             </a:r>
             <a:endParaRPr/>
           </a:p>
@@ -11696,7 +11881,7 @@
       </p:sp>
       <p:pic>
         <p:nvPicPr>
-          <p:cNvPr id="220" name="Google Shape;220;p31"/>
+          <p:cNvPr id="219" name="Google Shape;219;p31"/>
           <p:cNvPicPr preferRelativeResize="0"/>
           <p:nvPr/>
         </p:nvPicPr>
@@ -11710,8 +11895,8 @@
         </p:blipFill>
         <p:spPr>
           <a:xfrm>
-            <a:off x="574650" y="3197550"/>
-            <a:ext cx="8295136" cy="1013850"/>
+            <a:off x="214050" y="2910013"/>
+            <a:ext cx="8591550" cy="1933575"/>
           </a:xfrm>
           <a:prstGeom prst="rect">
             <a:avLst/>
@@ -11752,13 +11937,13 @@
           <p:cNvPr id="96" name="Google Shape;96;p14"/>
           <p:cNvSpPr txBox="1"/>
           <p:nvPr>
-            <p:ph type="title"/>
+            <p:ph type="ctrTitle"/>
           </p:nvPr>
         </p:nvSpPr>
         <p:spPr>
           <a:xfrm>
-            <a:off x="729450" y="1318650"/>
-            <a:ext cx="7688700" cy="535200"/>
+            <a:off x="729450" y="1322450"/>
+            <a:ext cx="7688100" cy="1664700"/>
           </a:xfrm>
           <a:prstGeom prst="rect">
             <a:avLst/>
@@ -11766,7 +11951,7 @@
         </p:spPr>
         <p:txBody>
           <a:bodyPr anchorCtr="0" anchor="t" bIns="91425" lIns="91425" spcFirstLastPara="1" rIns="91425" wrap="square" tIns="91425">
-            <a:normAutofit fontScale="90000"/>
+            <a:normAutofit/>
           </a:bodyPr>
           <a:lstStyle/>
           <a:p>
@@ -11781,7 +11966,7 @@
             </a:pPr>
             <a:r>
               <a:rPr lang="en"/>
-              <a:t>Abstract</a:t>
+              <a:t>Acknowledgement</a:t>
             </a:r>
             <a:endParaRPr/>
           </a:p>
@@ -11792,13 +11977,13 @@
           <p:cNvPr id="97" name="Google Shape;97;p14"/>
           <p:cNvSpPr txBox="1"/>
           <p:nvPr>
-            <p:ph idx="1" type="body"/>
+            <p:ph idx="1" type="subTitle"/>
           </p:nvPr>
         </p:nvSpPr>
         <p:spPr>
           <a:xfrm>
-            <a:off x="729450" y="2078875"/>
-            <a:ext cx="7688700" cy="2261100"/>
+            <a:off x="729627" y="3172900"/>
+            <a:ext cx="7688100" cy="541200"/>
           </a:xfrm>
           <a:prstGeom prst="rect">
             <a:avLst/>
@@ -11806,89 +11991,22 @@
         </p:spPr>
         <p:txBody>
           <a:bodyPr anchorCtr="0" anchor="t" bIns="91425" lIns="91425" spcFirstLastPara="1" rIns="91425" wrap="square" tIns="91425">
-            <a:normAutofit/>
+            <a:normAutofit fontScale="85000" lnSpcReduction="20000"/>
           </a:bodyPr>
           <a:lstStyle/>
           <a:p>
-            <a:pPr indent="-311150" lvl="0" marL="457200" rtl="0" algn="l">
-              <a:spcBef>
-                <a:spcPts val="0"/>
-              </a:spcBef>
-              <a:spcAft>
-                <a:spcPts val="0"/>
-              </a:spcAft>
-              <a:buSzPts val="1300"/>
-              <a:buChar char="●"/>
+            <a:pPr indent="0" lvl="0" marL="0" rtl="0" algn="l">
+              <a:spcBef>
+                <a:spcPts val="0"/>
+              </a:spcBef>
+              <a:spcAft>
+                <a:spcPts val="0"/>
+              </a:spcAft>
+              <a:buNone/>
             </a:pPr>
             <a:r>
               <a:rPr lang="en"/>
-              <a:t>There are many C++ based SQL database frameworks like SQLAPI++, SOCI etc</a:t>
-            </a:r>
-            <a:endParaRPr/>
-          </a:p>
-          <a:p>
-            <a:pPr indent="-311150" lvl="0" marL="457200" rtl="0" algn="l">
-              <a:spcBef>
-                <a:spcPts val="0"/>
-              </a:spcBef>
-              <a:spcAft>
-                <a:spcPts val="0"/>
-              </a:spcAft>
-              <a:buSzPts val="1300"/>
-              <a:buChar char="●"/>
-            </a:pPr>
-            <a:r>
-              <a:rPr lang="en"/>
-              <a:t>These have complex instruction set and needs other dependent libraries to function properly.</a:t>
-            </a:r>
-            <a:endParaRPr/>
-          </a:p>
-          <a:p>
-            <a:pPr indent="-311150" lvl="0" marL="457200" rtl="0" algn="l">
-              <a:spcBef>
-                <a:spcPts val="0"/>
-              </a:spcBef>
-              <a:spcAft>
-                <a:spcPts val="0"/>
-              </a:spcAft>
-              <a:buSzPts val="1300"/>
-              <a:buChar char="●"/>
-            </a:pPr>
-            <a:r>
-              <a:rPr lang="en"/>
-              <a:t>Our goal is to develop an easy to use self-contained library that can support key-value pair storage into filesystem.</a:t>
-            </a:r>
-            <a:endParaRPr/>
-          </a:p>
-          <a:p>
-            <a:pPr indent="-311150" lvl="0" marL="457200" rtl="0" algn="l">
-              <a:spcBef>
-                <a:spcPts val="0"/>
-              </a:spcBef>
-              <a:spcAft>
-                <a:spcPts val="0"/>
-              </a:spcAft>
-              <a:buSzPts val="1300"/>
-              <a:buChar char="●"/>
-            </a:pPr>
-            <a:r>
-              <a:rPr lang="en"/>
-              <a:t>The program uses idx and DAT files to store and retrieve data</a:t>
-            </a:r>
-            <a:endParaRPr/>
-          </a:p>
-          <a:p>
-            <a:pPr indent="0" lvl="0" marL="0" rtl="0" algn="l">
-              <a:spcBef>
-                <a:spcPts val="1200"/>
-              </a:spcBef>
-              <a:spcAft>
-                <a:spcPts val="1200"/>
-              </a:spcAft>
-              <a:buNone/>
-            </a:pPr>
-            <a:r>
-              <a:t/>
+              <a:t>We want to convey our heartfelt gratitude to Prof Stroustrup as well as our TAs for providing us with a chance to work on this project and for helping us and guiding us along the way. </a:t>
             </a:r>
             <a:endParaRPr/>
           </a:p>
@@ -11907,7 +12025,7 @@
   <p:cSld>
     <p:spTree>
       <p:nvGrpSpPr>
-        <p:cNvPr id="224" name="Shape 224"/>
+        <p:cNvPr id="223" name="Shape 223"/>
         <p:cNvGrpSpPr/>
         <p:nvPr/>
       </p:nvGrpSpPr>
@@ -11921,7 +12039,7 @@
       </p:grpSpPr>
       <p:sp>
         <p:nvSpPr>
-          <p:cNvPr id="225" name="Google Shape;225;p32"/>
+          <p:cNvPr id="224" name="Google Shape;224;p32"/>
           <p:cNvSpPr txBox="1"/>
           <p:nvPr>
             <p:ph type="title"/>
@@ -11953,6 +12071,154 @@
             </a:pPr>
             <a:r>
               <a:rPr lang="en"/>
+              <a:t>Sample</a:t>
+            </a:r>
+            <a:endParaRPr/>
+          </a:p>
+          <a:p>
+            <a:pPr indent="0" lvl="0" marL="0" rtl="0" algn="l">
+              <a:spcBef>
+                <a:spcPts val="0"/>
+              </a:spcBef>
+              <a:spcAft>
+                <a:spcPts val="0"/>
+              </a:spcAft>
+              <a:buNone/>
+            </a:pPr>
+            <a:r>
+              <a:t/>
+            </a:r>
+            <a:endParaRPr/>
+          </a:p>
+        </p:txBody>
+      </p:sp>
+      <p:sp>
+        <p:nvSpPr>
+          <p:cNvPr id="225" name="Google Shape;225;p32"/>
+          <p:cNvSpPr txBox="1"/>
+          <p:nvPr>
+            <p:ph idx="1" type="body"/>
+          </p:nvPr>
+        </p:nvSpPr>
+        <p:spPr>
+          <a:xfrm>
+            <a:off x="729450" y="2078875"/>
+            <a:ext cx="7688700" cy="2261100"/>
+          </a:xfrm>
+          <a:prstGeom prst="rect">
+            <a:avLst/>
+          </a:prstGeom>
+        </p:spPr>
+        <p:txBody>
+          <a:bodyPr anchorCtr="0" anchor="t" bIns="91425" lIns="91425" spcFirstLastPara="1" rIns="91425" wrap="square" tIns="91425">
+            <a:normAutofit/>
+          </a:bodyPr>
+          <a:lstStyle/>
+          <a:p>
+            <a:pPr indent="0" lvl="0" marL="0" rtl="0" algn="l">
+              <a:spcBef>
+                <a:spcPts val="0"/>
+              </a:spcBef>
+              <a:spcAft>
+                <a:spcPts val="1200"/>
+              </a:spcAft>
+              <a:buNone/>
+            </a:pPr>
+            <a:r>
+              <a:rPr lang="en"/>
+              <a:t>Delete: This function deletes a key-value data.. The program would first check if the key-value pair exists. If exists, it would delete it. Otherwise, it would warn the user that the key is not found.</a:t>
+            </a:r>
+            <a:endParaRPr/>
+          </a:p>
+        </p:txBody>
+      </p:sp>
+      <p:pic>
+        <p:nvPicPr>
+          <p:cNvPr id="226" name="Google Shape;226;p32"/>
+          <p:cNvPicPr preferRelativeResize="0"/>
+          <p:nvPr/>
+        </p:nvPicPr>
+        <p:blipFill>
+          <a:blip r:embed="rId3">
+            <a:alphaModFix/>
+          </a:blip>
+          <a:stretch>
+            <a:fillRect/>
+          </a:stretch>
+        </p:blipFill>
+        <p:spPr>
+          <a:xfrm>
+            <a:off x="574650" y="3197550"/>
+            <a:ext cx="8295136" cy="1013850"/>
+          </a:xfrm>
+          <a:prstGeom prst="rect">
+            <a:avLst/>
+          </a:prstGeom>
+          <a:noFill/>
+          <a:ln>
+            <a:noFill/>
+          </a:ln>
+        </p:spPr>
+      </p:pic>
+    </p:spTree>
+  </p:cSld>
+  <p:clrMapOvr>
+    <a:masterClrMapping/>
+  </p:clrMapOvr>
+</p:sld>
+</file>
+
+<file path=ppt/slides/slide21.xml><?xml version="1.0" encoding="utf-8"?>
+<p:sld xmlns:a="http://schemas.openxmlformats.org/drawingml/2006/main" xmlns:r="http://schemas.openxmlformats.org/officeDocument/2006/relationships" xmlns:mc="http://schemas.openxmlformats.org/markup-compatibility/2006" xmlns:mv="urn:schemas-microsoft-com:mac:vml" xmlns:p="http://schemas.openxmlformats.org/presentationml/2006/main" xmlns:c="http://schemas.openxmlformats.org/drawingml/2006/chart" xmlns:dgm="http://schemas.openxmlformats.org/drawingml/2006/diagram" xmlns:o="urn:schemas-microsoft-com:office:office" xmlns:v="urn:schemas-microsoft-com:vml" xmlns:pvml="urn:schemas-microsoft-com:office:powerpoint" xmlns:com="http://schemas.openxmlformats.org/drawingml/2006/compatibility" xmlns:p14="http://schemas.microsoft.com/office/powerpoint/2010/main" xmlns:p15="http://schemas.microsoft.com/office/powerpoint/2012/main" xmlns:ahyp="http://schemas.microsoft.com/office/drawing/2018/hyperlinkcolor">
+  <p:cSld>
+    <p:spTree>
+      <p:nvGrpSpPr>
+        <p:cNvPr id="230" name="Shape 230"/>
+        <p:cNvGrpSpPr/>
+        <p:nvPr/>
+      </p:nvGrpSpPr>
+      <p:grpSpPr>
+        <a:xfrm>
+          <a:off x="0" y="0"/>
+          <a:ext cx="0" cy="0"/>
+          <a:chOff x="0" y="0"/>
+          <a:chExt cx="0" cy="0"/>
+        </a:xfrm>
+      </p:grpSpPr>
+      <p:sp>
+        <p:nvSpPr>
+          <p:cNvPr id="231" name="Google Shape;231;p33"/>
+          <p:cNvSpPr txBox="1"/>
+          <p:nvPr>
+            <p:ph type="title"/>
+          </p:nvPr>
+        </p:nvSpPr>
+        <p:spPr>
+          <a:xfrm>
+            <a:off x="729450" y="1318650"/>
+            <a:ext cx="7688700" cy="535200"/>
+          </a:xfrm>
+          <a:prstGeom prst="rect">
+            <a:avLst/>
+          </a:prstGeom>
+        </p:spPr>
+        <p:txBody>
+          <a:bodyPr anchorCtr="0" anchor="t" bIns="91425" lIns="91425" spcFirstLastPara="1" rIns="91425" wrap="square" tIns="91425">
+            <a:normAutofit fontScale="90000"/>
+          </a:bodyPr>
+          <a:lstStyle/>
+          <a:p>
+            <a:pPr indent="0" lvl="0" marL="0" rtl="0" algn="l">
+              <a:spcBef>
+                <a:spcPts val="0"/>
+              </a:spcBef>
+              <a:spcAft>
+                <a:spcPts val="0"/>
+              </a:spcAft>
+              <a:buNone/>
+            </a:pPr>
+            <a:r>
+              <a:rPr lang="en"/>
               <a:t>Performance Measurement</a:t>
             </a:r>
             <a:endParaRPr/>
@@ -11961,7 +12227,7 @@
       </p:sp>
       <p:graphicFrame>
         <p:nvGraphicFramePr>
-          <p:cNvPr id="226" name="Google Shape;226;p32"/>
+          <p:cNvPr id="232" name="Google Shape;232;p33"/>
           <p:cNvGraphicFramePr/>
           <p:nvPr/>
         </p:nvGraphicFramePr>
@@ -11974,11 +12240,11 @@
             <a:tbl>
               <a:tblPr>
                 <a:noFill/>
-                <a:tableStyleId>{747261AD-6617-4900-8B19-9924E0AA2BBA}</a:tableStyleId>
+                <a:tableStyleId>{2B5700E4-922A-4371-9F6B-366442F2D658}</a:tableStyleId>
               </a:tblPr>
               <a:tblGrid>
-                <a:gridCol w="2413000"/>
-                <a:gridCol w="2413000"/>
+                <a:gridCol w="2427325"/>
+                <a:gridCol w="2398675"/>
                 <a:gridCol w="2413000"/>
               </a:tblGrid>
               <a:tr h="381000">
@@ -12419,371 +12685,6 @@
 </p:sld>
 </file>
 
-<file path=ppt/slides/slide21.xml><?xml version="1.0" encoding="utf-8"?>
-<p:sld xmlns:a="http://schemas.openxmlformats.org/drawingml/2006/main" xmlns:r="http://schemas.openxmlformats.org/officeDocument/2006/relationships" xmlns:mc="http://schemas.openxmlformats.org/markup-compatibility/2006" xmlns:mv="urn:schemas-microsoft-com:mac:vml" xmlns:p="http://schemas.openxmlformats.org/presentationml/2006/main" xmlns:c="http://schemas.openxmlformats.org/drawingml/2006/chart" xmlns:dgm="http://schemas.openxmlformats.org/drawingml/2006/diagram" xmlns:o="urn:schemas-microsoft-com:office:office" xmlns:v="urn:schemas-microsoft-com:vml" xmlns:pvml="urn:schemas-microsoft-com:office:powerpoint" xmlns:com="http://schemas.openxmlformats.org/drawingml/2006/compatibility" xmlns:p14="http://schemas.microsoft.com/office/powerpoint/2010/main" xmlns:p15="http://schemas.microsoft.com/office/powerpoint/2012/main" xmlns:ahyp="http://schemas.microsoft.com/office/drawing/2018/hyperlinkcolor">
-  <p:cSld>
-    <p:spTree>
-      <p:nvGrpSpPr>
-        <p:cNvPr id="230" name="Shape 230"/>
-        <p:cNvGrpSpPr/>
-        <p:nvPr/>
-      </p:nvGrpSpPr>
-      <p:grpSpPr>
-        <a:xfrm>
-          <a:off x="0" y="0"/>
-          <a:ext cx="0" cy="0"/>
-          <a:chOff x="0" y="0"/>
-          <a:chExt cx="0" cy="0"/>
-        </a:xfrm>
-      </p:grpSpPr>
-      <p:sp>
-        <p:nvSpPr>
-          <p:cNvPr id="231" name="Google Shape;231;p33"/>
-          <p:cNvSpPr txBox="1"/>
-          <p:nvPr>
-            <p:ph type="title"/>
-          </p:nvPr>
-        </p:nvSpPr>
-        <p:spPr>
-          <a:xfrm>
-            <a:off x="729450" y="1318650"/>
-            <a:ext cx="7688700" cy="535200"/>
-          </a:xfrm>
-          <a:prstGeom prst="rect">
-            <a:avLst/>
-          </a:prstGeom>
-        </p:spPr>
-        <p:txBody>
-          <a:bodyPr anchorCtr="0" anchor="t" bIns="91425" lIns="91425" spcFirstLastPara="1" rIns="91425" wrap="square" tIns="91425">
-            <a:normAutofit fontScale="90000"/>
-          </a:bodyPr>
-          <a:lstStyle/>
-          <a:p>
-            <a:pPr indent="0" lvl="0" marL="0" rtl="0" algn="l">
-              <a:spcBef>
-                <a:spcPts val="0"/>
-              </a:spcBef>
-              <a:spcAft>
-                <a:spcPts val="0"/>
-              </a:spcAft>
-              <a:buNone/>
-            </a:pPr>
-            <a:r>
-              <a:rPr lang="en"/>
-              <a:t>Testing Mechanism</a:t>
-            </a:r>
-            <a:endParaRPr/>
-          </a:p>
-        </p:txBody>
-      </p:sp>
-      <p:sp>
-        <p:nvSpPr>
-          <p:cNvPr id="232" name="Google Shape;232;p33"/>
-          <p:cNvSpPr txBox="1"/>
-          <p:nvPr>
-            <p:ph idx="1" type="body"/>
-          </p:nvPr>
-        </p:nvSpPr>
-        <p:spPr>
-          <a:xfrm>
-            <a:off x="729450" y="2078875"/>
-            <a:ext cx="7688700" cy="2261100"/>
-          </a:xfrm>
-          <a:prstGeom prst="rect">
-            <a:avLst/>
-          </a:prstGeom>
-        </p:spPr>
-        <p:txBody>
-          <a:bodyPr anchorCtr="0" anchor="t" bIns="91425" lIns="91425" spcFirstLastPara="1" rIns="91425" wrap="square" tIns="91425">
-            <a:normAutofit fontScale="85000" lnSpcReduction="20000"/>
-          </a:bodyPr>
-          <a:lstStyle/>
-          <a:p>
-            <a:pPr indent="-298767" lvl="0" marL="457200" rtl="0" algn="l">
-              <a:spcBef>
-                <a:spcPts val="0"/>
-              </a:spcBef>
-              <a:spcAft>
-                <a:spcPts val="0"/>
-              </a:spcAft>
-              <a:buSzPct val="100000"/>
-              <a:buChar char="●"/>
-            </a:pPr>
-            <a:r>
-              <a:rPr lang="en"/>
-              <a:t>We tested with two </a:t>
-            </a:r>
-            <a:r>
-              <a:rPr lang="en"/>
-              <a:t>mechanism</a:t>
-            </a:r>
-            <a:endParaRPr/>
-          </a:p>
-          <a:p>
-            <a:pPr indent="-287972" lvl="1" marL="914400" rtl="0" algn="l">
-              <a:spcBef>
-                <a:spcPts val="0"/>
-              </a:spcBef>
-              <a:spcAft>
-                <a:spcPts val="0"/>
-              </a:spcAft>
-              <a:buSzPct val="100000"/>
-              <a:buChar char="○"/>
-            </a:pPr>
-            <a:r>
-              <a:rPr lang="en"/>
-              <a:t>First, </a:t>
-            </a:r>
-            <a:r>
-              <a:rPr lang="en"/>
-              <a:t>through</a:t>
-            </a:r>
-            <a:r>
-              <a:rPr lang="en"/>
-              <a:t> command line interface</a:t>
-            </a:r>
-            <a:endParaRPr/>
-          </a:p>
-          <a:p>
-            <a:pPr indent="-287972" lvl="2" marL="1371600" rtl="0" algn="l">
-              <a:spcBef>
-                <a:spcPts val="0"/>
-              </a:spcBef>
-              <a:spcAft>
-                <a:spcPts val="0"/>
-              </a:spcAft>
-              <a:buSzPct val="100000"/>
-              <a:buChar char="■"/>
-            </a:pPr>
-            <a:r>
-              <a:rPr lang="en"/>
-              <a:t>User can perform operations on any database file through this interface</a:t>
-            </a:r>
-            <a:endParaRPr/>
-          </a:p>
-          <a:p>
-            <a:pPr indent="-287972" lvl="2" marL="1371600" rtl="0" algn="l">
-              <a:spcBef>
-                <a:spcPts val="0"/>
-              </a:spcBef>
-              <a:spcAft>
-                <a:spcPts val="0"/>
-              </a:spcAft>
-              <a:buSzPct val="100000"/>
-              <a:buChar char="■"/>
-            </a:pPr>
-            <a:r>
-              <a:rPr lang="en"/>
-              <a:t>Sample log from command line interface </a:t>
-            </a:r>
-            <a:r>
-              <a:rPr lang="en" u="sng">
-                <a:solidFill>
-                  <a:schemeClr val="hlink"/>
-                </a:solidFill>
-                <a:hlinkClick r:id="rId3"/>
-              </a:rPr>
-              <a:t>Link</a:t>
-            </a:r>
-            <a:endParaRPr/>
-          </a:p>
-          <a:p>
-            <a:pPr indent="-287972" lvl="1" marL="914400" rtl="0" algn="l">
-              <a:spcBef>
-                <a:spcPts val="0"/>
-              </a:spcBef>
-              <a:spcAft>
-                <a:spcPts val="0"/>
-              </a:spcAft>
-              <a:buSzPct val="100000"/>
-              <a:buChar char="○"/>
-            </a:pPr>
-            <a:r>
-              <a:rPr lang="en"/>
-              <a:t>Second, through test_performance application</a:t>
-            </a:r>
-            <a:endParaRPr/>
-          </a:p>
-          <a:p>
-            <a:pPr indent="-287972" lvl="2" marL="1371600" rtl="0" algn="l">
-              <a:spcBef>
-                <a:spcPts val="0"/>
-              </a:spcBef>
-              <a:spcAft>
-                <a:spcPts val="0"/>
-              </a:spcAft>
-              <a:buSzPct val="100000"/>
-              <a:buChar char="■"/>
-            </a:pPr>
-            <a:r>
-              <a:rPr lang="en"/>
-              <a:t>Test app benchmarks all operations for different size of input file and prints log</a:t>
-            </a:r>
-            <a:endParaRPr/>
-          </a:p>
-          <a:p>
-            <a:pPr indent="-287972" lvl="2" marL="1371600" rtl="0" algn="l">
-              <a:spcBef>
-                <a:spcPts val="0"/>
-              </a:spcBef>
-              <a:spcAft>
-                <a:spcPts val="0"/>
-              </a:spcAft>
-              <a:buSzPct val="100000"/>
-              <a:buChar char="■"/>
-            </a:pPr>
-            <a:r>
-              <a:rPr lang="en"/>
-              <a:t>Test checks correctness of the database by generating random string and testing read/write values based on it.</a:t>
-            </a:r>
-            <a:endParaRPr/>
-          </a:p>
-          <a:p>
-            <a:pPr indent="-287972" lvl="2" marL="1371600" rtl="0" algn="l">
-              <a:spcBef>
-                <a:spcPts val="0"/>
-              </a:spcBef>
-              <a:spcAft>
-                <a:spcPts val="0"/>
-              </a:spcAft>
-              <a:buSzPct val="100000"/>
-              <a:buChar char="■"/>
-            </a:pPr>
-            <a:r>
-              <a:rPr lang="en"/>
-              <a:t>Sample test_performance log file </a:t>
-            </a:r>
-            <a:r>
-              <a:rPr lang="en" u="sng">
-                <a:solidFill>
-                  <a:schemeClr val="hlink"/>
-                </a:solidFill>
-                <a:hlinkClick r:id="rId4"/>
-              </a:rPr>
-              <a:t>Link</a:t>
-            </a:r>
-            <a:r>
-              <a:rPr lang="en"/>
-              <a:t>.</a:t>
-            </a:r>
-            <a:endParaRPr/>
-          </a:p>
-          <a:p>
-            <a:pPr indent="-298767" lvl="0" marL="457200" rtl="0" algn="l">
-              <a:spcBef>
-                <a:spcPts val="0"/>
-              </a:spcBef>
-              <a:spcAft>
-                <a:spcPts val="0"/>
-              </a:spcAft>
-              <a:buSzPct val="100000"/>
-              <a:buChar char="●"/>
-            </a:pPr>
-            <a:r>
-              <a:rPr lang="en"/>
-              <a:t>Databases Used for testing:</a:t>
-            </a:r>
-            <a:endParaRPr/>
-          </a:p>
-          <a:p>
-            <a:pPr indent="-287972" lvl="1" marL="914400" rtl="0" algn="l">
-              <a:spcBef>
-                <a:spcPts val="0"/>
-              </a:spcBef>
-              <a:spcAft>
-                <a:spcPts val="0"/>
-              </a:spcAft>
-              <a:buSzPct val="100000"/>
-              <a:buChar char="○"/>
-            </a:pPr>
-            <a:r>
-              <a:rPr lang="en" u="sng">
-                <a:solidFill>
-                  <a:schemeClr val="hlink"/>
-                </a:solidFill>
-                <a:hlinkClick r:id="rId5"/>
-              </a:rPr>
-              <a:t>https://datasets.imdbws.com/</a:t>
-            </a:r>
-            <a:endParaRPr/>
-          </a:p>
-          <a:p>
-            <a:pPr indent="-287972" lvl="2" marL="1371600" rtl="0" algn="l">
-              <a:spcBef>
-                <a:spcPts val="0"/>
-              </a:spcBef>
-              <a:spcAft>
-                <a:spcPts val="0"/>
-              </a:spcAft>
-              <a:buSzPct val="100000"/>
-              <a:buChar char="■"/>
-            </a:pPr>
-            <a:r>
-              <a:rPr lang="en" u="sng">
-                <a:solidFill>
-                  <a:schemeClr val="hlink"/>
-                </a:solidFill>
-                <a:latin typeface="Arial"/>
-                <a:ea typeface="Arial"/>
-                <a:cs typeface="Arial"/>
-                <a:sym typeface="Arial"/>
-                <a:hlinkClick r:id="rId6"/>
-              </a:rPr>
-              <a:t>Title.ratings.tsv.gz</a:t>
-            </a:r>
-            <a:endParaRPr/>
-          </a:p>
-          <a:p>
-            <a:pPr indent="-287972" lvl="2" marL="1371600" rtl="0" algn="l">
-              <a:spcBef>
-                <a:spcPts val="0"/>
-              </a:spcBef>
-              <a:spcAft>
-                <a:spcPts val="0"/>
-              </a:spcAft>
-              <a:buSzPct val="100000"/>
-              <a:buChar char="■"/>
-            </a:pPr>
-            <a:r>
-              <a:rPr lang="en" u="sng">
-                <a:solidFill>
-                  <a:schemeClr val="hlink"/>
-                </a:solidFill>
-                <a:latin typeface="Arial"/>
-                <a:ea typeface="Arial"/>
-                <a:cs typeface="Arial"/>
-                <a:sym typeface="Arial"/>
-                <a:hlinkClick r:id="rId7"/>
-              </a:rPr>
-              <a:t>title.akas.tsv.gz</a:t>
-            </a:r>
-            <a:endParaRPr/>
-          </a:p>
-          <a:p>
-            <a:pPr indent="0" lvl="0" marL="914400" rtl="0" algn="l">
-              <a:spcBef>
-                <a:spcPts val="1200"/>
-              </a:spcBef>
-              <a:spcAft>
-                <a:spcPts val="1200"/>
-              </a:spcAft>
-              <a:buNone/>
-            </a:pPr>
-            <a:r>
-              <a:t/>
-            </a:r>
-            <a:endParaRPr/>
-          </a:p>
-        </p:txBody>
-      </p:sp>
-    </p:spTree>
-  </p:cSld>
-  <p:clrMapOvr>
-    <a:masterClrMapping/>
-  </p:clrMapOvr>
-</p:sld>
-</file>
-
 <file path=ppt/slides/slide22.xml><?xml version="1.0" encoding="utf-8"?>
 <p:sld xmlns:a="http://schemas.openxmlformats.org/drawingml/2006/main" xmlns:r="http://schemas.openxmlformats.org/officeDocument/2006/relationships" xmlns:mc="http://schemas.openxmlformats.org/markup-compatibility/2006" xmlns:mv="urn:schemas-microsoft-com:mac:vml" xmlns:p="http://schemas.openxmlformats.org/presentationml/2006/main" xmlns:c="http://schemas.openxmlformats.org/drawingml/2006/chart" xmlns:dgm="http://schemas.openxmlformats.org/drawingml/2006/diagram" xmlns:o="urn:schemas-microsoft-com:office:office" xmlns:v="urn:schemas-microsoft-com:vml" xmlns:pvml="urn:schemas-microsoft-com:office:powerpoint" xmlns:com="http://schemas.openxmlformats.org/drawingml/2006/compatibility" xmlns:p14="http://schemas.microsoft.com/office/powerpoint/2010/main" xmlns:p15="http://schemas.microsoft.com/office/powerpoint/2012/main" xmlns:ahyp="http://schemas.microsoft.com/office/drawing/2018/hyperlinkcolor">
   <p:cSld>
@@ -12835,7 +12736,7 @@
             </a:pPr>
             <a:r>
               <a:rPr lang="en"/>
-              <a:t>Problems faced:</a:t>
+              <a:t>Testing Mechanism</a:t>
             </a:r>
             <a:endParaRPr/>
           </a:p>
@@ -12851,8 +12752,8 @@
         </p:nvSpPr>
         <p:spPr>
           <a:xfrm>
-            <a:off x="729450" y="1917825"/>
-            <a:ext cx="8022300" cy="3289800"/>
+            <a:off x="729450" y="2078875"/>
+            <a:ext cx="7688700" cy="2261100"/>
           </a:xfrm>
           <a:prstGeom prst="rect">
             <a:avLst/>
@@ -12860,138 +12761,272 @@
         </p:spPr>
         <p:txBody>
           <a:bodyPr anchorCtr="0" anchor="t" bIns="91425" lIns="91425" spcFirstLastPara="1" rIns="91425" wrap="square" tIns="91425">
-            <a:normAutofit/>
+            <a:normAutofit fontScale="85000" lnSpcReduction="20000"/>
           </a:bodyPr>
           <a:lstStyle/>
           <a:p>
-            <a:pPr indent="0" lvl="0" marL="457200" rtl="0" algn="l">
-              <a:spcBef>
-                <a:spcPts val="0"/>
-              </a:spcBef>
-              <a:spcAft>
-                <a:spcPts val="0"/>
-              </a:spcAft>
-              <a:buNone/>
+            <a:pPr indent="-298767" lvl="0" marL="457200" rtl="0" algn="l">
+              <a:spcBef>
+                <a:spcPts val="0"/>
+              </a:spcBef>
+              <a:spcAft>
+                <a:spcPts val="0"/>
+              </a:spcAft>
+              <a:buSzPct val="100000"/>
+              <a:buChar char="●"/>
             </a:pPr>
             <a:r>
-              <a:rPr b="1" lang="en" sz="1516"/>
-              <a:t>An ideal</a:t>
-            </a:r>
-            <a:r>
-              <a:rPr b="1" lang="en" sz="1516"/>
-              <a:t> size of hash table:        </a:t>
-            </a:r>
-            <a:r>
-              <a:rPr b="1" lang="en" sz="1600">
-                <a:solidFill>
-                  <a:srgbClr val="E69138"/>
-                </a:solidFill>
-              </a:rPr>
-              <a:t> time cost</a:t>
-            </a:r>
-            <a:r>
-              <a:rPr b="1" lang="en" sz="1600"/>
-              <a:t>     v.s.   </a:t>
-            </a:r>
-            <a:r>
-              <a:rPr b="1" lang="en" sz="1600">
-                <a:solidFill>
-                  <a:srgbClr val="FF9900"/>
-                </a:solidFill>
-              </a:rPr>
-              <a:t>space cost</a:t>
-            </a:r>
-            <a:endParaRPr b="1" sz="1600">
-              <a:solidFill>
-                <a:srgbClr val="FF9900"/>
-              </a:solidFill>
-            </a:endParaRPr>
+              <a:rPr lang="en"/>
+              <a:t>We tested with two </a:t>
+            </a:r>
+            <a:r>
+              <a:rPr lang="en"/>
+              <a:t>mechanism</a:t>
+            </a:r>
+            <a:endParaRPr/>
           </a:p>
           <a:p>
-            <a:pPr indent="0" lvl="0" marL="457200" rtl="0" algn="l">
-              <a:spcBef>
-                <a:spcPts val="1200"/>
-              </a:spcBef>
-              <a:spcAft>
-                <a:spcPts val="0"/>
-              </a:spcAft>
-              <a:buNone/>
+            <a:pPr indent="-287972" lvl="1" marL="914400" rtl="0" algn="l">
+              <a:spcBef>
+                <a:spcPts val="0"/>
+              </a:spcBef>
+              <a:spcAft>
+                <a:spcPts val="0"/>
+              </a:spcAft>
+              <a:buSzPct val="100000"/>
+              <a:buChar char="○"/>
             </a:pPr>
             <a:r>
-              <a:t/>
-            </a:r>
-            <a:endParaRPr b="1" sz="1600">
-              <a:solidFill>
-                <a:srgbClr val="FF9900"/>
-              </a:solidFill>
-            </a:endParaRPr>
+              <a:rPr lang="en"/>
+              <a:t>First, </a:t>
+            </a:r>
+            <a:r>
+              <a:rPr lang="en"/>
+              <a:t>through</a:t>
+            </a:r>
+            <a:r>
+              <a:rPr lang="en"/>
+              <a:t> command line interface</a:t>
+            </a:r>
+            <a:endParaRPr/>
           </a:p>
           <a:p>
-            <a:pPr indent="0" lvl="0" marL="0" rtl="0" algn="l">
-              <a:spcBef>
-                <a:spcPts val="1200"/>
-              </a:spcBef>
-              <a:spcAft>
-                <a:spcPts val="0"/>
-              </a:spcAft>
-              <a:buNone/>
+            <a:pPr indent="-287972" lvl="2" marL="1371600" rtl="0" algn="l">
+              <a:spcBef>
+                <a:spcPts val="0"/>
+              </a:spcBef>
+              <a:spcAft>
+                <a:spcPts val="0"/>
+              </a:spcAft>
+              <a:buSzPct val="100000"/>
+              <a:buChar char="■"/>
             </a:pPr>
             <a:r>
-              <a:rPr b="1" lang="en" sz="1600"/>
-              <a:t>If the hash size is very large:</a:t>
-            </a:r>
-            <a:endParaRPr b="1" sz="1600"/>
+              <a:rPr lang="en"/>
+              <a:t>User can perform operations on any database file through this interface</a:t>
+            </a:r>
+            <a:endParaRPr/>
           </a:p>
           <a:p>
-            <a:pPr indent="457200" lvl="0" marL="0" rtl="0" algn="l">
-              <a:spcBef>
-                <a:spcPts val="1200"/>
-              </a:spcBef>
-              <a:spcAft>
-                <a:spcPts val="0"/>
-              </a:spcAft>
-              <a:buNone/>
+            <a:pPr indent="-287972" lvl="2" marL="1371600" rtl="0" algn="l">
+              <a:spcBef>
+                <a:spcPts val="0"/>
+              </a:spcBef>
+              <a:spcAft>
+                <a:spcPts val="0"/>
+              </a:spcAft>
+              <a:buSzPct val="100000"/>
+              <a:buChar char="■"/>
             </a:pPr>
             <a:r>
-              <a:rPr b="1" lang="en" sz="1600"/>
-              <a:t>the idx file would be very big and takes lots of space.</a:t>
-            </a:r>
-            <a:endParaRPr b="1" sz="1600"/>
+              <a:rPr lang="en"/>
+              <a:t>Sample log from command line interface </a:t>
+            </a:r>
+            <a:r>
+              <a:rPr lang="en" u="sng">
+                <a:solidFill>
+                  <a:schemeClr val="hlink"/>
+                </a:solidFill>
+                <a:hlinkClick r:id="rId3"/>
+              </a:rPr>
+              <a:t>Link</a:t>
+            </a:r>
+            <a:endParaRPr/>
           </a:p>
           <a:p>
-            <a:pPr indent="0" lvl="0" marL="0" rtl="0" algn="l">
-              <a:spcBef>
-                <a:spcPts val="1200"/>
-              </a:spcBef>
-              <a:spcAft>
-                <a:spcPts val="0"/>
-              </a:spcAft>
-              <a:buNone/>
+            <a:pPr indent="-287972" lvl="1" marL="914400" rtl="0" algn="l">
+              <a:spcBef>
+                <a:spcPts val="0"/>
+              </a:spcBef>
+              <a:spcAft>
+                <a:spcPts val="0"/>
+              </a:spcAft>
+              <a:buSzPct val="100000"/>
+              <a:buChar char="○"/>
             </a:pPr>
             <a:r>
-              <a:rPr b="1" lang="en" sz="1600"/>
-              <a:t>If the hash size is very small:</a:t>
-            </a:r>
-            <a:endParaRPr b="1" sz="1600"/>
+              <a:rPr lang="en"/>
+              <a:t>Second, through test_performance application</a:t>
+            </a:r>
+            <a:endParaRPr/>
           </a:p>
           <a:p>
-            <a:pPr indent="457200" lvl="0" marL="0" rtl="0" algn="l">
-              <a:spcBef>
-                <a:spcPts val="1200"/>
-              </a:spcBef>
-              <a:spcAft>
-                <a:spcPts val="0"/>
-              </a:spcAft>
-              <a:buNone/>
+            <a:pPr indent="-287972" lvl="2" marL="1371600" rtl="0" algn="l">
+              <a:spcBef>
+                <a:spcPts val="0"/>
+              </a:spcBef>
+              <a:spcAft>
+                <a:spcPts val="0"/>
+              </a:spcAft>
+              <a:buSzPct val="100000"/>
+              <a:buChar char="■"/>
             </a:pPr>
             <a:r>
-              <a:rPr b="1" lang="en" sz="1600"/>
-              <a:t>It would suffer from  key value conflict issue. We need to go through the linked list for conflicting keys in find and delete function, thus very time consuming.</a:t>
-            </a:r>
-            <a:endParaRPr b="1" sz="1600"/>
+              <a:rPr lang="en"/>
+              <a:t>Test app benchmarks all operations for different size of input file and prints log</a:t>
+            </a:r>
+            <a:endParaRPr/>
           </a:p>
           <a:p>
-            <a:pPr indent="0" lvl="0" marL="457200" rtl="0" algn="l">
+            <a:pPr indent="-287972" lvl="2" marL="1371600" rtl="0" algn="l">
+              <a:spcBef>
+                <a:spcPts val="0"/>
+              </a:spcBef>
+              <a:spcAft>
+                <a:spcPts val="0"/>
+              </a:spcAft>
+              <a:buSzPct val="100000"/>
+              <a:buChar char="■"/>
+            </a:pPr>
+            <a:r>
+              <a:rPr lang="en"/>
+              <a:t>Test checks correctness of the database by generating random string and testing read/write values based on it.</a:t>
+            </a:r>
+            <a:endParaRPr/>
+          </a:p>
+          <a:p>
+            <a:pPr indent="-287972" lvl="2" marL="1371600" rtl="0" algn="l">
+              <a:spcBef>
+                <a:spcPts val="0"/>
+              </a:spcBef>
+              <a:spcAft>
+                <a:spcPts val="0"/>
+              </a:spcAft>
+              <a:buSzPct val="100000"/>
+              <a:buChar char="■"/>
+            </a:pPr>
+            <a:r>
+              <a:rPr lang="en"/>
+              <a:t>Sample test_performance log file </a:t>
+            </a:r>
+            <a:r>
+              <a:rPr lang="en" u="sng">
+                <a:solidFill>
+                  <a:schemeClr val="hlink"/>
+                </a:solidFill>
+                <a:hlinkClick r:id="rId4"/>
+              </a:rPr>
+              <a:t>Link</a:t>
+            </a:r>
+            <a:r>
+              <a:rPr lang="en"/>
+              <a:t>.</a:t>
+            </a:r>
+            <a:endParaRPr/>
+          </a:p>
+          <a:p>
+            <a:pPr indent="-298767" lvl="0" marL="457200" rtl="0" algn="l">
+              <a:spcBef>
+                <a:spcPts val="0"/>
+              </a:spcBef>
+              <a:spcAft>
+                <a:spcPts val="0"/>
+              </a:spcAft>
+              <a:buSzPct val="100000"/>
+              <a:buChar char="●"/>
+            </a:pPr>
+            <a:r>
+              <a:rPr lang="en"/>
+              <a:t>Databases Used for testing:</a:t>
+            </a:r>
+            <a:endParaRPr/>
+          </a:p>
+          <a:p>
+            <a:pPr indent="-287972" lvl="1" marL="914400" rtl="0" algn="l">
+              <a:spcBef>
+                <a:spcPts val="0"/>
+              </a:spcBef>
+              <a:spcAft>
+                <a:spcPts val="0"/>
+              </a:spcAft>
+              <a:buSzPct val="100000"/>
+              <a:buChar char="○"/>
+            </a:pPr>
+            <a:r>
+              <a:rPr lang="en" u="sng">
+                <a:solidFill>
+                  <a:schemeClr val="hlink"/>
+                </a:solidFill>
+                <a:hlinkClick r:id="rId5"/>
+              </a:rPr>
+              <a:t>https://datasets.imdbws.com/</a:t>
+            </a:r>
+            <a:endParaRPr/>
+          </a:p>
+          <a:p>
+            <a:pPr indent="-287972" lvl="2" marL="1371600" rtl="0" algn="l">
+              <a:spcBef>
+                <a:spcPts val="0"/>
+              </a:spcBef>
+              <a:spcAft>
+                <a:spcPts val="0"/>
+              </a:spcAft>
+              <a:buSzPct val="100000"/>
+              <a:buChar char="■"/>
+            </a:pPr>
+            <a:r>
+              <a:rPr lang="en" u="sng">
+                <a:solidFill>
+                  <a:schemeClr val="hlink"/>
+                </a:solidFill>
+                <a:latin typeface="Arial"/>
+                <a:ea typeface="Arial"/>
+                <a:cs typeface="Arial"/>
+                <a:sym typeface="Arial"/>
+                <a:hlinkClick r:id="rId6"/>
+              </a:rPr>
+              <a:t>Title.ratings.tsv.gz</a:t>
+            </a:r>
+            <a:endParaRPr/>
+          </a:p>
+          <a:p>
+            <a:pPr indent="-287972" lvl="2" marL="1371600" rtl="0" algn="l">
+              <a:spcBef>
+                <a:spcPts val="0"/>
+              </a:spcBef>
+              <a:spcAft>
+                <a:spcPts val="0"/>
+              </a:spcAft>
+              <a:buSzPct val="100000"/>
+              <a:buChar char="■"/>
+            </a:pPr>
+            <a:r>
+              <a:rPr lang="en" u="sng">
+                <a:solidFill>
+                  <a:schemeClr val="hlink"/>
+                </a:solidFill>
+                <a:latin typeface="Arial"/>
+                <a:ea typeface="Arial"/>
+                <a:cs typeface="Arial"/>
+                <a:sym typeface="Arial"/>
+                <a:hlinkClick r:id="rId7"/>
+              </a:rPr>
+              <a:t>title.akas.tsv.gz</a:t>
+            </a:r>
+            <a:endParaRPr/>
+          </a:p>
+          <a:p>
+            <a:pPr indent="0" lvl="0" marL="914400" rtl="0" algn="l">
               <a:spcBef>
                 <a:spcPts val="1200"/>
               </a:spcBef>
@@ -13082,8 +13117,8 @@
         </p:nvSpPr>
         <p:spPr>
           <a:xfrm>
-            <a:off x="729450" y="1934350"/>
-            <a:ext cx="5925600" cy="2261100"/>
+            <a:off x="729450" y="1917825"/>
+            <a:ext cx="8022300" cy="3289800"/>
           </a:xfrm>
           <a:prstGeom prst="rect">
             <a:avLst/>
@@ -13095,7 +13130,7 @@
           </a:bodyPr>
           <a:lstStyle/>
           <a:p>
-            <a:pPr indent="457200" lvl="0" marL="457200" rtl="0" algn="l">
+            <a:pPr indent="0" lvl="0" marL="457200" rtl="0" algn="l">
               <a:spcBef>
                 <a:spcPts val="0"/>
               </a:spcBef>
@@ -13105,8 +13140,87 @@
               <a:buNone/>
             </a:pPr>
             <a:r>
+              <a:rPr b="1" lang="en" sz="1516"/>
+              <a:t>An ideal</a:t>
+            </a:r>
+            <a:r>
+              <a:rPr b="1" lang="en" sz="1516"/>
+              <a:t> size of hash table:        </a:t>
+            </a:r>
+            <a:r>
+              <a:rPr b="1" lang="en" sz="1600">
+                <a:solidFill>
+                  <a:srgbClr val="E69138"/>
+                </a:solidFill>
+              </a:rPr>
+              <a:t> time cost</a:t>
+            </a:r>
+            <a:r>
               <a:rPr b="1" lang="en" sz="1600"/>
-              <a:t>Fix the value length or not?</a:t>
+              <a:t>     v.s.   </a:t>
+            </a:r>
+            <a:r>
+              <a:rPr b="1" lang="en" sz="1600">
+                <a:solidFill>
+                  <a:srgbClr val="FF9900"/>
+                </a:solidFill>
+              </a:rPr>
+              <a:t>space cost</a:t>
+            </a:r>
+            <a:endParaRPr b="1" sz="1600">
+              <a:solidFill>
+                <a:srgbClr val="FF9900"/>
+              </a:solidFill>
+            </a:endParaRPr>
+          </a:p>
+          <a:p>
+            <a:pPr indent="0" lvl="0" marL="457200" rtl="0" algn="l">
+              <a:spcBef>
+                <a:spcPts val="1200"/>
+              </a:spcBef>
+              <a:spcAft>
+                <a:spcPts val="0"/>
+              </a:spcAft>
+              <a:buNone/>
+            </a:pPr>
+            <a:r>
+              <a:t/>
+            </a:r>
+            <a:endParaRPr b="1" sz="1600">
+              <a:solidFill>
+                <a:srgbClr val="FF9900"/>
+              </a:solidFill>
+            </a:endParaRPr>
+          </a:p>
+          <a:p>
+            <a:pPr indent="0" lvl="0" marL="0" rtl="0" algn="l">
+              <a:spcBef>
+                <a:spcPts val="1200"/>
+              </a:spcBef>
+              <a:spcAft>
+                <a:spcPts val="0"/>
+              </a:spcAft>
+              <a:buNone/>
+            </a:pPr>
+            <a:r>
+              <a:rPr b="1" lang="en" sz="1600"/>
+              <a:t>If the hash size is very large:</a:t>
+            </a:r>
+            <a:endParaRPr b="1" sz="1600"/>
+          </a:p>
+          <a:p>
+            <a:pPr indent="457200" lvl="0" marL="0" rtl="0" algn="l">
+              <a:spcBef>
+                <a:spcPts val="1200"/>
+              </a:spcBef>
+              <a:spcAft>
+                <a:spcPts val="0"/>
+              </a:spcAft>
+              <a:buNone/>
+            </a:pPr>
+            <a:r>
+              <a:rPr b="1" lang="en" sz="1600"/>
+              <a:t>the idx file would be very big and takes lots of space.</a:t>
             </a:r>
             <a:endParaRPr b="1" sz="1600"/>
           </a:p>
@@ -13121,24 +13235,39 @@
               <a:buNone/>
             </a:pPr>
             <a:r>
-              <a:rPr lang="en"/>
-              <a:t>For single value, it is better to fix the value length. </a:t>
-            </a:r>
-            <a:endParaRPr/>
+              <a:rPr b="1" lang="en" sz="1600"/>
+              <a:t>If the hash size is very small:</a:t>
+            </a:r>
+            <a:endParaRPr b="1" sz="1600"/>
           </a:p>
           <a:p>
-            <a:pPr indent="0" lvl="0" marL="0" rtl="0" algn="l">
+            <a:pPr indent="457200" lvl="0" marL="0" rtl="0" algn="l">
               <a:spcBef>
                 <a:spcPts val="1200"/>
               </a:spcBef>
               <a:spcAft>
+                <a:spcPts val="0"/>
+              </a:spcAft>
+              <a:buNone/>
+            </a:pPr>
+            <a:r>
+              <a:rPr b="1" lang="en" sz="1600"/>
+              <a:t>It would suffer from  key value conflict issue. We need to go through the linked list for conflicting keys in find and delete function, thus very time consuming.</a:t>
+            </a:r>
+            <a:endParaRPr b="1" sz="1600"/>
+          </a:p>
+          <a:p>
+            <a:pPr indent="0" lvl="0" marL="457200" rtl="0" algn="l">
+              <a:spcBef>
                 <a:spcPts val="1200"/>
+              </a:spcBef>
+              <a:spcAft>
+                <a:spcPts val="1200"/>
               </a:spcAft>
               <a:buNone/>
             </a:pPr>
             <a:r>
-              <a:rPr lang="en"/>
-              <a:t>So that we can implement update function without wasting much space.</a:t>
+              <a:t/>
             </a:r>
             <a:endParaRPr/>
           </a:p>
@@ -13203,7 +13332,7 @@
             </a:pPr>
             <a:r>
               <a:rPr lang="en"/>
-              <a:t>Fix the value length or not?</a:t>
+              <a:t>Problems faced:</a:t>
             </a:r>
             <a:endParaRPr/>
           </a:p>
@@ -13219,8 +13348,8 @@
         </p:nvSpPr>
         <p:spPr>
           <a:xfrm>
-            <a:off x="729450" y="1971050"/>
-            <a:ext cx="4036500" cy="535200"/>
+            <a:off x="729450" y="1934350"/>
+            <a:ext cx="5925600" cy="2261100"/>
           </a:xfrm>
           <a:prstGeom prst="rect">
             <a:avLst/>
@@ -13232,186 +13361,52 @@
           </a:bodyPr>
           <a:lstStyle/>
           <a:p>
+            <a:pPr indent="457200" lvl="0" marL="457200" rtl="0" algn="l">
+              <a:spcBef>
+                <a:spcPts val="0"/>
+              </a:spcBef>
+              <a:spcAft>
+                <a:spcPts val="0"/>
+              </a:spcAft>
+              <a:buNone/>
+            </a:pPr>
+            <a:r>
+              <a:rPr b="1" lang="en" sz="1600"/>
+              <a:t>Fix the value length or not?</a:t>
+            </a:r>
+            <a:endParaRPr b="1" sz="1600"/>
+          </a:p>
+          <a:p>
             <a:pPr indent="0" lvl="0" marL="0" rtl="0" algn="l">
               <a:spcBef>
-                <a:spcPts val="0"/>
-              </a:spcBef>
-              <a:spcAft>
                 <a:spcPts val="1200"/>
+              </a:spcBef>
+              <a:spcAft>
+                <a:spcPts val="0"/>
               </a:spcAft>
               <a:buNone/>
             </a:pPr>
             <a:r>
               <a:rPr lang="en"/>
-              <a:t>This is our original update function.</a:t>
+              <a:t>For single value, it is better to fix the value length. </a:t>
             </a:r>
             <a:endParaRPr/>
           </a:p>
-        </p:txBody>
-      </p:sp>
-      <p:pic>
-        <p:nvPicPr>
-          <p:cNvPr id="251" name="Google Shape;251;p36"/>
-          <p:cNvPicPr preferRelativeResize="0"/>
-          <p:nvPr/>
-        </p:nvPicPr>
-        <p:blipFill>
-          <a:blip r:embed="rId3">
-            <a:alphaModFix/>
-          </a:blip>
-          <a:stretch>
-            <a:fillRect/>
-          </a:stretch>
-        </p:blipFill>
-        <p:spPr>
-          <a:xfrm>
-            <a:off x="334000" y="2571750"/>
-            <a:ext cx="4827402" cy="2506650"/>
-          </a:xfrm>
-          <a:prstGeom prst="rect">
-            <a:avLst/>
-          </a:prstGeom>
-          <a:noFill/>
-          <a:ln>
-            <a:noFill/>
-          </a:ln>
-        </p:spPr>
-      </p:pic>
-      <p:cxnSp>
-        <p:nvCxnSpPr>
-          <p:cNvPr id="252" name="Google Shape;252;p36"/>
-          <p:cNvCxnSpPr>
-            <a:endCxn id="251" idx="0"/>
-          </p:cNvCxnSpPr>
-          <p:nvPr/>
-        </p:nvCxnSpPr>
-        <p:spPr>
-          <a:xfrm>
-            <a:off x="2435101" y="2265750"/>
-            <a:ext cx="312600" cy="306000"/>
-          </a:xfrm>
-          <a:prstGeom prst="straightConnector1">
-            <a:avLst/>
-          </a:prstGeom>
-          <a:noFill/>
-          <a:ln cap="flat" cmpd="sng" w="9525">
-            <a:solidFill>
-              <a:schemeClr val="dk2"/>
-            </a:solidFill>
-            <a:prstDash val="solid"/>
-            <a:round/>
-            <a:headEnd len="med" w="med" type="none"/>
-            <a:tailEnd len="med" w="med" type="triangle"/>
-          </a:ln>
-        </p:spPr>
-      </p:cxnSp>
-      <p:pic>
-        <p:nvPicPr>
-          <p:cNvPr id="253" name="Google Shape;253;p36"/>
-          <p:cNvPicPr preferRelativeResize="0"/>
-          <p:nvPr/>
-        </p:nvPicPr>
-        <p:blipFill>
-          <a:blip r:embed="rId4">
-            <a:alphaModFix/>
-          </a:blip>
-          <a:stretch>
-            <a:fillRect/>
-          </a:stretch>
-        </p:blipFill>
-        <p:spPr>
-          <a:xfrm>
-            <a:off x="4843475" y="520850"/>
-            <a:ext cx="4300525" cy="4622651"/>
-          </a:xfrm>
-          <a:prstGeom prst="rect">
-            <a:avLst/>
-          </a:prstGeom>
-          <a:noFill/>
-          <a:ln>
-            <a:noFill/>
-          </a:ln>
-        </p:spPr>
-      </p:pic>
-      <p:cxnSp>
-        <p:nvCxnSpPr>
-          <p:cNvPr id="254" name="Google Shape;254;p36"/>
-          <p:cNvCxnSpPr>
-            <a:endCxn id="253" idx="1"/>
-          </p:cNvCxnSpPr>
-          <p:nvPr/>
-        </p:nvCxnSpPr>
-        <p:spPr>
-          <a:xfrm>
-            <a:off x="3372575" y="2135575"/>
-            <a:ext cx="1470900" cy="696600"/>
-          </a:xfrm>
-          <a:prstGeom prst="straightConnector1">
-            <a:avLst/>
-          </a:prstGeom>
-          <a:noFill/>
-          <a:ln cap="flat" cmpd="sng" w="9525">
-            <a:solidFill>
-              <a:schemeClr val="dk2"/>
-            </a:solidFill>
-            <a:prstDash val="solid"/>
-            <a:round/>
-            <a:headEnd len="med" w="med" type="none"/>
-            <a:tailEnd len="med" w="med" type="triangle"/>
-          </a:ln>
-        </p:spPr>
-      </p:cxnSp>
-      <p:sp>
-        <p:nvSpPr>
-          <p:cNvPr id="255" name="Google Shape;255;p36"/>
-          <p:cNvSpPr txBox="1"/>
-          <p:nvPr/>
-        </p:nvSpPr>
-        <p:spPr>
-          <a:xfrm>
-            <a:off x="6315425" y="3906450"/>
-            <a:ext cx="2828700" cy="400200"/>
-          </a:xfrm>
-          <a:prstGeom prst="rect">
-            <a:avLst/>
-          </a:prstGeom>
-          <a:solidFill>
-            <a:schemeClr val="accent3"/>
-          </a:solidFill>
-          <a:ln>
-            <a:noFill/>
-          </a:ln>
-        </p:spPr>
-        <p:txBody>
-          <a:bodyPr anchorCtr="0" anchor="t" bIns="91425" lIns="91425" spcFirstLastPara="1" rIns="91425" wrap="square" tIns="91425">
-            <a:spAutoFit/>
-          </a:bodyPr>
-          <a:lstStyle/>
           <a:p>
             <a:pPr indent="0" lvl="0" marL="0" rtl="0" algn="l">
               <a:spcBef>
-                <a:spcPts val="0"/>
-              </a:spcBef>
-              <a:spcAft>
-                <a:spcPts val="0"/>
+                <a:spcPts val="1200"/>
+              </a:spcBef>
+              <a:spcAft>
+                <a:spcPts val="1200"/>
               </a:spcAft>
               <a:buNone/>
             </a:pPr>
             <a:r>
-              <a:rPr lang="en">
-                <a:latin typeface="Lato"/>
-                <a:ea typeface="Lato"/>
-                <a:cs typeface="Lato"/>
-                <a:sym typeface="Lato"/>
-              </a:rPr>
-              <a:t>Original output</a:t>
-            </a:r>
-            <a:endParaRPr>
-              <a:latin typeface="Lato"/>
-              <a:ea typeface="Lato"/>
-              <a:cs typeface="Lato"/>
-              <a:sym typeface="Lato"/>
-            </a:endParaRPr>
+              <a:rPr lang="en"/>
+              <a:t>So that we can implement update function without wasting much space.</a:t>
+            </a:r>
+            <a:endParaRPr/>
           </a:p>
         </p:txBody>
       </p:sp>
@@ -13428,7 +13423,7 @@
   <p:cSld>
     <p:spTree>
       <p:nvGrpSpPr>
-        <p:cNvPr id="259" name="Shape 259"/>
+        <p:cNvPr id="254" name="Shape 254"/>
         <p:cNvGrpSpPr/>
         <p:nvPr/>
       </p:nvGrpSpPr>
@@ -13442,7 +13437,7 @@
       </p:grpSpPr>
       <p:sp>
         <p:nvSpPr>
-          <p:cNvPr id="260" name="Google Shape;260;p37"/>
+          <p:cNvPr id="255" name="Google Shape;255;p37"/>
           <p:cNvSpPr txBox="1"/>
           <p:nvPr>
             <p:ph type="title"/>
@@ -13474,7 +13469,7 @@
             </a:pPr>
             <a:r>
               <a:rPr lang="en"/>
-              <a:t>Problems faced:</a:t>
+              <a:t>Fix the value length or not?</a:t>
             </a:r>
             <a:endParaRPr/>
           </a:p>
@@ -13482,7 +13477,7 @@
       </p:sp>
       <p:sp>
         <p:nvSpPr>
-          <p:cNvPr id="261" name="Google Shape;261;p37"/>
+          <p:cNvPr id="256" name="Google Shape;256;p37"/>
           <p:cNvSpPr txBox="1"/>
           <p:nvPr>
             <p:ph idx="1" type="body"/>
@@ -13490,8 +13485,8 @@
         </p:nvSpPr>
         <p:spPr>
           <a:xfrm>
-            <a:off x="729450" y="2014900"/>
-            <a:ext cx="7688700" cy="2261100"/>
+            <a:off x="729450" y="1971050"/>
+            <a:ext cx="4036500" cy="535200"/>
           </a:xfrm>
           <a:prstGeom prst="rect">
             <a:avLst/>
@@ -13499,45 +13494,169 @@
         </p:spPr>
         <p:txBody>
           <a:bodyPr anchorCtr="0" anchor="t" bIns="91425" lIns="91425" spcFirstLastPara="1" rIns="91425" wrap="square" tIns="91425">
-            <a:normAutofit lnSpcReduction="20000"/>
+            <a:normAutofit/>
           </a:bodyPr>
           <a:lstStyle/>
           <a:p>
-            <a:pPr indent="457200" lvl="0" marL="457200" rtl="0" algn="l">
-              <a:spcBef>
-                <a:spcPts val="0"/>
-              </a:spcBef>
-              <a:spcAft>
-                <a:spcPts val="0"/>
+            <a:pPr indent="0" lvl="0" marL="0" rtl="0" algn="l">
+              <a:spcBef>
+                <a:spcPts val="0"/>
+              </a:spcBef>
+              <a:spcAft>
+                <a:spcPts val="1200"/>
               </a:spcAft>
               <a:buNone/>
             </a:pPr>
             <a:r>
-              <a:rPr b="1" lang="en" sz="1600"/>
-              <a:t>Fix the value length or not?</a:t>
-            </a:r>
-            <a:endParaRPr b="1" sz="1600"/>
-          </a:p>
-          <a:p>
-            <a:pPr indent="0" lvl="0" marL="457200" rtl="0" algn="l">
-              <a:spcBef>
-                <a:spcPts val="1200"/>
-              </a:spcBef>
-              <a:spcAft>
-                <a:spcPts val="0"/>
-              </a:spcAft>
-              <a:buNone/>
-            </a:pPr>
-            <a:r>
               <a:rPr lang="en"/>
-              <a:t>For multiple values, it is not easy to handle.</a:t>
+              <a:t>This is our original update function.</a:t>
             </a:r>
             <a:endParaRPr/>
           </a:p>
+        </p:txBody>
+      </p:sp>
+      <p:pic>
+        <p:nvPicPr>
+          <p:cNvPr id="257" name="Google Shape;257;p37"/>
+          <p:cNvPicPr preferRelativeResize="0"/>
+          <p:nvPr/>
+        </p:nvPicPr>
+        <p:blipFill>
+          <a:blip r:embed="rId3">
+            <a:alphaModFix/>
+          </a:blip>
+          <a:stretch>
+            <a:fillRect/>
+          </a:stretch>
+        </p:blipFill>
+        <p:spPr>
+          <a:xfrm>
+            <a:off x="334000" y="2571750"/>
+            <a:ext cx="4827402" cy="2506650"/>
+          </a:xfrm>
+          <a:prstGeom prst="rect">
+            <a:avLst/>
+          </a:prstGeom>
+          <a:noFill/>
+          <a:ln>
+            <a:noFill/>
+          </a:ln>
+        </p:spPr>
+      </p:pic>
+      <p:cxnSp>
+        <p:nvCxnSpPr>
+          <p:cNvPr id="258" name="Google Shape;258;p37"/>
+          <p:cNvCxnSpPr>
+            <a:endCxn id="257" idx="0"/>
+          </p:cNvCxnSpPr>
+          <p:nvPr/>
+        </p:nvCxnSpPr>
+        <p:spPr>
+          <a:xfrm>
+            <a:off x="2435101" y="2265750"/>
+            <a:ext cx="312600" cy="306000"/>
+          </a:xfrm>
+          <a:prstGeom prst="straightConnector1">
+            <a:avLst/>
+          </a:prstGeom>
+          <a:noFill/>
+          <a:ln cap="flat" cmpd="sng" w="9525">
+            <a:solidFill>
+              <a:schemeClr val="dk2"/>
+            </a:solidFill>
+            <a:prstDash val="solid"/>
+            <a:round/>
+            <a:headEnd len="med" w="med" type="none"/>
+            <a:tailEnd len="med" w="med" type="triangle"/>
+          </a:ln>
+        </p:spPr>
+      </p:cxnSp>
+      <p:pic>
+        <p:nvPicPr>
+          <p:cNvPr id="259" name="Google Shape;259;p37"/>
+          <p:cNvPicPr preferRelativeResize="0"/>
+          <p:nvPr/>
+        </p:nvPicPr>
+        <p:blipFill>
+          <a:blip r:embed="rId4">
+            <a:alphaModFix/>
+          </a:blip>
+          <a:stretch>
+            <a:fillRect/>
+          </a:stretch>
+        </p:blipFill>
+        <p:spPr>
+          <a:xfrm>
+            <a:off x="4843475" y="520850"/>
+            <a:ext cx="4300525" cy="4622651"/>
+          </a:xfrm>
+          <a:prstGeom prst="rect">
+            <a:avLst/>
+          </a:prstGeom>
+          <a:noFill/>
+          <a:ln>
+            <a:noFill/>
+          </a:ln>
+        </p:spPr>
+      </p:pic>
+      <p:cxnSp>
+        <p:nvCxnSpPr>
+          <p:cNvPr id="260" name="Google Shape;260;p37"/>
+          <p:cNvCxnSpPr>
+            <a:endCxn id="259" idx="1"/>
+          </p:cNvCxnSpPr>
+          <p:nvPr/>
+        </p:nvCxnSpPr>
+        <p:spPr>
+          <a:xfrm>
+            <a:off x="3372575" y="2135575"/>
+            <a:ext cx="1470900" cy="696600"/>
+          </a:xfrm>
+          <a:prstGeom prst="straightConnector1">
+            <a:avLst/>
+          </a:prstGeom>
+          <a:noFill/>
+          <a:ln cap="flat" cmpd="sng" w="9525">
+            <a:solidFill>
+              <a:schemeClr val="dk2"/>
+            </a:solidFill>
+            <a:prstDash val="solid"/>
+            <a:round/>
+            <a:headEnd len="med" w="med" type="none"/>
+            <a:tailEnd len="med" w="med" type="triangle"/>
+          </a:ln>
+        </p:spPr>
+      </p:cxnSp>
+      <p:sp>
+        <p:nvSpPr>
+          <p:cNvPr id="261" name="Google Shape;261;p37"/>
+          <p:cNvSpPr txBox="1"/>
+          <p:nvPr/>
+        </p:nvSpPr>
+        <p:spPr>
+          <a:xfrm>
+            <a:off x="6315425" y="3906450"/>
+            <a:ext cx="2828700" cy="400200"/>
+          </a:xfrm>
+          <a:prstGeom prst="rect">
+            <a:avLst/>
+          </a:prstGeom>
+          <a:solidFill>
+            <a:schemeClr val="accent3"/>
+          </a:solidFill>
+          <a:ln>
+            <a:noFill/>
+          </a:ln>
+        </p:spPr>
+        <p:txBody>
+          <a:bodyPr anchorCtr="0" anchor="t" bIns="91425" lIns="91425" spcFirstLastPara="1" rIns="91425" wrap="square" tIns="91425">
+            <a:spAutoFit/>
+          </a:bodyPr>
+          <a:lstStyle/>
           <a:p>
-            <a:pPr indent="0" lvl="0" marL="457200" rtl="0" algn="l">
-              <a:spcBef>
-                <a:spcPts val="1200"/>
+            <a:pPr indent="0" lvl="0" marL="0" rtl="0" algn="l">
+              <a:spcBef>
+                <a:spcPts val="0"/>
               </a:spcBef>
               <a:spcAft>
                 <a:spcPts val="0"/>
@@ -13545,42 +13664,20 @@
               <a:buNone/>
             </a:pPr>
             <a:r>
-              <a:rPr lang="en"/>
-              <a:t>Now we only restrict the total number of values for each key to be less than 10. </a:t>
-            </a:r>
-            <a:endParaRPr/>
-          </a:p>
-          <a:p>
-            <a:pPr indent="0" lvl="0" marL="457200" rtl="0" algn="l">
-              <a:spcBef>
-                <a:spcPts val="1200"/>
-              </a:spcBef>
-              <a:spcAft>
-                <a:spcPts val="0"/>
-              </a:spcAft>
-              <a:buNone/>
-            </a:pPr>
-            <a:r>
-              <a:rPr lang="en"/>
-              <a:t>If we fix the value length, it would be a waste of space for short length value..</a:t>
-            </a:r>
-            <a:endParaRPr/>
-          </a:p>
-          <a:p>
-            <a:pPr indent="0" lvl="0" marL="457200" rtl="0" algn="l">
-              <a:spcBef>
-                <a:spcPts val="1200"/>
-              </a:spcBef>
-              <a:spcAft>
-                <a:spcPts val="1200"/>
-              </a:spcAft>
-              <a:buNone/>
-            </a:pPr>
-            <a:r>
-              <a:rPr lang="en"/>
-              <a:t>If we do not fix the value length, we have trouble  implementing update function. Because the data is stored in sequence. If the new value we try to update is longer than the previous one, it would cover the data stored next to it. </a:t>
-            </a:r>
-            <a:endParaRPr/>
+              <a:rPr lang="en">
+                <a:latin typeface="Lato"/>
+                <a:ea typeface="Lato"/>
+                <a:cs typeface="Lato"/>
+                <a:sym typeface="Lato"/>
+              </a:rPr>
+              <a:t>Original output</a:t>
+            </a:r>
+            <a:endParaRPr>
+              <a:latin typeface="Lato"/>
+              <a:ea typeface="Lato"/>
+              <a:cs typeface="Lato"/>
+              <a:sym typeface="Lato"/>
+            </a:endParaRPr>
           </a:p>
         </p:txBody>
       </p:sp>
@@ -13659,6 +13756,175 @@
         </p:nvSpPr>
         <p:spPr>
           <a:xfrm>
+            <a:off x="729450" y="2014900"/>
+            <a:ext cx="7688700" cy="2261100"/>
+          </a:xfrm>
+          <a:prstGeom prst="rect">
+            <a:avLst/>
+          </a:prstGeom>
+        </p:spPr>
+        <p:txBody>
+          <a:bodyPr anchorCtr="0" anchor="t" bIns="91425" lIns="91425" spcFirstLastPara="1" rIns="91425" wrap="square" tIns="91425">
+            <a:normAutofit lnSpcReduction="20000"/>
+          </a:bodyPr>
+          <a:lstStyle/>
+          <a:p>
+            <a:pPr indent="457200" lvl="0" marL="457200" rtl="0" algn="l">
+              <a:spcBef>
+                <a:spcPts val="0"/>
+              </a:spcBef>
+              <a:spcAft>
+                <a:spcPts val="0"/>
+              </a:spcAft>
+              <a:buNone/>
+            </a:pPr>
+            <a:r>
+              <a:rPr b="1" lang="en" sz="1600"/>
+              <a:t>Fix the value length or not?</a:t>
+            </a:r>
+            <a:endParaRPr b="1" sz="1600"/>
+          </a:p>
+          <a:p>
+            <a:pPr indent="0" lvl="0" marL="457200" rtl="0" algn="l">
+              <a:spcBef>
+                <a:spcPts val="1200"/>
+              </a:spcBef>
+              <a:spcAft>
+                <a:spcPts val="0"/>
+              </a:spcAft>
+              <a:buNone/>
+            </a:pPr>
+            <a:r>
+              <a:rPr lang="en"/>
+              <a:t>For multiple values, it is not easy to handle.</a:t>
+            </a:r>
+            <a:endParaRPr/>
+          </a:p>
+          <a:p>
+            <a:pPr indent="0" lvl="0" marL="457200" rtl="0" algn="l">
+              <a:spcBef>
+                <a:spcPts val="1200"/>
+              </a:spcBef>
+              <a:spcAft>
+                <a:spcPts val="0"/>
+              </a:spcAft>
+              <a:buNone/>
+            </a:pPr>
+            <a:r>
+              <a:rPr lang="en"/>
+              <a:t>Now we only restrict the total number of values for each key to be less than 10. </a:t>
+            </a:r>
+            <a:endParaRPr/>
+          </a:p>
+          <a:p>
+            <a:pPr indent="0" lvl="0" marL="457200" rtl="0" algn="l">
+              <a:spcBef>
+                <a:spcPts val="1200"/>
+              </a:spcBef>
+              <a:spcAft>
+                <a:spcPts val="0"/>
+              </a:spcAft>
+              <a:buNone/>
+            </a:pPr>
+            <a:r>
+              <a:rPr lang="en"/>
+              <a:t>If we fix the value length, it would be a waste of space for short length value..</a:t>
+            </a:r>
+            <a:endParaRPr/>
+          </a:p>
+          <a:p>
+            <a:pPr indent="0" lvl="0" marL="457200" rtl="0" algn="l">
+              <a:spcBef>
+                <a:spcPts val="1200"/>
+              </a:spcBef>
+              <a:spcAft>
+                <a:spcPts val="1200"/>
+              </a:spcAft>
+              <a:buNone/>
+            </a:pPr>
+            <a:r>
+              <a:rPr lang="en"/>
+              <a:t>If we do not fix the value length, we have trouble  implementing update function. Because the data is stored in sequence. If the new value we try to update is longer than the previous one, it would cover the data stored next to it. </a:t>
+            </a:r>
+            <a:endParaRPr/>
+          </a:p>
+        </p:txBody>
+      </p:sp>
+    </p:spTree>
+  </p:cSld>
+  <p:clrMapOvr>
+    <a:masterClrMapping/>
+  </p:clrMapOvr>
+</p:sld>
+</file>
+
+<file path=ppt/slides/slide27.xml><?xml version="1.0" encoding="utf-8"?>
+<p:sld xmlns:a="http://schemas.openxmlformats.org/drawingml/2006/main" xmlns:r="http://schemas.openxmlformats.org/officeDocument/2006/relationships" xmlns:mc="http://schemas.openxmlformats.org/markup-compatibility/2006" xmlns:mv="urn:schemas-microsoft-com:mac:vml" xmlns:p="http://schemas.openxmlformats.org/presentationml/2006/main" xmlns:c="http://schemas.openxmlformats.org/drawingml/2006/chart" xmlns:dgm="http://schemas.openxmlformats.org/drawingml/2006/diagram" xmlns:o="urn:schemas-microsoft-com:office:office" xmlns:v="urn:schemas-microsoft-com:vml" xmlns:pvml="urn:schemas-microsoft-com:office:powerpoint" xmlns:com="http://schemas.openxmlformats.org/drawingml/2006/compatibility" xmlns:p14="http://schemas.microsoft.com/office/powerpoint/2010/main" xmlns:p15="http://schemas.microsoft.com/office/powerpoint/2012/main" xmlns:ahyp="http://schemas.microsoft.com/office/drawing/2018/hyperlinkcolor">
+  <p:cSld>
+    <p:spTree>
+      <p:nvGrpSpPr>
+        <p:cNvPr id="271" name="Shape 271"/>
+        <p:cNvGrpSpPr/>
+        <p:nvPr/>
+      </p:nvGrpSpPr>
+      <p:grpSpPr>
+        <a:xfrm>
+          <a:off x="0" y="0"/>
+          <a:ext cx="0" cy="0"/>
+          <a:chOff x="0" y="0"/>
+          <a:chExt cx="0" cy="0"/>
+        </a:xfrm>
+      </p:grpSpPr>
+      <p:sp>
+        <p:nvSpPr>
+          <p:cNvPr id="272" name="Google Shape;272;p39"/>
+          <p:cNvSpPr txBox="1"/>
+          <p:nvPr>
+            <p:ph type="title"/>
+          </p:nvPr>
+        </p:nvSpPr>
+        <p:spPr>
+          <a:xfrm>
+            <a:off x="729450" y="1318650"/>
+            <a:ext cx="7688700" cy="535200"/>
+          </a:xfrm>
+          <a:prstGeom prst="rect">
+            <a:avLst/>
+          </a:prstGeom>
+        </p:spPr>
+        <p:txBody>
+          <a:bodyPr anchorCtr="0" anchor="t" bIns="91425" lIns="91425" spcFirstLastPara="1" rIns="91425" wrap="square" tIns="91425">
+            <a:normAutofit fontScale="90000"/>
+          </a:bodyPr>
+          <a:lstStyle/>
+          <a:p>
+            <a:pPr indent="0" lvl="0" marL="0" rtl="0" algn="l">
+              <a:spcBef>
+                <a:spcPts val="0"/>
+              </a:spcBef>
+              <a:spcAft>
+                <a:spcPts val="0"/>
+              </a:spcAft>
+              <a:buNone/>
+            </a:pPr>
+            <a:r>
+              <a:rPr lang="en"/>
+              <a:t>Problems faced:</a:t>
+            </a:r>
+            <a:endParaRPr/>
+          </a:p>
+        </p:txBody>
+      </p:sp>
+      <p:sp>
+        <p:nvSpPr>
+          <p:cNvPr id="273" name="Google Shape;273;p39"/>
+          <p:cNvSpPr txBox="1"/>
+          <p:nvPr>
+            <p:ph idx="1" type="body"/>
+          </p:nvPr>
+        </p:nvSpPr>
+        <p:spPr>
+          <a:xfrm>
             <a:off x="729450" y="2078875"/>
             <a:ext cx="7688700" cy="2005200"/>
           </a:xfrm>
@@ -13779,7 +14045,7 @@
       </p:sp>
       <p:pic>
         <p:nvPicPr>
-          <p:cNvPr id="268" name="Google Shape;268;p38"/>
+          <p:cNvPr id="274" name="Google Shape;274;p39"/>
           <p:cNvPicPr preferRelativeResize="0"/>
           <p:nvPr/>
         </p:nvPicPr>
@@ -13806,7 +14072,7 @@
       </p:pic>
       <p:pic>
         <p:nvPicPr>
-          <p:cNvPr id="269" name="Google Shape;269;p38"/>
+          <p:cNvPr id="275" name="Google Shape;275;p39"/>
           <p:cNvPicPr preferRelativeResize="0"/>
           <p:nvPr/>
         </p:nvPicPr>
@@ -13833,10 +14099,10 @@
       </p:pic>
       <p:cxnSp>
         <p:nvCxnSpPr>
-          <p:cNvPr id="270" name="Google Shape;270;p38"/>
+          <p:cNvPr id="276" name="Google Shape;276;p39"/>
           <p:cNvCxnSpPr>
-            <a:stCxn id="267" idx="0"/>
-            <a:endCxn id="269" idx="1"/>
+            <a:stCxn id="273" idx="0"/>
+            <a:endCxn id="275" idx="1"/>
           </p:cNvCxnSpPr>
           <p:nvPr/>
         </p:nvCxnSpPr>
@@ -13862,9 +14128,9 @@
       </p:cxnSp>
       <p:cxnSp>
         <p:nvCxnSpPr>
-          <p:cNvPr id="271" name="Google Shape;271;p38"/>
+          <p:cNvPr id="277" name="Google Shape;277;p39"/>
           <p:cNvCxnSpPr>
-            <a:endCxn id="268" idx="1"/>
+            <a:endCxn id="274" idx="1"/>
           </p:cNvCxnSpPr>
           <p:nvPr/>
         </p:nvCxnSpPr>
@@ -13890,7 +14156,7 @@
       </p:cxnSp>
       <p:sp>
         <p:nvSpPr>
-          <p:cNvPr id="272" name="Google Shape;272;p38"/>
+          <p:cNvPr id="278" name="Google Shape;278;p39"/>
           <p:cNvSpPr txBox="1"/>
           <p:nvPr/>
         </p:nvSpPr>
@@ -13944,10 +14210,10 @@
       </p:sp>
       <p:cxnSp>
         <p:nvCxnSpPr>
-          <p:cNvPr id="273" name="Google Shape;273;p38"/>
+          <p:cNvPr id="279" name="Google Shape;279;p39"/>
           <p:cNvCxnSpPr>
-            <a:stCxn id="269" idx="1"/>
-            <a:endCxn id="272" idx="2"/>
+            <a:stCxn id="275" idx="1"/>
+            <a:endCxn id="278" idx="2"/>
           </p:cNvCxnSpPr>
           <p:nvPr/>
         </p:nvCxnSpPr>
@@ -13971,6 +14237,111 @@
           </a:ln>
         </p:spPr>
       </p:cxnSp>
+    </p:spTree>
+  </p:cSld>
+  <p:clrMapOvr>
+    <a:masterClrMapping/>
+  </p:clrMapOvr>
+</p:sld>
+</file>
+
+<file path=ppt/slides/slide28.xml><?xml version="1.0" encoding="utf-8"?>
+<p:sld xmlns:a="http://schemas.openxmlformats.org/drawingml/2006/main" xmlns:r="http://schemas.openxmlformats.org/officeDocument/2006/relationships" xmlns:mc="http://schemas.openxmlformats.org/markup-compatibility/2006" xmlns:mv="urn:schemas-microsoft-com:mac:vml" xmlns:p="http://schemas.openxmlformats.org/presentationml/2006/main" xmlns:c="http://schemas.openxmlformats.org/drawingml/2006/chart" xmlns:dgm="http://schemas.openxmlformats.org/drawingml/2006/diagram" xmlns:o="urn:schemas-microsoft-com:office:office" xmlns:v="urn:schemas-microsoft-com:vml" xmlns:pvml="urn:schemas-microsoft-com:office:powerpoint" xmlns:com="http://schemas.openxmlformats.org/drawingml/2006/compatibility" xmlns:p14="http://schemas.microsoft.com/office/powerpoint/2010/main" xmlns:p15="http://schemas.microsoft.com/office/powerpoint/2012/main" xmlns:ahyp="http://schemas.microsoft.com/office/drawing/2018/hyperlinkcolor">
+  <p:cSld>
+    <p:spTree>
+      <p:nvGrpSpPr>
+        <p:cNvPr id="283" name="Shape 283"/>
+        <p:cNvGrpSpPr/>
+        <p:nvPr/>
+      </p:nvGrpSpPr>
+      <p:grpSpPr>
+        <a:xfrm>
+          <a:off x="0" y="0"/>
+          <a:ext cx="0" cy="0"/>
+          <a:chOff x="0" y="0"/>
+          <a:chExt cx="0" cy="0"/>
+        </a:xfrm>
+      </p:grpSpPr>
+      <p:sp>
+        <p:nvSpPr>
+          <p:cNvPr id="284" name="Google Shape;284;p40"/>
+          <p:cNvSpPr txBox="1"/>
+          <p:nvPr>
+            <p:ph type="title"/>
+          </p:nvPr>
+        </p:nvSpPr>
+        <p:spPr>
+          <a:xfrm>
+            <a:off x="729450" y="1318650"/>
+            <a:ext cx="7688700" cy="535200"/>
+          </a:xfrm>
+          <a:prstGeom prst="rect">
+            <a:avLst/>
+          </a:prstGeom>
+        </p:spPr>
+        <p:txBody>
+          <a:bodyPr anchorCtr="0" anchor="t" bIns="91425" lIns="91425" spcFirstLastPara="1" rIns="91425" wrap="square" tIns="91425">
+            <a:normAutofit fontScale="90000"/>
+          </a:bodyPr>
+          <a:lstStyle/>
+          <a:p>
+            <a:pPr indent="0" lvl="0" marL="0" rtl="0" algn="l">
+              <a:spcBef>
+                <a:spcPts val="0"/>
+              </a:spcBef>
+              <a:spcAft>
+                <a:spcPts val="0"/>
+              </a:spcAft>
+              <a:buNone/>
+            </a:pPr>
+            <a:r>
+              <a:rPr lang="en"/>
+              <a:t>Thank you </a:t>
+            </a:r>
+            <a:endParaRPr/>
+          </a:p>
+        </p:txBody>
+      </p:sp>
+      <p:sp>
+        <p:nvSpPr>
+          <p:cNvPr id="285" name="Google Shape;285;p40"/>
+          <p:cNvSpPr txBox="1"/>
+          <p:nvPr>
+            <p:ph idx="1" type="body"/>
+          </p:nvPr>
+        </p:nvSpPr>
+        <p:spPr>
+          <a:xfrm>
+            <a:off x="729450" y="2078875"/>
+            <a:ext cx="7688700" cy="2261100"/>
+          </a:xfrm>
+          <a:prstGeom prst="rect">
+            <a:avLst/>
+          </a:prstGeom>
+        </p:spPr>
+        <p:txBody>
+          <a:bodyPr anchorCtr="0" anchor="t" bIns="91425" lIns="91425" spcFirstLastPara="1" rIns="91425" wrap="square" tIns="91425">
+            <a:normAutofit/>
+          </a:bodyPr>
+          <a:lstStyle/>
+          <a:p>
+            <a:pPr indent="0" lvl="0" marL="0" rtl="0" algn="l">
+              <a:spcBef>
+                <a:spcPts val="0"/>
+              </a:spcBef>
+              <a:spcAft>
+                <a:spcPts val="1200"/>
+              </a:spcAft>
+              <a:buNone/>
+            </a:pPr>
+            <a:r>
+              <a:rPr lang="en"/>
+              <a:t>Opening the floor to Q&amp;A</a:t>
+            </a:r>
+            <a:endParaRPr/>
+          </a:p>
+        </p:txBody>
+      </p:sp>
     </p:spTree>
   </p:cSld>
   <p:clrMapOvr>
@@ -14030,40 +14401,119 @@
             </a:pPr>
             <a:r>
               <a:rPr lang="en"/>
-              <a:t>Development Timeline</a:t>
+              <a:t>Abstract</a:t>
             </a:r>
             <a:endParaRPr/>
           </a:p>
         </p:txBody>
       </p:sp>
-      <p:pic>
-        <p:nvPicPr>
+      <p:sp>
+        <p:nvSpPr>
           <p:cNvPr id="103" name="Google Shape;103;p15"/>
-          <p:cNvPicPr preferRelativeResize="0"/>
-          <p:nvPr/>
-        </p:nvPicPr>
-        <p:blipFill>
-          <a:blip r:embed="rId3">
-            <a:alphaModFix/>
-          </a:blip>
-          <a:stretch>
-            <a:fillRect/>
-          </a:stretch>
-        </p:blipFill>
-        <p:spPr>
-          <a:xfrm>
-            <a:off x="1422775" y="1936550"/>
-            <a:ext cx="6104355" cy="2984850"/>
+          <p:cNvSpPr txBox="1"/>
+          <p:nvPr>
+            <p:ph idx="1" type="body"/>
+          </p:nvPr>
+        </p:nvSpPr>
+        <p:spPr>
+          <a:xfrm>
+            <a:off x="729450" y="2078875"/>
+            <a:ext cx="7688700" cy="2261100"/>
           </a:xfrm>
           <a:prstGeom prst="rect">
             <a:avLst/>
           </a:prstGeom>
-          <a:noFill/>
-          <a:ln>
-            <a:noFill/>
-          </a:ln>
-        </p:spPr>
-      </p:pic>
+        </p:spPr>
+        <p:txBody>
+          <a:bodyPr anchorCtr="0" anchor="t" bIns="91425" lIns="91425" spcFirstLastPara="1" rIns="91425" wrap="square" tIns="91425">
+            <a:normAutofit/>
+          </a:bodyPr>
+          <a:lstStyle/>
+          <a:p>
+            <a:pPr indent="-311150" lvl="0" marL="457200" rtl="0" algn="l">
+              <a:spcBef>
+                <a:spcPts val="0"/>
+              </a:spcBef>
+              <a:spcAft>
+                <a:spcPts val="0"/>
+              </a:spcAft>
+              <a:buSzPts val="1300"/>
+              <a:buChar char="●"/>
+            </a:pPr>
+            <a:r>
+              <a:rPr lang="en"/>
+              <a:t>There are many C++ based SQL database frameworks like SQLAPI++, SOCI etc</a:t>
+            </a:r>
+            <a:endParaRPr/>
+          </a:p>
+          <a:p>
+            <a:pPr indent="-311150" lvl="0" marL="457200" rtl="0" algn="l">
+              <a:spcBef>
+                <a:spcPts val="0"/>
+              </a:spcBef>
+              <a:spcAft>
+                <a:spcPts val="0"/>
+              </a:spcAft>
+              <a:buSzPts val="1300"/>
+              <a:buChar char="●"/>
+            </a:pPr>
+            <a:r>
+              <a:rPr lang="en"/>
+              <a:t>These have complex instruction set and needs other dependent libraries to function properly.</a:t>
+            </a:r>
+            <a:endParaRPr/>
+          </a:p>
+          <a:p>
+            <a:pPr indent="-311150" lvl="0" marL="457200" rtl="0" algn="l">
+              <a:spcBef>
+                <a:spcPts val="0"/>
+              </a:spcBef>
+              <a:spcAft>
+                <a:spcPts val="0"/>
+              </a:spcAft>
+              <a:buSzPts val="1300"/>
+              <a:buChar char="●"/>
+            </a:pPr>
+            <a:r>
+              <a:rPr lang="en"/>
+              <a:t>Our goal is to develop an easy to use self-contained library that can support key-value pair storage into filesystem.</a:t>
+            </a:r>
+            <a:endParaRPr/>
+          </a:p>
+          <a:p>
+            <a:pPr indent="-311150" lvl="0" marL="457200" rtl="0" algn="l">
+              <a:spcBef>
+                <a:spcPts val="0"/>
+              </a:spcBef>
+              <a:spcAft>
+                <a:spcPts val="0"/>
+              </a:spcAft>
+              <a:buSzPts val="1300"/>
+              <a:buChar char="●"/>
+            </a:pPr>
+            <a:r>
+              <a:rPr lang="en"/>
+              <a:t>The program uses idx and DAT files to store and retrieve data</a:t>
+            </a:r>
+            <a:endParaRPr/>
+          </a:p>
+          <a:p>
+            <a:pPr indent="0" lvl="0" marL="0" rtl="0" algn="l">
+              <a:spcBef>
+                <a:spcPts val="1200"/>
+              </a:spcBef>
+              <a:spcAft>
+                <a:spcPts val="1200"/>
+              </a:spcAft>
+              <a:buNone/>
+            </a:pPr>
+            <a:r>
+              <a:t/>
+            </a:r>
+            <a:endParaRPr/>
+          </a:p>
+        </p:txBody>
+      </p:sp>
     </p:spTree>
   </p:cSld>
   <p:clrMapOvr>
@@ -14094,13 +14544,13 @@
           <p:cNvPr id="108" name="Google Shape;108;p16"/>
           <p:cNvSpPr txBox="1"/>
           <p:nvPr>
-            <p:ph idx="1" type="body"/>
+            <p:ph type="title"/>
           </p:nvPr>
         </p:nvSpPr>
         <p:spPr>
           <a:xfrm>
-            <a:off x="515775" y="1203500"/>
-            <a:ext cx="7902300" cy="3136500"/>
+            <a:off x="729450" y="1318650"/>
+            <a:ext cx="7688700" cy="535200"/>
           </a:xfrm>
           <a:prstGeom prst="rect">
             <a:avLst/>
@@ -14108,174 +14558,55 @@
         </p:spPr>
         <p:txBody>
           <a:bodyPr anchorCtr="0" anchor="t" bIns="91425" lIns="91425" spcFirstLastPara="1" rIns="91425" wrap="square" tIns="91425">
-            <a:noAutofit/>
+            <a:normAutofit fontScale="90000"/>
           </a:bodyPr>
           <a:lstStyle/>
           <a:p>
             <a:pPr indent="0" lvl="0" marL="0" rtl="0" algn="l">
-              <a:lnSpc>
-                <a:spcPct val="105000"/>
-              </a:lnSpc>
-              <a:spcBef>
-                <a:spcPts val="0"/>
-              </a:spcBef>
-              <a:spcAft>
-                <a:spcPts val="0"/>
-              </a:spcAft>
-              <a:buSzPts val="440"/>
+              <a:spcBef>
+                <a:spcPts val="0"/>
+              </a:spcBef>
+              <a:spcAft>
+                <a:spcPts val="0"/>
+              </a:spcAft>
               <a:buNone/>
             </a:pPr>
             <a:r>
-              <a:rPr b="1" lang="en" sz="1320"/>
-              <a:t>Brainstorm</a:t>
-            </a:r>
-            <a:r>
-              <a:rPr lang="en" sz="1320"/>
-              <a:t>: March 30th to 4th April : Narrowed down set of functionalities that the project will support based on the needs of users and their pain points. </a:t>
-            </a:r>
-            <a:endParaRPr sz="1320"/>
-          </a:p>
-          <a:p>
-            <a:pPr indent="0" lvl="0" marL="0" rtl="0" algn="l">
-              <a:lnSpc>
-                <a:spcPct val="105000"/>
-              </a:lnSpc>
-              <a:spcBef>
-                <a:spcPts val="1200"/>
-              </a:spcBef>
-              <a:spcAft>
-                <a:spcPts val="0"/>
-              </a:spcAft>
-              <a:buSzPts val="440"/>
-              <a:buNone/>
-            </a:pPr>
-            <a:r>
-              <a:rPr b="1" lang="en" sz="1320"/>
-              <a:t>Initial Design and Framework</a:t>
-            </a:r>
-            <a:r>
-              <a:rPr lang="en" sz="1320"/>
-              <a:t>: April 4th to April 11th :Decided the hashing function and storage architecture </a:t>
-            </a:r>
-            <a:endParaRPr sz="1320"/>
-          </a:p>
-          <a:p>
-            <a:pPr indent="0" lvl="0" marL="0" rtl="0" algn="l">
-              <a:lnSpc>
-                <a:spcPct val="105000"/>
-              </a:lnSpc>
-              <a:spcBef>
-                <a:spcPts val="1200"/>
-              </a:spcBef>
-              <a:spcAft>
-                <a:spcPts val="0"/>
-              </a:spcAft>
-              <a:buSzPts val="440"/>
-              <a:buNone/>
-            </a:pPr>
-            <a:r>
-              <a:rPr b="1" lang="en" sz="1320"/>
-              <a:t>Version 1</a:t>
-            </a:r>
-            <a:r>
-              <a:rPr lang="en" sz="1320"/>
-              <a:t>: April 4th to April 11th : Developed the insert, find, delete and create database functionality </a:t>
-            </a:r>
-            <a:endParaRPr sz="1320"/>
-          </a:p>
-          <a:p>
-            <a:pPr indent="0" lvl="0" marL="0" rtl="0" algn="l">
-              <a:lnSpc>
-                <a:spcPct val="105000"/>
-              </a:lnSpc>
-              <a:spcBef>
-                <a:spcPts val="1200"/>
-              </a:spcBef>
-              <a:spcAft>
-                <a:spcPts val="0"/>
-              </a:spcAft>
-              <a:buSzPts val="440"/>
-              <a:buNone/>
-            </a:pPr>
-            <a:r>
-              <a:rPr b="1" lang="en" sz="1320"/>
-              <a:t>Version 2</a:t>
-            </a:r>
-            <a:r>
-              <a:rPr lang="en" sz="1320"/>
-              <a:t>: April 11th to April 18th: Added support to insert values into database on file uploads. Added support for query functionality </a:t>
-            </a:r>
-            <a:endParaRPr sz="1320"/>
-          </a:p>
-          <a:p>
-            <a:pPr indent="0" lvl="0" marL="0" rtl="0" algn="l">
-              <a:lnSpc>
-                <a:spcPct val="105000"/>
-              </a:lnSpc>
-              <a:spcBef>
-                <a:spcPts val="1200"/>
-              </a:spcBef>
-              <a:spcAft>
-                <a:spcPts val="0"/>
-              </a:spcAft>
-              <a:buSzPts val="440"/>
-              <a:buNone/>
-            </a:pPr>
-            <a:r>
-              <a:rPr b="1" lang="en" sz="1320"/>
-              <a:t>Testing</a:t>
-            </a:r>
-            <a:r>
-              <a:rPr lang="en" sz="1320"/>
-              <a:t>: April 18th to April 25th: Added performance test application and tested with datasets from IMDB </a:t>
-            </a:r>
-            <a:endParaRPr sz="1320"/>
-          </a:p>
-          <a:p>
-            <a:pPr indent="0" lvl="0" marL="0" rtl="0" algn="l">
-              <a:lnSpc>
-                <a:spcPct val="105000"/>
-              </a:lnSpc>
-              <a:spcBef>
-                <a:spcPts val="1200"/>
-              </a:spcBef>
-              <a:spcAft>
-                <a:spcPts val="0"/>
-              </a:spcAft>
-              <a:buSzPts val="440"/>
-              <a:buNone/>
-            </a:pPr>
-            <a:r>
-              <a:rPr b="1" lang="en" sz="1320"/>
-              <a:t>Final Deliverables</a:t>
-            </a:r>
-            <a:r>
-              <a:rPr lang="en" sz="1320"/>
-              <a:t>: April 25th to April 28th : Created tutorial, demo and sample docs.</a:t>
-            </a:r>
-            <a:endParaRPr sz="1320"/>
-          </a:p>
-          <a:p>
-            <a:pPr indent="0" lvl="0" marL="0" rtl="0" algn="l">
-              <a:lnSpc>
-                <a:spcPct val="105000"/>
-              </a:lnSpc>
-              <a:spcBef>
-                <a:spcPts val="1200"/>
-              </a:spcBef>
-              <a:spcAft>
-                <a:spcPts val="1200"/>
-              </a:spcAft>
-              <a:buSzPts val="440"/>
-              <a:buNone/>
-            </a:pPr>
-            <a:r>
-              <a:t/>
-            </a:r>
-            <a:endParaRPr sz="1320"/>
+              <a:rPr lang="en"/>
+              <a:t>Development Timeline</a:t>
+            </a:r>
+            <a:endParaRPr/>
           </a:p>
         </p:txBody>
       </p:sp>
+      <p:pic>
+        <p:nvPicPr>
+          <p:cNvPr id="109" name="Google Shape;109;p16"/>
+          <p:cNvPicPr preferRelativeResize="0"/>
+          <p:nvPr/>
+        </p:nvPicPr>
+        <p:blipFill>
+          <a:blip r:embed="rId3">
+            <a:alphaModFix/>
+          </a:blip>
+          <a:stretch>
+            <a:fillRect/>
+          </a:stretch>
+        </p:blipFill>
+        <p:spPr>
+          <a:xfrm>
+            <a:off x="1422775" y="1936550"/>
+            <a:ext cx="6104355" cy="2984850"/>
+          </a:xfrm>
+          <a:prstGeom prst="rect">
+            <a:avLst/>
+          </a:prstGeom>
+          <a:noFill/>
+          <a:ln>
+            <a:noFill/>
+          </a:ln>
+        </p:spPr>
+      </p:pic>
     </p:spTree>
   </p:cSld>
   <p:clrMapOvr>
@@ -14289,7 +14620,7 @@
   <p:cSld>
     <p:spTree>
       <p:nvGrpSpPr>
-        <p:cNvPr id="112" name="Shape 112"/>
+        <p:cNvPr id="113" name="Shape 113"/>
         <p:cNvGrpSpPr/>
         <p:nvPr/>
       </p:nvGrpSpPr>
@@ -14303,46 +14634,6 @@
       </p:grpSpPr>
       <p:sp>
         <p:nvSpPr>
-          <p:cNvPr id="113" name="Google Shape;113;p17"/>
-          <p:cNvSpPr txBox="1"/>
-          <p:nvPr>
-            <p:ph type="title"/>
-          </p:nvPr>
-        </p:nvSpPr>
-        <p:spPr>
-          <a:xfrm>
-            <a:off x="729450" y="1318650"/>
-            <a:ext cx="7688700" cy="535200"/>
-          </a:xfrm>
-          <a:prstGeom prst="rect">
-            <a:avLst/>
-          </a:prstGeom>
-        </p:spPr>
-        <p:txBody>
-          <a:bodyPr anchorCtr="0" anchor="t" bIns="91425" lIns="91425" spcFirstLastPara="1" rIns="91425" wrap="square" tIns="91425">
-            <a:normAutofit fontScale="90000"/>
-          </a:bodyPr>
-          <a:lstStyle/>
-          <a:p>
-            <a:pPr indent="0" lvl="0" marL="0" rtl="0" algn="l">
-              <a:spcBef>
-                <a:spcPts val="0"/>
-              </a:spcBef>
-              <a:spcAft>
-                <a:spcPts val="0"/>
-              </a:spcAft>
-              <a:buNone/>
-            </a:pPr>
-            <a:r>
-              <a:rPr lang="en"/>
-              <a:t>Commands we support</a:t>
-            </a:r>
-            <a:endParaRPr/>
-          </a:p>
-        </p:txBody>
-      </p:sp>
-      <p:sp>
-        <p:nvSpPr>
           <p:cNvPr id="114" name="Google Shape;114;p17"/>
           <p:cNvSpPr txBox="1"/>
           <p:nvPr>
@@ -14351,8 +14642,8 @@
         </p:nvSpPr>
         <p:spPr>
           <a:xfrm>
-            <a:off x="729450" y="2078875"/>
-            <a:ext cx="7688700" cy="2261100"/>
+            <a:off x="515775" y="1203500"/>
+            <a:ext cx="7902300" cy="3136500"/>
           </a:xfrm>
           <a:prstGeom prst="rect">
             <a:avLst/>
@@ -14360,105 +14651,171 @@
         </p:spPr>
         <p:txBody>
           <a:bodyPr anchorCtr="0" anchor="t" bIns="91425" lIns="91425" spcFirstLastPara="1" rIns="91425" wrap="square" tIns="91425">
-            <a:normAutofit/>
+            <a:noAutofit/>
           </a:bodyPr>
           <a:lstStyle/>
           <a:p>
-            <a:pPr indent="-311150" lvl="0" marL="457200" rtl="0" algn="l">
-              <a:spcBef>
-                <a:spcPts val="0"/>
-              </a:spcBef>
-              <a:spcAft>
-                <a:spcPts val="0"/>
-              </a:spcAft>
-              <a:buSzPts val="1300"/>
-              <a:buAutoNum type="arabicPeriod"/>
+            <a:pPr indent="0" lvl="0" marL="0" rtl="0" algn="l">
+              <a:lnSpc>
+                <a:spcPct val="105000"/>
+              </a:lnSpc>
+              <a:spcBef>
+                <a:spcPts val="0"/>
+              </a:spcBef>
+              <a:spcAft>
+                <a:spcPts val="0"/>
+              </a:spcAft>
+              <a:buSzPts val="440"/>
+              <a:buNone/>
             </a:pPr>
             <a:r>
-              <a:rPr lang="en"/>
-              <a:t>INSERT : to add a key-value pair into the database</a:t>
-            </a:r>
-            <a:endParaRPr/>
+              <a:rPr b="1" lang="en" sz="1320"/>
+              <a:t>Brainstorm</a:t>
+            </a:r>
+            <a:r>
+              <a:rPr lang="en" sz="1320"/>
+              <a:t>: March 30th to 4th April : Narrowed down set of functionalities that the project will support based on the needs of users and their pain points. </a:t>
+            </a:r>
+            <a:endParaRPr sz="1320"/>
           </a:p>
           <a:p>
-            <a:pPr indent="-311150" lvl="0" marL="457200" rtl="0" algn="l">
-              <a:spcBef>
-                <a:spcPts val="0"/>
-              </a:spcBef>
-              <a:spcAft>
-                <a:spcPts val="0"/>
-              </a:spcAft>
-              <a:buSzPts val="1300"/>
-              <a:buAutoNum type="arabicPeriod"/>
+            <a:pPr indent="0" lvl="0" marL="0" rtl="0" algn="l">
+              <a:lnSpc>
+                <a:spcPct val="105000"/>
+              </a:lnSpc>
+              <a:spcBef>
+                <a:spcPts val="1200"/>
+              </a:spcBef>
+              <a:spcAft>
+                <a:spcPts val="0"/>
+              </a:spcAft>
+              <a:buSzPts val="440"/>
+              <a:buNone/>
             </a:pPr>
             <a:r>
-              <a:rPr lang="en"/>
-              <a:t>FIND : to get value of any key passed</a:t>
-            </a:r>
-            <a:endParaRPr/>
+              <a:rPr b="1" lang="en" sz="1320"/>
+              <a:t>Initial Design and Framework</a:t>
+            </a:r>
+            <a:r>
+              <a:rPr lang="en" sz="1320"/>
+              <a:t>: April 4th to April 11th :Decided the hashing function and storage architecture </a:t>
+            </a:r>
+            <a:endParaRPr sz="1320"/>
           </a:p>
           <a:p>
-            <a:pPr indent="-311150" lvl="0" marL="457200" rtl="0" algn="l">
-              <a:spcBef>
-                <a:spcPts val="0"/>
-              </a:spcBef>
-              <a:spcAft>
-                <a:spcPts val="0"/>
-              </a:spcAft>
-              <a:buSzPts val="1300"/>
-              <a:buAutoNum type="arabicPeriod"/>
+            <a:pPr indent="0" lvl="0" marL="0" rtl="0" algn="l">
+              <a:lnSpc>
+                <a:spcPct val="105000"/>
+              </a:lnSpc>
+              <a:spcBef>
+                <a:spcPts val="1200"/>
+              </a:spcBef>
+              <a:spcAft>
+                <a:spcPts val="0"/>
+              </a:spcAft>
+              <a:buSzPts val="440"/>
+              <a:buNone/>
             </a:pPr>
             <a:r>
-              <a:rPr lang="en"/>
-              <a:t>DELETE : to delete a key-value pair from the database</a:t>
-            </a:r>
-            <a:endParaRPr/>
+              <a:rPr b="1" lang="en" sz="1320"/>
+              <a:t>Version 1</a:t>
+            </a:r>
+            <a:r>
+              <a:rPr lang="en" sz="1320"/>
+              <a:t>: April 4th to April 11th : Developed the insert, find, delete and create database functionality </a:t>
+            </a:r>
+            <a:endParaRPr sz="1320"/>
           </a:p>
           <a:p>
-            <a:pPr indent="-311150" lvl="0" marL="457200" rtl="0" algn="l">
-              <a:spcBef>
-                <a:spcPts val="0"/>
-              </a:spcBef>
-              <a:spcAft>
-                <a:spcPts val="0"/>
-              </a:spcAft>
-              <a:buSzPts val="1300"/>
-              <a:buAutoNum type="arabicPeriod"/>
+            <a:pPr indent="0" lvl="0" marL="0" rtl="0" algn="l">
+              <a:lnSpc>
+                <a:spcPct val="105000"/>
+              </a:lnSpc>
+              <a:spcBef>
+                <a:spcPts val="1200"/>
+              </a:spcBef>
+              <a:spcAft>
+                <a:spcPts val="0"/>
+              </a:spcAft>
+              <a:buSzPts val="440"/>
+              <a:buNone/>
             </a:pPr>
             <a:r>
-              <a:rPr lang="en"/>
-              <a:t>QUERY : to search </a:t>
-            </a:r>
-            <a:r>
-              <a:rPr lang="en"/>
-              <a:t>through</a:t>
-            </a:r>
-            <a:r>
-              <a:rPr lang="en"/>
-              <a:t> database based on </a:t>
-            </a:r>
-            <a:r>
-              <a:rPr lang="en"/>
-              <a:t>condition of key or value at particular index</a:t>
-            </a:r>
-            <a:endParaRPr/>
+              <a:rPr b="1" lang="en" sz="1320"/>
+              <a:t>Version 2</a:t>
+            </a:r>
+            <a:r>
+              <a:rPr lang="en" sz="1320"/>
+              <a:t>: April 11th to April 18th: Added support to insert values into database on file uploads. Added support for query functionality </a:t>
+            </a:r>
+            <a:endParaRPr sz="1320"/>
           </a:p>
           <a:p>
-            <a:pPr indent="-311150" lvl="0" marL="457200" rtl="0" algn="l">
-              <a:spcBef>
-                <a:spcPts val="0"/>
-              </a:spcBef>
-              <a:spcAft>
-                <a:spcPts val="0"/>
-              </a:spcAft>
-              <a:buSzPts val="1300"/>
-              <a:buAutoNum type="arabicPeriod"/>
+            <a:pPr indent="0" lvl="0" marL="0" rtl="0" algn="l">
+              <a:lnSpc>
+                <a:spcPct val="105000"/>
+              </a:lnSpc>
+              <a:spcBef>
+                <a:spcPts val="1200"/>
+              </a:spcBef>
+              <a:spcAft>
+                <a:spcPts val="0"/>
+              </a:spcAft>
+              <a:buSzPts val="440"/>
+              <a:buNone/>
             </a:pPr>
             <a:r>
-              <a:rPr lang="en"/>
-              <a:t>IMPORT:import data from a csv or tsv file into database</a:t>
-            </a:r>
-            <a:endParaRPr/>
+              <a:rPr b="1" lang="en" sz="1320"/>
+              <a:t>Testing</a:t>
+            </a:r>
+            <a:r>
+              <a:rPr lang="en" sz="1320"/>
+              <a:t>: April 18th to April 25th: Added performance test application and tested with datasets from IMDB </a:t>
+            </a:r>
+            <a:endParaRPr sz="1320"/>
+          </a:p>
+          <a:p>
+            <a:pPr indent="0" lvl="0" marL="0" rtl="0" algn="l">
+              <a:lnSpc>
+                <a:spcPct val="105000"/>
+              </a:lnSpc>
+              <a:spcBef>
+                <a:spcPts val="1200"/>
+              </a:spcBef>
+              <a:spcAft>
+                <a:spcPts val="0"/>
+              </a:spcAft>
+              <a:buSzPts val="440"/>
+              <a:buNone/>
+            </a:pPr>
+            <a:r>
+              <a:rPr b="1" lang="en" sz="1320"/>
+              <a:t>Final Deliverables</a:t>
+            </a:r>
+            <a:r>
+              <a:rPr lang="en" sz="1320"/>
+              <a:t>: April 25th to April 28th : Created tutorial, demo and sample docs.</a:t>
+            </a:r>
+            <a:endParaRPr sz="1320"/>
+          </a:p>
+          <a:p>
+            <a:pPr indent="0" lvl="0" marL="0" rtl="0" algn="l">
+              <a:lnSpc>
+                <a:spcPct val="105000"/>
+              </a:lnSpc>
+              <a:spcBef>
+                <a:spcPts val="1200"/>
+              </a:spcBef>
+              <a:spcAft>
+                <a:spcPts val="1200"/>
+              </a:spcAft>
+              <a:buSzPts val="440"/>
+              <a:buNone/>
+            </a:pPr>
+            <a:r>
+              <a:t/>
+            </a:r>
+            <a:endParaRPr sz="1320"/>
           </a:p>
         </p:txBody>
       </p:sp>
@@ -14521,6 +14878,192 @@
             </a:pPr>
             <a:r>
               <a:rPr lang="en"/>
+              <a:t>Commands we support</a:t>
+            </a:r>
+            <a:endParaRPr/>
+          </a:p>
+        </p:txBody>
+      </p:sp>
+      <p:sp>
+        <p:nvSpPr>
+          <p:cNvPr id="120" name="Google Shape;120;p18"/>
+          <p:cNvSpPr txBox="1"/>
+          <p:nvPr>
+            <p:ph idx="1" type="body"/>
+          </p:nvPr>
+        </p:nvSpPr>
+        <p:spPr>
+          <a:xfrm>
+            <a:off x="729450" y="2078875"/>
+            <a:ext cx="7881300" cy="1875600"/>
+          </a:xfrm>
+          <a:prstGeom prst="rect">
+            <a:avLst/>
+          </a:prstGeom>
+        </p:spPr>
+        <p:txBody>
+          <a:bodyPr anchorCtr="0" anchor="t" bIns="91425" lIns="91425" spcFirstLastPara="1" rIns="91425" wrap="square" tIns="91425">
+            <a:normAutofit/>
+          </a:bodyPr>
+          <a:lstStyle/>
+          <a:p>
+            <a:pPr indent="-311150" lvl="0" marL="457200" rtl="0" algn="l">
+              <a:spcBef>
+                <a:spcPts val="0"/>
+              </a:spcBef>
+              <a:spcAft>
+                <a:spcPts val="0"/>
+              </a:spcAft>
+              <a:buSzPts val="1300"/>
+              <a:buAutoNum type="arabicPeriod"/>
+            </a:pPr>
+            <a:r>
+              <a:rPr lang="en"/>
+              <a:t>INSERT : to add a key-value pair into the database</a:t>
+            </a:r>
+            <a:endParaRPr/>
+          </a:p>
+          <a:p>
+            <a:pPr indent="-311150" lvl="0" marL="457200" rtl="0" algn="l">
+              <a:spcBef>
+                <a:spcPts val="0"/>
+              </a:spcBef>
+              <a:spcAft>
+                <a:spcPts val="0"/>
+              </a:spcAft>
+              <a:buSzPts val="1300"/>
+              <a:buAutoNum type="arabicPeriod"/>
+            </a:pPr>
+            <a:r>
+              <a:rPr lang="en"/>
+              <a:t>FIND : to get value of any key passed</a:t>
+            </a:r>
+            <a:endParaRPr/>
+          </a:p>
+          <a:p>
+            <a:pPr indent="-311150" lvl="0" marL="457200" rtl="0" algn="l">
+              <a:spcBef>
+                <a:spcPts val="0"/>
+              </a:spcBef>
+              <a:spcAft>
+                <a:spcPts val="0"/>
+              </a:spcAft>
+              <a:buSzPts val="1300"/>
+              <a:buAutoNum type="arabicPeriod"/>
+            </a:pPr>
+            <a:r>
+              <a:rPr lang="en"/>
+              <a:t>DELETE : to delete a key-value pair from the database</a:t>
+            </a:r>
+            <a:endParaRPr/>
+          </a:p>
+          <a:p>
+            <a:pPr indent="-311150" lvl="0" marL="457200" rtl="0" algn="l">
+              <a:spcBef>
+                <a:spcPts val="0"/>
+              </a:spcBef>
+              <a:spcAft>
+                <a:spcPts val="0"/>
+              </a:spcAft>
+              <a:buSzPts val="1300"/>
+              <a:buAutoNum type="arabicPeriod"/>
+            </a:pPr>
+            <a:r>
+              <a:rPr lang="en"/>
+              <a:t>QUERY : to search </a:t>
+            </a:r>
+            <a:r>
+              <a:rPr lang="en"/>
+              <a:t>through</a:t>
+            </a:r>
+            <a:r>
+              <a:rPr lang="en"/>
+              <a:t> database based on </a:t>
+            </a:r>
+            <a:r>
+              <a:rPr lang="en"/>
+              <a:t>condition of key or value at particular index</a:t>
+            </a:r>
+            <a:endParaRPr/>
+          </a:p>
+          <a:p>
+            <a:pPr indent="-311150" lvl="0" marL="457200" rtl="0" algn="l">
+              <a:spcBef>
+                <a:spcPts val="0"/>
+              </a:spcBef>
+              <a:spcAft>
+                <a:spcPts val="0"/>
+              </a:spcAft>
+              <a:buSzPts val="1300"/>
+              <a:buAutoNum type="arabicPeriod"/>
+            </a:pPr>
+            <a:r>
+              <a:rPr lang="en"/>
+              <a:t>IMPORT:import data from a csv or tsv file into database</a:t>
+            </a:r>
+            <a:endParaRPr/>
+          </a:p>
+        </p:txBody>
+      </p:sp>
+    </p:spTree>
+  </p:cSld>
+  <p:clrMapOvr>
+    <a:masterClrMapping/>
+  </p:clrMapOvr>
+</p:sld>
+</file>
+
+<file path=ppt/slides/slide7.xml><?xml version="1.0" encoding="utf-8"?>
+<p:sld xmlns:a="http://schemas.openxmlformats.org/drawingml/2006/main" xmlns:r="http://schemas.openxmlformats.org/officeDocument/2006/relationships" xmlns:mc="http://schemas.openxmlformats.org/markup-compatibility/2006" xmlns:mv="urn:schemas-microsoft-com:mac:vml" xmlns:p="http://schemas.openxmlformats.org/presentationml/2006/main" xmlns:c="http://schemas.openxmlformats.org/drawingml/2006/chart" xmlns:dgm="http://schemas.openxmlformats.org/drawingml/2006/diagram" xmlns:o="urn:schemas-microsoft-com:office:office" xmlns:v="urn:schemas-microsoft-com:vml" xmlns:pvml="urn:schemas-microsoft-com:office:powerpoint" xmlns:com="http://schemas.openxmlformats.org/drawingml/2006/compatibility" xmlns:p14="http://schemas.microsoft.com/office/powerpoint/2010/main" xmlns:p15="http://schemas.microsoft.com/office/powerpoint/2012/main" xmlns:ahyp="http://schemas.microsoft.com/office/drawing/2018/hyperlinkcolor">
+  <p:cSld>
+    <p:spTree>
+      <p:nvGrpSpPr>
+        <p:cNvPr id="124" name="Shape 124"/>
+        <p:cNvGrpSpPr/>
+        <p:nvPr/>
+      </p:nvGrpSpPr>
+      <p:grpSpPr>
+        <a:xfrm>
+          <a:off x="0" y="0"/>
+          <a:ext cx="0" cy="0"/>
+          <a:chOff x="0" y="0"/>
+          <a:chExt cx="0" cy="0"/>
+        </a:xfrm>
+      </p:grpSpPr>
+      <p:sp>
+        <p:nvSpPr>
+          <p:cNvPr id="125" name="Google Shape;125;p19"/>
+          <p:cNvSpPr txBox="1"/>
+          <p:nvPr>
+            <p:ph type="title"/>
+          </p:nvPr>
+        </p:nvSpPr>
+        <p:spPr>
+          <a:xfrm>
+            <a:off x="729450" y="1318650"/>
+            <a:ext cx="7688700" cy="535200"/>
+          </a:xfrm>
+          <a:prstGeom prst="rect">
+            <a:avLst/>
+          </a:prstGeom>
+        </p:spPr>
+        <p:txBody>
+          <a:bodyPr anchorCtr="0" anchor="t" bIns="91425" lIns="91425" spcFirstLastPara="1" rIns="91425" wrap="square" tIns="91425">
+            <a:normAutofit fontScale="90000"/>
+          </a:bodyPr>
+          <a:lstStyle/>
+          <a:p>
+            <a:pPr indent="0" lvl="0" marL="0" rtl="0" algn="l">
+              <a:spcBef>
+                <a:spcPts val="0"/>
+              </a:spcBef>
+              <a:spcAft>
+                <a:spcPts val="0"/>
+              </a:spcAft>
+              <a:buNone/>
+            </a:pPr>
+            <a:r>
+              <a:rPr lang="en"/>
               <a:t>FileList</a:t>
             </a:r>
             <a:endParaRPr/>
@@ -14529,12 +15072,12 @@
       </p:sp>
       <p:graphicFrame>
         <p:nvGraphicFramePr>
-          <p:cNvPr id="120" name="Google Shape;120;p18"/>
+          <p:cNvPr id="126" name="Google Shape;126;p19"/>
           <p:cNvGraphicFramePr/>
           <p:nvPr/>
         </p:nvGraphicFramePr>
         <p:xfrm>
-          <a:off x="1905000" y="571825"/>
+          <a:off x="1828800" y="571825"/>
           <a:ext cx="3000000" cy="3000000"/>
         </p:xfrm>
         <a:graphic>
@@ -14542,7 +15085,7 @@
             <a:tbl>
               <a:tblPr>
                 <a:noFill/>
-                <a:tableStyleId>{747261AD-6617-4900-8B19-9924E0AA2BBA}</a:tableStyleId>
+                <a:tableStyleId>{2B5700E4-922A-4371-9F6B-366442F2D658}</a:tableStyleId>
               </a:tblPr>
               <a:tblGrid>
                 <a:gridCol w="3619500"/>
@@ -15116,12 +15659,12 @@
 </p:sld>
 </file>
 
-<file path=ppt/slides/slide7.xml><?xml version="1.0" encoding="utf-8"?>
+<file path=ppt/slides/slide8.xml><?xml version="1.0" encoding="utf-8"?>
 <p:sld xmlns:a="http://schemas.openxmlformats.org/drawingml/2006/main" xmlns:r="http://schemas.openxmlformats.org/officeDocument/2006/relationships" xmlns:mc="http://schemas.openxmlformats.org/markup-compatibility/2006" xmlns:mv="urn:schemas-microsoft-com:mac:vml" xmlns:p="http://schemas.openxmlformats.org/presentationml/2006/main" xmlns:c="http://schemas.openxmlformats.org/drawingml/2006/chart" xmlns:dgm="http://schemas.openxmlformats.org/drawingml/2006/diagram" xmlns:o="urn:schemas-microsoft-com:office:office" xmlns:v="urn:schemas-microsoft-com:vml" xmlns:pvml="urn:schemas-microsoft-com:office:powerpoint" xmlns:com="http://schemas.openxmlformats.org/drawingml/2006/compatibility" xmlns:p14="http://schemas.microsoft.com/office/powerpoint/2010/main" xmlns:p15="http://schemas.microsoft.com/office/powerpoint/2012/main" xmlns:ahyp="http://schemas.microsoft.com/office/drawing/2018/hyperlinkcolor">
   <p:cSld>
     <p:spTree>
       <p:nvGrpSpPr>
-        <p:cNvPr id="124" name="Shape 124"/>
+        <p:cNvPr id="130" name="Shape 130"/>
         <p:cNvGrpSpPr/>
         <p:nvPr/>
       </p:nvGrpSpPr>
@@ -15135,7 +15678,7 @@
       </p:grpSpPr>
       <p:sp>
         <p:nvSpPr>
-          <p:cNvPr id="125" name="Google Shape;125;p19"/>
+          <p:cNvPr id="131" name="Google Shape;131;p20"/>
           <p:cNvSpPr txBox="1"/>
           <p:nvPr>
             <p:ph type="title"/>
@@ -15175,7 +15718,7 @@
       </p:sp>
       <p:sp>
         <p:nvSpPr>
-          <p:cNvPr id="126" name="Google Shape;126;p19"/>
+          <p:cNvPr id="132" name="Google Shape;132;p20"/>
           <p:cNvSpPr txBox="1"/>
           <p:nvPr>
             <p:ph idx="1" type="body"/>
@@ -15183,8 +15726,8 @@
         </p:nvSpPr>
         <p:spPr>
           <a:xfrm>
-            <a:off x="729450" y="2078875"/>
-            <a:ext cx="7688700" cy="2261100"/>
+            <a:off x="287550" y="3409525"/>
+            <a:ext cx="8572500" cy="2261100"/>
           </a:xfrm>
           <a:prstGeom prst="rect">
             <a:avLst/>
@@ -15206,10 +15749,10 @@
               <a:buNone/>
             </a:pPr>
             <a:r>
-              <a:rPr b="1" lang="en" sz="2300"/>
-              <a:t>DB class</a:t>
-            </a:r>
-            <a:endParaRPr b="1" sz="2300"/>
+              <a:rPr lang="en" sz="2300"/>
+              <a:t>Hash Function</a:t>
+            </a:r>
+            <a:endParaRPr sz="2300"/>
           </a:p>
           <a:p>
             <a:pPr indent="0" lvl="0" marL="0" rtl="0" algn="l">
@@ -15217,20 +15760,76 @@
                 <a:spcPts val="1200"/>
               </a:spcBef>
               <a:spcAft>
+                <a:spcPts val="0"/>
+              </a:spcAft>
+              <a:buNone/>
+            </a:pPr>
+            <a:r>
+              <a:rPr lang="en" sz="1800"/>
+              <a:t>BKDR hash function </a:t>
+            </a:r>
+            <a:r>
+              <a:rPr lang="en" sz="1800"/>
+              <a:t>(comes from</a:t>
+            </a:r>
+            <a:r>
+              <a:rPr lang="en" sz="1800">
+                <a:solidFill>
+                  <a:schemeClr val="dk2"/>
+                </a:solidFill>
+              </a:rPr>
+              <a:t> </a:t>
+            </a:r>
+            <a:r>
+              <a:rPr lang="en" sz="1800">
+                <a:highlight>
+                  <a:srgbClr val="FFFFFF"/>
+                </a:highlight>
+              </a:rPr>
+              <a:t>Brian Kernighan and Dennis Ritchie):</a:t>
+            </a:r>
+            <a:endParaRPr sz="1800"/>
+          </a:p>
+          <a:p>
+            <a:pPr indent="0" lvl="0" marL="0" rtl="0" algn="l">
+              <a:spcBef>
                 <a:spcPts val="1200"/>
+              </a:spcBef>
+              <a:spcAft>
+                <a:spcPts val="0"/>
               </a:spcAft>
               <a:buNone/>
             </a:pPr>
             <a:r>
+              <a:rPr b="1" lang="en" sz="1800"/>
+              <a:t>Hash value of string s = seed^(n-1)* s[n-1] + seed^(n-2)*s[n-1] + </a:t>
+            </a:r>
+            <a:r>
+              <a:rPr b="1" lang="en" sz="1800"/>
+              <a:t>…… + seed^0*s[0]</a:t>
+            </a:r>
+            <a:endParaRPr b="1" sz="1800"/>
+          </a:p>
+          <a:p>
+            <a:pPr indent="0" lvl="0" marL="0" rtl="0" algn="l">
+              <a:spcBef>
+                <a:spcPts val="1200"/>
+              </a:spcBef>
+              <a:spcAft>
+                <a:spcPts val="1200"/>
+              </a:spcAft>
+              <a:buNone/>
+            </a:pPr>
+            <a:r>
               <a:t/>
             </a:r>
-            <a:endParaRPr/>
+            <a:endParaRPr sz="1800"/>
           </a:p>
         </p:txBody>
       </p:sp>
       <p:pic>
         <p:nvPicPr>
-          <p:cNvPr id="127" name="Google Shape;127;p19"/>
+          <p:cNvPr id="133" name="Google Shape;133;p20"/>
           <p:cNvPicPr preferRelativeResize="0"/>
           <p:nvPr/>
         </p:nvPicPr>
@@ -15244,8 +15843,8 @@
         </p:blipFill>
         <p:spPr>
           <a:xfrm>
-            <a:off x="4010176" y="793275"/>
-            <a:ext cx="4407975" cy="4017550"/>
+            <a:off x="3773875" y="1528975"/>
+            <a:ext cx="5472475" cy="2085550"/>
           </a:xfrm>
           <a:prstGeom prst="rect">
             <a:avLst/>
@@ -15256,111 +15855,6 @@
           </a:ln>
         </p:spPr>
       </p:pic>
-    </p:spTree>
-  </p:cSld>
-  <p:clrMapOvr>
-    <a:masterClrMapping/>
-  </p:clrMapOvr>
-</p:sld>
-</file>
-
-<file path=ppt/slides/slide8.xml><?xml version="1.0" encoding="utf-8"?>
-<p:sld xmlns:a="http://schemas.openxmlformats.org/drawingml/2006/main" xmlns:r="http://schemas.openxmlformats.org/officeDocument/2006/relationships" xmlns:mc="http://schemas.openxmlformats.org/markup-compatibility/2006" xmlns:mv="urn:schemas-microsoft-com:mac:vml" xmlns:p="http://schemas.openxmlformats.org/presentationml/2006/main" xmlns:c="http://schemas.openxmlformats.org/drawingml/2006/chart" xmlns:dgm="http://schemas.openxmlformats.org/drawingml/2006/diagram" xmlns:o="urn:schemas-microsoft-com:office:office" xmlns:v="urn:schemas-microsoft-com:vml" xmlns:pvml="urn:schemas-microsoft-com:office:powerpoint" xmlns:com="http://schemas.openxmlformats.org/drawingml/2006/compatibility" xmlns:p14="http://schemas.microsoft.com/office/powerpoint/2010/main" xmlns:p15="http://schemas.microsoft.com/office/powerpoint/2012/main" xmlns:ahyp="http://schemas.microsoft.com/office/drawing/2018/hyperlinkcolor">
-  <p:cSld>
-    <p:spTree>
-      <p:nvGrpSpPr>
-        <p:cNvPr id="131" name="Shape 131"/>
-        <p:cNvGrpSpPr/>
-        <p:nvPr/>
-      </p:nvGrpSpPr>
-      <p:grpSpPr>
-        <a:xfrm>
-          <a:off x="0" y="0"/>
-          <a:ext cx="0" cy="0"/>
-          <a:chOff x="0" y="0"/>
-          <a:chExt cx="0" cy="0"/>
-        </a:xfrm>
-      </p:grpSpPr>
-      <p:sp>
-        <p:nvSpPr>
-          <p:cNvPr id="132" name="Google Shape;132;p20"/>
-          <p:cNvSpPr txBox="1"/>
-          <p:nvPr>
-            <p:ph type="title"/>
-          </p:nvPr>
-        </p:nvSpPr>
-        <p:spPr>
-          <a:xfrm>
-            <a:off x="729450" y="1318650"/>
-            <a:ext cx="7688700" cy="535200"/>
-          </a:xfrm>
-          <a:prstGeom prst="rect">
-            <a:avLst/>
-          </a:prstGeom>
-        </p:spPr>
-        <p:txBody>
-          <a:bodyPr anchorCtr="0" anchor="t" bIns="91425" lIns="91425" spcFirstLastPara="1" rIns="91425" wrap="square" tIns="91425">
-            <a:normAutofit fontScale="90000"/>
-          </a:bodyPr>
-          <a:lstStyle/>
-          <a:p>
-            <a:pPr indent="0" lvl="0" marL="0" rtl="0" algn="l">
-              <a:spcBef>
-                <a:spcPts val="0"/>
-              </a:spcBef>
-              <a:spcAft>
-                <a:spcPts val="0"/>
-              </a:spcAft>
-              <a:buNone/>
-            </a:pPr>
-            <a:r>
-              <a:rPr lang="en"/>
-              <a:t>Design Approach</a:t>
-            </a:r>
-            <a:endParaRPr/>
-          </a:p>
-        </p:txBody>
-      </p:sp>
-      <p:sp>
-        <p:nvSpPr>
-          <p:cNvPr id="133" name="Google Shape;133;p20"/>
-          <p:cNvSpPr txBox="1"/>
-          <p:nvPr>
-            <p:ph idx="1" type="body"/>
-          </p:nvPr>
-        </p:nvSpPr>
-        <p:spPr>
-          <a:xfrm>
-            <a:off x="729450" y="2078875"/>
-            <a:ext cx="7688700" cy="2261100"/>
-          </a:xfrm>
-          <a:prstGeom prst="rect">
-            <a:avLst/>
-          </a:prstGeom>
-        </p:spPr>
-        <p:txBody>
-          <a:bodyPr anchorCtr="0" anchor="t" bIns="91425" lIns="91425" spcFirstLastPara="1" rIns="91425" wrap="square" tIns="91425">
-            <a:normAutofit/>
-          </a:bodyPr>
-          <a:lstStyle/>
-          <a:p>
-            <a:pPr indent="0" lvl="0" marL="0" rtl="0" algn="l">
-              <a:spcBef>
-                <a:spcPts val="0"/>
-              </a:spcBef>
-              <a:spcAft>
-                <a:spcPts val="1200"/>
-              </a:spcAft>
-              <a:buNone/>
-            </a:pPr>
-            <a:r>
-              <a:rPr lang="en" sz="2300"/>
-              <a:t>Index struct</a:t>
-            </a:r>
-            <a:endParaRPr sz="2300"/>
-          </a:p>
-        </p:txBody>
-      </p:sp>
       <p:pic>
         <p:nvPicPr>
           <p:cNvPr id="134" name="Google Shape;134;p20"/>
@@ -15368,7 +15862,7 @@
           <p:nvPr/>
         </p:nvPicPr>
         <p:blipFill>
-          <a:blip r:embed="rId3">
+          <a:blip r:embed="rId4">
             <a:alphaModFix/>
           </a:blip>
           <a:stretch>
@@ -15377,8 +15871,8 @@
         </p:blipFill>
         <p:spPr>
           <a:xfrm>
-            <a:off x="3792225" y="2078875"/>
-            <a:ext cx="3905250" cy="2762250"/>
+            <a:off x="642950" y="2482375"/>
+            <a:ext cx="2493050" cy="298625"/>
           </a:xfrm>
           <a:prstGeom prst="rect">
             <a:avLst/>
@@ -15464,8 +15958,8 @@
         </p:nvSpPr>
         <p:spPr>
           <a:xfrm>
-            <a:off x="287550" y="3409525"/>
-            <a:ext cx="8572500" cy="2261100"/>
+            <a:off x="729450" y="2078875"/>
+            <a:ext cx="7688700" cy="2261100"/>
           </a:xfrm>
           <a:prstGeom prst="rect">
             <a:avLst/>
@@ -15487,10 +15981,10 @@
               <a:buNone/>
             </a:pPr>
             <a:r>
-              <a:rPr lang="en" sz="2300"/>
-              <a:t>Hash Function</a:t>
-            </a:r>
-            <a:endParaRPr sz="2300"/>
+              <a:rPr b="1" lang="en" sz="2300"/>
+              <a:t>DB class</a:t>
+            </a:r>
+            <a:endParaRPr b="1" sz="2300"/>
           </a:p>
           <a:p>
             <a:pPr indent="0" lvl="0" marL="0" rtl="0" algn="l">
@@ -15498,70 +15992,14 @@
                 <a:spcPts val="1200"/>
               </a:spcBef>
               <a:spcAft>
-                <a:spcPts val="0"/>
+                <a:spcPts val="1200"/>
               </a:spcAft>
               <a:buNone/>
             </a:pPr>
             <a:r>
-              <a:rPr lang="en" sz="1800"/>
-              <a:t>BKDR hash function </a:t>
-            </a:r>
-            <a:r>
-              <a:rPr lang="en" sz="1800"/>
-              <a:t>(comes from</a:t>
-            </a:r>
-            <a:r>
-              <a:rPr lang="en" sz="1800">
-                <a:solidFill>
-                  <a:schemeClr val="dk2"/>
-                </a:solidFill>
-              </a:rPr>
-              <a:t> </a:t>
-            </a:r>
-            <a:r>
-              <a:rPr lang="en" sz="1800">
-                <a:highlight>
-                  <a:srgbClr val="FFFFFF"/>
-                </a:highlight>
-              </a:rPr>
-              <a:t>Brian Kernighan and Dennis Ritchie):</a:t>
-            </a:r>
-            <a:endParaRPr sz="1800"/>
-          </a:p>
-          <a:p>
-            <a:pPr indent="0" lvl="0" marL="0" rtl="0" algn="l">
-              <a:spcBef>
-                <a:spcPts val="1200"/>
-              </a:spcBef>
-              <a:spcAft>
-                <a:spcPts val="0"/>
-              </a:spcAft>
-              <a:buNone/>
-            </a:pPr>
-            <a:r>
-              <a:rPr b="1" lang="en" sz="1800"/>
-              <a:t>Hash value of string s = seed^(n-1)* s[n-1] + seed^(n-2)*s[n-1] + </a:t>
-            </a:r>
-            <a:r>
-              <a:rPr b="1" lang="en" sz="1800"/>
-              <a:t>…… + seed^0*s[0]</a:t>
-            </a:r>
-            <a:endParaRPr b="1" sz="1800"/>
-          </a:p>
-          <a:p>
-            <a:pPr indent="0" lvl="0" marL="0" rtl="0" algn="l">
-              <a:spcBef>
-                <a:spcPts val="1200"/>
-              </a:spcBef>
-              <a:spcAft>
-                <a:spcPts val="1200"/>
-              </a:spcAft>
-              <a:buNone/>
-            </a:pPr>
-            <a:r>
               <a:t/>
             </a:r>
-            <a:endParaRPr sz="1800"/>
+            <a:endParaRPr/>
           </a:p>
         </p:txBody>
       </p:sp>
@@ -15581,36 +16019,8 @@
         </p:blipFill>
         <p:spPr>
           <a:xfrm>
-            <a:off x="3773875" y="1528975"/>
-            <a:ext cx="5472475" cy="2085550"/>
-          </a:xfrm>
-          <a:prstGeom prst="rect">
-            <a:avLst/>
-          </a:prstGeom>
-          <a:noFill/>
-          <a:ln>
-            <a:noFill/>
-          </a:ln>
-        </p:spPr>
-      </p:pic>
-      <p:pic>
-        <p:nvPicPr>
-          <p:cNvPr id="142" name="Google Shape;142;p21"/>
-          <p:cNvPicPr preferRelativeResize="0"/>
-          <p:nvPr/>
-        </p:nvPicPr>
-        <p:blipFill>
-          <a:blip r:embed="rId4">
-            <a:alphaModFix/>
-          </a:blip>
-          <a:stretch>
-            <a:fillRect/>
-          </a:stretch>
-        </p:blipFill>
-        <p:spPr>
-          <a:xfrm>
-            <a:off x="642950" y="2482375"/>
-            <a:ext cx="2493050" cy="298625"/>
+            <a:off x="4010176" y="793275"/>
+            <a:ext cx="4407975" cy="4017550"/>
           </a:xfrm>
           <a:prstGeom prst="rect">
             <a:avLst/>
@@ -15630,6 +16040,285 @@
 </file>
 
 <file path=ppt/theme/theme1.xml><?xml version="1.0" encoding="utf-8"?>
+<a:theme xmlns:a="http://schemas.openxmlformats.org/drawingml/2006/main" xmlns:r="http://schemas.openxmlformats.org/officeDocument/2006/relationships" name="Streamline">
+  <a:themeElements>
+    <a:clrScheme name="Streamline">
+      <a:dk1>
+        <a:srgbClr val="1A9988"/>
+      </a:dk1>
+      <a:lt1>
+        <a:srgbClr val="FFFFFF"/>
+      </a:lt1>
+      <a:dk2>
+        <a:srgbClr val="1A1A1A"/>
+      </a:dk2>
+      <a:lt2>
+        <a:srgbClr val="E9EDEE"/>
+      </a:lt2>
+      <a:accent1>
+        <a:srgbClr val="595959"/>
+      </a:accent1>
+      <a:accent2>
+        <a:srgbClr val="6AA4C8"/>
+      </a:accent2>
+      <a:accent3>
+        <a:srgbClr val="EB5600"/>
+      </a:accent3>
+      <a:accent4>
+        <a:srgbClr val="A2FFE8"/>
+      </a:accent4>
+      <a:accent5>
+        <a:srgbClr val="1C3678"/>
+      </a:accent5>
+      <a:accent6>
+        <a:srgbClr val="FFB8A2"/>
+      </a:accent6>
+      <a:hlink>
+        <a:srgbClr val="1C3678"/>
+      </a:hlink>
+      <a:folHlink>
+        <a:srgbClr val="1C3678"/>
+      </a:folHlink>
+    </a:clrScheme>
+    <a:fontScheme name="Office">
+      <a:majorFont>
+        <a:latin typeface="Arial"/>
+        <a:ea typeface=""/>
+        <a:cs typeface=""/>
+        <a:font script="Jpan" typeface="ＭＳ Ｐゴシック"/>
+        <a:font script="Hang" typeface="맑은 고딕"/>
+        <a:font script="Hans" typeface="宋体"/>
+        <a:font script="Hant" typeface="新細明體"/>
+        <a:font script="Arab" typeface="Times New Roman"/>
+        <a:font script="Hebr" typeface="Times New Roman"/>
+        <a:font script="Thai" typeface="Angsana New"/>
+        <a:font script="Ethi" typeface="Nyala"/>
+        <a:font script="Beng" typeface="Vrinda"/>
+        <a:font script="Gujr" typeface="Shruti"/>
+        <a:font script="Khmr" typeface="MoolBoran"/>
+        <a:font script="Knda" typeface="Tunga"/>
+        <a:font script="Guru" typeface="Raavi"/>
+        <a:font script="Cans" typeface="Euphemia"/>
+        <a:font script="Cher" typeface="Plantagenet Cherokee"/>
+        <a:font script="Yiii" typeface="Microsoft Yi Baiti"/>
+        <a:font script="Tibt" typeface="Microsoft Himalaya"/>
+        <a:font script="Thaa" typeface="MV Boli"/>
+        <a:font script="Deva" typeface="Mangal"/>
+        <a:font script="Telu" typeface="Gautami"/>
+        <a:font script="Taml" typeface="Latha"/>
+        <a:font script="Syrc" typeface="Estrangelo Edessa"/>
+        <a:font script="Orya" typeface="Kalinga"/>
+        <a:font script="Mlym" typeface="Kartika"/>
+        <a:font script="Laoo" typeface="DokChampa"/>
+        <a:font script="Sinh" typeface="Iskoola Pota"/>
+        <a:font script="Mong" typeface="Mongolian Baiti"/>
+        <a:font script="Viet" typeface="Times New Roman"/>
+        <a:font script="Uigh" typeface="Microsoft Uighur"/>
+        <a:font script="Geor" typeface="Sylfaen"/>
+      </a:majorFont>
+      <a:minorFont>
+        <a:latin typeface="Arial"/>
+        <a:ea typeface=""/>
+        <a:cs typeface=""/>
+        <a:font script="Jpan" typeface="ＭＳ Ｐゴシック"/>
+        <a:font script="Hang" typeface="맑은 고딕"/>
+        <a:font script="Hans" typeface="宋体"/>
+        <a:font script="Hant" typeface="新細明體"/>
+        <a:font script="Arab" typeface="Arial"/>
+        <a:font script="Hebr" typeface="Arial"/>
+        <a:font script="Thai" typeface="Cordia New"/>
+        <a:font script="Ethi" typeface="Nyala"/>
+        <a:font script="Beng" typeface="Vrinda"/>
+        <a:font script="Gujr" typeface="Shruti"/>
+        <a:font script="Khmr" typeface="DaunPenh"/>
+        <a:font script="Knda" typeface="Tunga"/>
+        <a:font script="Guru" typeface="Raavi"/>
+        <a:font script="Cans" typeface="Euphemia"/>
+        <a:font script="Cher" typeface="Plantagenet Cherokee"/>
+        <a:font script="Yiii" typeface="Microsoft Yi Baiti"/>
+        <a:font script="Tibt" typeface="Microsoft Himalaya"/>
+        <a:font script="Thaa" typeface="MV Boli"/>
+        <a:font script="Deva" typeface="Mangal"/>
+        <a:font script="Telu" typeface="Gautami"/>
+        <a:font script="Taml" typeface="Latha"/>
+        <a:font script="Syrc" typeface="Estrangelo Edessa"/>
+        <a:font script="Orya" typeface="Kalinga"/>
+        <a:font script="Mlym" typeface="Kartika"/>
+        <a:font script="Laoo" typeface="DokChampa"/>
+        <a:font script="Sinh" typeface="Iskoola Pota"/>
+        <a:font script="Mong" typeface="Mongolian Baiti"/>
+        <a:font script="Viet" typeface="Arial"/>
+        <a:font script="Uigh" typeface="Microsoft Uighur"/>
+        <a:font script="Geor" typeface="Sylfaen"/>
+      </a:minorFont>
+    </a:fontScheme>
+    <a:fmtScheme name="Office">
+      <a:fillStyleLst>
+        <a:solidFill>
+          <a:schemeClr val="phClr"/>
+        </a:solidFill>
+        <a:gradFill rotWithShape="1">
+          <a:gsLst>
+            <a:gs pos="0">
+              <a:schemeClr val="phClr">
+                <a:tint val="50000"/>
+                <a:satMod val="300000"/>
+              </a:schemeClr>
+            </a:gs>
+            <a:gs pos="35000">
+              <a:schemeClr val="phClr">
+                <a:tint val="37000"/>
+                <a:satMod val="300000"/>
+              </a:schemeClr>
+            </a:gs>
+            <a:gs pos="100000">
+              <a:schemeClr val="phClr">
+                <a:tint val="15000"/>
+                <a:satMod val="350000"/>
+              </a:schemeClr>
+            </a:gs>
+          </a:gsLst>
+          <a:lin ang="16200000" scaled="1"/>
+        </a:gradFill>
+        <a:gradFill rotWithShape="1">
+          <a:gsLst>
+            <a:gs pos="0">
+              <a:schemeClr val="phClr">
+                <a:tint val="100000"/>
+                <a:shade val="100000"/>
+                <a:satMod val="130000"/>
+              </a:schemeClr>
+            </a:gs>
+            <a:gs pos="100000">
+              <a:schemeClr val="phClr">
+                <a:tint val="50000"/>
+                <a:shade val="100000"/>
+                <a:satMod val="350000"/>
+              </a:schemeClr>
+            </a:gs>
+          </a:gsLst>
+          <a:lin ang="16200000" scaled="0"/>
+        </a:gradFill>
+      </a:fillStyleLst>
+      <a:lnStyleLst>
+        <a:ln w="9525" cap="flat" cmpd="sng" algn="ctr">
+          <a:solidFill>
+            <a:schemeClr val="phClr">
+              <a:shade val="95000"/>
+              <a:satMod val="105000"/>
+            </a:schemeClr>
+          </a:solidFill>
+          <a:prstDash val="solid"/>
+        </a:ln>
+        <a:ln w="25400" cap="flat" cmpd="sng" algn="ctr">
+          <a:solidFill>
+            <a:schemeClr val="phClr"/>
+          </a:solidFill>
+          <a:prstDash val="solid"/>
+        </a:ln>
+        <a:ln w="38100" cap="flat" cmpd="sng" algn="ctr">
+          <a:solidFill>
+            <a:schemeClr val="phClr"/>
+          </a:solidFill>
+          <a:prstDash val="solid"/>
+        </a:ln>
+      </a:lnStyleLst>
+      <a:effectStyleLst>
+        <a:effectStyle>
+          <a:effectLst>
+            <a:outerShdw blurRad="40000" dist="20000" dir="5400000" rotWithShape="0">
+              <a:srgbClr val="000000">
+                <a:alpha val="38000"/>
+              </a:srgbClr>
+            </a:outerShdw>
+          </a:effectLst>
+        </a:effectStyle>
+        <a:effectStyle>
+          <a:effectLst>
+            <a:outerShdw blurRad="40000" dist="23000" dir="5400000" rotWithShape="0">
+              <a:srgbClr val="000000">
+                <a:alpha val="35000"/>
+              </a:srgbClr>
+            </a:outerShdw>
+          </a:effectLst>
+        </a:effectStyle>
+        <a:effectStyle>
+          <a:effectLst>
+            <a:outerShdw blurRad="40000" dist="23000" dir="5400000" rotWithShape="0">
+              <a:srgbClr val="000000">
+                <a:alpha val="35000"/>
+              </a:srgbClr>
+            </a:outerShdw>
+          </a:effectLst>
+          <a:scene3d>
+            <a:camera prst="orthographicFront">
+              <a:rot lat="0" lon="0" rev="0"/>
+            </a:camera>
+            <a:lightRig rig="threePt" dir="t">
+              <a:rot lat="0" lon="0" rev="1200000"/>
+            </a:lightRig>
+          </a:scene3d>
+          <a:sp3d>
+            <a:bevelT w="63500" h="25400"/>
+          </a:sp3d>
+        </a:effectStyle>
+      </a:effectStyleLst>
+      <a:bgFillStyleLst>
+        <a:solidFill>
+          <a:schemeClr val="phClr"/>
+        </a:solidFill>
+        <a:gradFill rotWithShape="1">
+          <a:gsLst>
+            <a:gs pos="0">
+              <a:schemeClr val="phClr">
+                <a:tint val="40000"/>
+                <a:satMod val="350000"/>
+              </a:schemeClr>
+            </a:gs>
+            <a:gs pos="40000">
+              <a:schemeClr val="phClr">
+                <a:tint val="45000"/>
+                <a:shade val="99000"/>
+                <a:satMod val="350000"/>
+              </a:schemeClr>
+            </a:gs>
+            <a:gs pos="100000">
+              <a:schemeClr val="phClr">
+                <a:shade val="20000"/>
+                <a:satMod val="255000"/>
+              </a:schemeClr>
+            </a:gs>
+          </a:gsLst>
+          <a:path path="circle">
+            <a:fillToRect l="50000" t="-80000" r="50000" b="180000"/>
+          </a:path>
+        </a:gradFill>
+        <a:gradFill rotWithShape="1">
+          <a:gsLst>
+            <a:gs pos="0">
+              <a:schemeClr val="phClr">
+                <a:tint val="80000"/>
+                <a:satMod val="300000"/>
+              </a:schemeClr>
+            </a:gs>
+            <a:gs pos="100000">
+              <a:schemeClr val="phClr">
+                <a:shade val="30000"/>
+                <a:satMod val="200000"/>
+              </a:schemeClr>
+            </a:gs>
+          </a:gsLst>
+          <a:path path="circle">
+            <a:fillToRect l="50000" t="50000" r="50000" b="50000"/>
+          </a:path>
+        </a:gradFill>
+      </a:bgFillStyleLst>
+    </a:fmtScheme>
+  </a:themeElements>
+</a:theme>
+</file>
+
+<file path=ppt/theme/theme2.xml><?xml version="1.0" encoding="utf-8"?>
 <a:theme xmlns:a="http://schemas.openxmlformats.org/drawingml/2006/main" xmlns:r="http://schemas.openxmlformats.org/officeDocument/2006/relationships">
   <a:themeElements>
     <a:clrScheme name="Default">
@@ -15906,283 +16595,4 @@
     </a:fmtScheme>
   </a:themeElements>
 </a:theme>
-</file>
-
-<file path=ppt/theme/theme2.xml><?xml version="1.0" encoding="utf-8"?>
-<a:theme xmlns:a="http://schemas.openxmlformats.org/drawingml/2006/main" xmlns:r="http://schemas.openxmlformats.org/officeDocument/2006/relationships" name="Streamline">
-  <a:themeElements>
-    <a:clrScheme name="Streamline">
-      <a:dk1>
-        <a:srgbClr val="1A9988"/>
-      </a:dk1>
-      <a:lt1>
-        <a:srgbClr val="FFFFFF"/>
-      </a:lt1>
-      <a:dk2>
-        <a:srgbClr val="1A1A1A"/>
-      </a:dk2>
-      <a:lt2>
-        <a:srgbClr val="E9EDEE"/>
-      </a:lt2>
-      <a:accent1>
-        <a:srgbClr val="595959"/>
-      </a:accent1>
-      <a:accent2>
-        <a:srgbClr val="6AA4C8"/>
-      </a:accent2>
-      <a:accent3>
-        <a:srgbClr val="EB5600"/>
-      </a:accent3>
-      <a:accent4>
-        <a:srgbClr val="A2FFE8"/>
-      </a:accent4>
-      <a:accent5>
-        <a:srgbClr val="1C3678"/>
-      </a:accent5>
-      <a:accent6>
-        <a:srgbClr val="FFB8A2"/>
-      </a:accent6>
-      <a:hlink>
-        <a:srgbClr val="1C3678"/>
-      </a:hlink>
-      <a:folHlink>
-        <a:srgbClr val="1C3678"/>
-      </a:folHlink>
-    </a:clrScheme>
-    <a:fontScheme name="Office">
-      <a:majorFont>
-        <a:latin typeface="Arial"/>
-        <a:ea typeface=""/>
-        <a:cs typeface=""/>
-        <a:font script="Jpan" typeface="ＭＳ Ｐゴシック"/>
-        <a:font script="Hang" typeface="맑은 고딕"/>
-        <a:font script="Hans" typeface="宋体"/>
-        <a:font script="Hant" typeface="新細明體"/>
-        <a:font script="Arab" typeface="Times New Roman"/>
-        <a:font script="Hebr" typeface="Times New Roman"/>
-        <a:font script="Thai" typeface="Angsana New"/>
-        <a:font script="Ethi" typeface="Nyala"/>
-        <a:font script="Beng" typeface="Vrinda"/>
-        <a:font script="Gujr" typeface="Shruti"/>
-        <a:font script="Khmr" typeface="MoolBoran"/>
-        <a:font script="Knda" typeface="Tunga"/>
-        <a:font script="Guru" typeface="Raavi"/>
-        <a:font script="Cans" typeface="Euphemia"/>
-        <a:font script="Cher" typeface="Plantagenet Cherokee"/>
-        <a:font script="Yiii" typeface="Microsoft Yi Baiti"/>
-        <a:font script="Tibt" typeface="Microsoft Himalaya"/>
-        <a:font script="Thaa" typeface="MV Boli"/>
-        <a:font script="Deva" typeface="Mangal"/>
-        <a:font script="Telu" typeface="Gautami"/>
-        <a:font script="Taml" typeface="Latha"/>
-        <a:font script="Syrc" typeface="Estrangelo Edessa"/>
-        <a:font script="Orya" typeface="Kalinga"/>
-        <a:font script="Mlym" typeface="Kartika"/>
-        <a:font script="Laoo" typeface="DokChampa"/>
-        <a:font script="Sinh" typeface="Iskoola Pota"/>
-        <a:font script="Mong" typeface="Mongolian Baiti"/>
-        <a:font script="Viet" typeface="Times New Roman"/>
-        <a:font script="Uigh" typeface="Microsoft Uighur"/>
-        <a:font script="Geor" typeface="Sylfaen"/>
-      </a:majorFont>
-      <a:minorFont>
-        <a:latin typeface="Arial"/>
-        <a:ea typeface=""/>
-        <a:cs typeface=""/>
-        <a:font script="Jpan" typeface="ＭＳ Ｐゴシック"/>
-        <a:font script="Hang" typeface="맑은 고딕"/>
-        <a:font script="Hans" typeface="宋体"/>
-        <a:font script="Hant" typeface="新細明體"/>
-        <a:font script="Arab" typeface="Arial"/>
-        <a:font script="Hebr" typeface="Arial"/>
-        <a:font script="Thai" typeface="Cordia New"/>
-        <a:font script="Ethi" typeface="Nyala"/>
-        <a:font script="Beng" typeface="Vrinda"/>
-        <a:font script="Gujr" typeface="Shruti"/>
-        <a:font script="Khmr" typeface="DaunPenh"/>
-        <a:font script="Knda" typeface="Tunga"/>
-        <a:font script="Guru" typeface="Raavi"/>
-        <a:font script="Cans" typeface="Euphemia"/>
-        <a:font script="Cher" typeface="Plantagenet Cherokee"/>
-        <a:font script="Yiii" typeface="Microsoft Yi Baiti"/>
-        <a:font script="Tibt" typeface="Microsoft Himalaya"/>
-        <a:font script="Thaa" typeface="MV Boli"/>
-        <a:font script="Deva" typeface="Mangal"/>
-        <a:font script="Telu" typeface="Gautami"/>
-        <a:font script="Taml" typeface="Latha"/>
-        <a:font script="Syrc" typeface="Estrangelo Edessa"/>
-        <a:font script="Orya" typeface="Kalinga"/>
-        <a:font script="Mlym" typeface="Kartika"/>
-        <a:font script="Laoo" typeface="DokChampa"/>
-        <a:font script="Sinh" typeface="Iskoola Pota"/>
-        <a:font script="Mong" typeface="Mongolian Baiti"/>
-        <a:font script="Viet" typeface="Arial"/>
-        <a:font script="Uigh" typeface="Microsoft Uighur"/>
-        <a:font script="Geor" typeface="Sylfaen"/>
-      </a:minorFont>
-    </a:fontScheme>
-    <a:fmtScheme name="Office">
-      <a:fillStyleLst>
-        <a:solidFill>
-          <a:schemeClr val="phClr"/>
-        </a:solidFill>
-        <a:gradFill rotWithShape="1">
-          <a:gsLst>
-            <a:gs pos="0">
-              <a:schemeClr val="phClr">
-                <a:tint val="50000"/>
-                <a:satMod val="300000"/>
-              </a:schemeClr>
-            </a:gs>
-            <a:gs pos="35000">
-              <a:schemeClr val="phClr">
-                <a:tint val="37000"/>
-                <a:satMod val="300000"/>
-              </a:schemeClr>
-            </a:gs>
-            <a:gs pos="100000">
-              <a:schemeClr val="phClr">
-                <a:tint val="15000"/>
-                <a:satMod val="350000"/>
-              </a:schemeClr>
-            </a:gs>
-          </a:gsLst>
-          <a:lin ang="16200000" scaled="1"/>
-        </a:gradFill>
-        <a:gradFill rotWithShape="1">
-          <a:gsLst>
-            <a:gs pos="0">
-              <a:schemeClr val="phClr">
-                <a:tint val="100000"/>
-                <a:shade val="100000"/>
-                <a:satMod val="130000"/>
-              </a:schemeClr>
-            </a:gs>
-            <a:gs pos="100000">
-              <a:schemeClr val="phClr">
-                <a:tint val="50000"/>
-                <a:shade val="100000"/>
-                <a:satMod val="350000"/>
-              </a:schemeClr>
-            </a:gs>
-          </a:gsLst>
-          <a:lin ang="16200000" scaled="0"/>
-        </a:gradFill>
-      </a:fillStyleLst>
-      <a:lnStyleLst>
-        <a:ln w="9525" cap="flat" cmpd="sng" algn="ctr">
-          <a:solidFill>
-            <a:schemeClr val="phClr">
-              <a:shade val="95000"/>
-              <a:satMod val="105000"/>
-            </a:schemeClr>
-          </a:solidFill>
-          <a:prstDash val="solid"/>
-        </a:ln>
-        <a:ln w="25400" cap="flat" cmpd="sng" algn="ctr">
-          <a:solidFill>
-            <a:schemeClr val="phClr"/>
-          </a:solidFill>
-          <a:prstDash val="solid"/>
-        </a:ln>
-        <a:ln w="38100" cap="flat" cmpd="sng" algn="ctr">
-          <a:solidFill>
-            <a:schemeClr val="phClr"/>
-          </a:solidFill>
-          <a:prstDash val="solid"/>
-        </a:ln>
-      </a:lnStyleLst>
-      <a:effectStyleLst>
-        <a:effectStyle>
-          <a:effectLst>
-            <a:outerShdw blurRad="40000" dist="20000" dir="5400000" rotWithShape="0">
-              <a:srgbClr val="000000">
-                <a:alpha val="38000"/>
-              </a:srgbClr>
-            </a:outerShdw>
-          </a:effectLst>
-        </a:effectStyle>
-        <a:effectStyle>
-          <a:effectLst>
-            <a:outerShdw blurRad="40000" dist="23000" dir="5400000" rotWithShape="0">
-              <a:srgbClr val="000000">
-                <a:alpha val="35000"/>
-              </a:srgbClr>
-            </a:outerShdw>
-          </a:effectLst>
-        </a:effectStyle>
-        <a:effectStyle>
-          <a:effectLst>
-            <a:outerShdw blurRad="40000" dist="23000" dir="5400000" rotWithShape="0">
-              <a:srgbClr val="000000">
-                <a:alpha val="35000"/>
-              </a:srgbClr>
-            </a:outerShdw>
-          </a:effectLst>
-          <a:scene3d>
-            <a:camera prst="orthographicFront">
-              <a:rot lat="0" lon="0" rev="0"/>
-            </a:camera>
-            <a:lightRig rig="threePt" dir="t">
-              <a:rot lat="0" lon="0" rev="1200000"/>
-            </a:lightRig>
-          </a:scene3d>
-          <a:sp3d>
-            <a:bevelT w="63500" h="25400"/>
-          </a:sp3d>
-        </a:effectStyle>
-      </a:effectStyleLst>
-      <a:bgFillStyleLst>
-        <a:solidFill>
-          <a:schemeClr val="phClr"/>
-        </a:solidFill>
-        <a:gradFill rotWithShape="1">
-          <a:gsLst>
-            <a:gs pos="0">
-              <a:schemeClr val="phClr">
-                <a:tint val="40000"/>
-                <a:satMod val="350000"/>
-              </a:schemeClr>
-            </a:gs>
-            <a:gs pos="40000">
-              <a:schemeClr val="phClr">
-                <a:tint val="45000"/>
-                <a:shade val="99000"/>
-                <a:satMod val="350000"/>
-              </a:schemeClr>
-            </a:gs>
-            <a:gs pos="100000">
-              <a:schemeClr val="phClr">
-                <a:shade val="20000"/>
-                <a:satMod val="255000"/>
-              </a:schemeClr>
-            </a:gs>
-          </a:gsLst>
-          <a:path path="circle">
-            <a:fillToRect l="50000" t="-80000" r="50000" b="180000"/>
-          </a:path>
-        </a:gradFill>
-        <a:gradFill rotWithShape="1">
-          <a:gsLst>
-            <a:gs pos="0">
-              <a:schemeClr val="phClr">
-                <a:tint val="80000"/>
-                <a:satMod val="300000"/>
-              </a:schemeClr>
-            </a:gs>
-            <a:gs pos="100000">
-              <a:schemeClr val="phClr">
-                <a:shade val="30000"/>
-                <a:satMod val="200000"/>
-              </a:schemeClr>
-            </a:gs>
-          </a:gsLst>
-          <a:path path="circle">
-            <a:fillToRect l="50000" t="50000" r="50000" b="50000"/>
-          </a:path>
-        </a:gradFill>
-      </a:bgFillStyleLst>
-    </a:fmtScheme>
-  </a:themeElements>
-</a:theme>
 </file>